--- a/media/integration.pptx
+++ b/media/integration.pptx
@@ -6,7 +6,10 @@
   </p:sldMasterIdLst>
   <p:sldIdLst>
     <p:sldId id="257" r:id="rId2"/>
-    <p:sldId id="258" r:id="rId3"/>
+    <p:sldId id="259" r:id="rId3"/>
+    <p:sldId id="261" r:id="rId4"/>
+    <p:sldId id="260" r:id="rId5"/>
+    <p:sldId id="262" r:id="rId6"/>
   </p:sldIdLst>
   <p:sldSz cx="12192000" cy="6858000"/>
   <p:notesSz cx="6858000" cy="9144000"/>
@@ -105,6 +108,11 @@
       </a:defRPr>
     </a:lvl9pPr>
   </p:defaultTextStyle>
+  <p:extLst>
+    <p:ext uri="{EFAFB233-063F-42B5-8137-9DF3F51BA10A}">
+      <p15:sldGuideLst xmlns:p15="http://schemas.microsoft.com/office/powerpoint/2012/main"/>
+    </p:ext>
+  </p:extLst>
 </p:presentation>
 </file>
 
@@ -257,7 +265,7 @@
           <a:p>
             <a:fld id="{AF48A8ED-4A9B-4561-A224-A0AB5E38DE3F}" type="datetimeFigureOut">
               <a:rPr lang="fr-CH" smtClean="0"/>
-              <a:t>12.05.2022</a:t>
+              <a:t>13.05.2022</a:t>
             </a:fld>
             <a:endParaRPr lang="fr-CH"/>
           </a:p>
@@ -457,7 +465,7 @@
           <a:p>
             <a:fld id="{AF48A8ED-4A9B-4561-A224-A0AB5E38DE3F}" type="datetimeFigureOut">
               <a:rPr lang="fr-CH" smtClean="0"/>
-              <a:t>12.05.2022</a:t>
+              <a:t>13.05.2022</a:t>
             </a:fld>
             <a:endParaRPr lang="fr-CH"/>
           </a:p>
@@ -667,7 +675,7 @@
           <a:p>
             <a:fld id="{AF48A8ED-4A9B-4561-A224-A0AB5E38DE3F}" type="datetimeFigureOut">
               <a:rPr lang="fr-CH" smtClean="0"/>
-              <a:t>12.05.2022</a:t>
+              <a:t>13.05.2022</a:t>
             </a:fld>
             <a:endParaRPr lang="fr-CH"/>
           </a:p>
@@ -867,7 +875,7 @@
           <a:p>
             <a:fld id="{AF48A8ED-4A9B-4561-A224-A0AB5E38DE3F}" type="datetimeFigureOut">
               <a:rPr lang="fr-CH" smtClean="0"/>
-              <a:t>12.05.2022</a:t>
+              <a:t>13.05.2022</a:t>
             </a:fld>
             <a:endParaRPr lang="fr-CH"/>
           </a:p>
@@ -1143,7 +1151,7 @@
           <a:p>
             <a:fld id="{AF48A8ED-4A9B-4561-A224-A0AB5E38DE3F}" type="datetimeFigureOut">
               <a:rPr lang="fr-CH" smtClean="0"/>
-              <a:t>12.05.2022</a:t>
+              <a:t>13.05.2022</a:t>
             </a:fld>
             <a:endParaRPr lang="fr-CH"/>
           </a:p>
@@ -1411,7 +1419,7 @@
           <a:p>
             <a:fld id="{AF48A8ED-4A9B-4561-A224-A0AB5E38DE3F}" type="datetimeFigureOut">
               <a:rPr lang="fr-CH" smtClean="0"/>
-              <a:t>12.05.2022</a:t>
+              <a:t>13.05.2022</a:t>
             </a:fld>
             <a:endParaRPr lang="fr-CH"/>
           </a:p>
@@ -1826,7 +1834,7 @@
           <a:p>
             <a:fld id="{AF48A8ED-4A9B-4561-A224-A0AB5E38DE3F}" type="datetimeFigureOut">
               <a:rPr lang="fr-CH" smtClean="0"/>
-              <a:t>12.05.2022</a:t>
+              <a:t>13.05.2022</a:t>
             </a:fld>
             <a:endParaRPr lang="fr-CH"/>
           </a:p>
@@ -1968,7 +1976,7 @@
           <a:p>
             <a:fld id="{AF48A8ED-4A9B-4561-A224-A0AB5E38DE3F}" type="datetimeFigureOut">
               <a:rPr lang="fr-CH" smtClean="0"/>
-              <a:t>12.05.2022</a:t>
+              <a:t>13.05.2022</a:t>
             </a:fld>
             <a:endParaRPr lang="fr-CH"/>
           </a:p>
@@ -2081,7 +2089,7 @@
           <a:p>
             <a:fld id="{AF48A8ED-4A9B-4561-A224-A0AB5E38DE3F}" type="datetimeFigureOut">
               <a:rPr lang="fr-CH" smtClean="0"/>
-              <a:t>12.05.2022</a:t>
+              <a:t>13.05.2022</a:t>
             </a:fld>
             <a:endParaRPr lang="fr-CH"/>
           </a:p>
@@ -2394,7 +2402,7 @@
           <a:p>
             <a:fld id="{AF48A8ED-4A9B-4561-A224-A0AB5E38DE3F}" type="datetimeFigureOut">
               <a:rPr lang="fr-CH" smtClean="0"/>
-              <a:t>12.05.2022</a:t>
+              <a:t>13.05.2022</a:t>
             </a:fld>
             <a:endParaRPr lang="fr-CH"/>
           </a:p>
@@ -2683,7 +2691,7 @@
           <a:p>
             <a:fld id="{AF48A8ED-4A9B-4561-A224-A0AB5E38DE3F}" type="datetimeFigureOut">
               <a:rPr lang="fr-CH" smtClean="0"/>
-              <a:t>12.05.2022</a:t>
+              <a:t>13.05.2022</a:t>
             </a:fld>
             <a:endParaRPr lang="fr-CH"/>
           </a:p>
@@ -2926,7 +2934,7 @@
           <a:p>
             <a:fld id="{AF48A8ED-4A9B-4561-A224-A0AB5E38DE3F}" type="datetimeFigureOut">
               <a:rPr lang="fr-CH" smtClean="0"/>
-              <a:t>12.05.2022</a:t>
+              <a:t>13.05.2022</a:t>
             </a:fld>
             <a:endParaRPr lang="fr-CH"/>
           </a:p>
@@ -3357,8 +3365,8 @@
         </p:nvSpPr>
         <p:spPr>
           <a:xfrm>
-            <a:off x="3124200" y="342900"/>
-            <a:ext cx="6010275" cy="6172199"/>
+            <a:off x="3166363" y="1055964"/>
+            <a:ext cx="6010275" cy="5487449"/>
           </a:xfrm>
           <a:prstGeom prst="rect">
             <a:avLst/>
@@ -3434,22 +3442,6 @@
           </a:p>
           <a:p>
             <a:pPr algn="ctr"/>
-            <a:endParaRPr lang="fr-CH" sz="2000" b="1">
-              <a:solidFill>
-                <a:schemeClr val="bg2"/>
-              </a:solidFill>
-            </a:endParaRPr>
-          </a:p>
-          <a:p>
-            <a:pPr algn="ctr"/>
-            <a:endParaRPr lang="fr-CH" sz="2000" b="1">
-              <a:solidFill>
-                <a:schemeClr val="bg2"/>
-              </a:solidFill>
-            </a:endParaRPr>
-          </a:p>
-          <a:p>
-            <a:pPr algn="ctr"/>
             <a:endParaRPr lang="fr-CH" sz="2000">
               <a:solidFill>
                 <a:schemeClr val="bg2"/>
@@ -3576,8 +3568,8 @@
         </p:nvSpPr>
         <p:spPr>
           <a:xfrm>
-            <a:off x="3935125" y="2627355"/>
-            <a:ext cx="4532600" cy="3355890"/>
+            <a:off x="3977288" y="3340419"/>
+            <a:ext cx="4532600" cy="2983584"/>
           </a:xfrm>
           <a:prstGeom prst="rect">
             <a:avLst/>
@@ -3720,8 +3712,8 @@
         </p:nvSpPr>
         <p:spPr>
           <a:xfrm>
-            <a:off x="4480559" y="3334243"/>
-            <a:ext cx="3440431" cy="877425"/>
+            <a:off x="4522722" y="4047308"/>
+            <a:ext cx="3440431" cy="780083"/>
           </a:xfrm>
           <a:prstGeom prst="rect">
             <a:avLst/>
@@ -3792,8 +3784,8 @@
         </p:nvSpPr>
         <p:spPr>
           <a:xfrm>
-            <a:off x="4480559" y="4574492"/>
-            <a:ext cx="3440432" cy="877425"/>
+            <a:off x="4522722" y="5287557"/>
+            <a:ext cx="3440432" cy="780083"/>
           </a:xfrm>
           <a:prstGeom prst="rect">
             <a:avLst/>
@@ -3864,8 +3856,8 @@
         </p:nvSpPr>
         <p:spPr>
           <a:xfrm>
-            <a:off x="3935125" y="1483249"/>
-            <a:ext cx="4532600" cy="877425"/>
+            <a:off x="3977288" y="2196314"/>
+            <a:ext cx="4532600" cy="780083"/>
           </a:xfrm>
           <a:prstGeom prst="rect">
             <a:avLst/>
@@ -3918,6 +3910,41 @@
                 </a:solidFill>
               </a:rPr>
               <a:t>(livre.pdf , image.jpg, …)</a:t>
+            </a:r>
+          </a:p>
+        </p:txBody>
+      </p:sp>
+      <p:sp>
+        <p:nvSpPr>
+          <p:cNvPr id="2" name="ZoneTexte 1">
+            <a:extLst>
+              <a:ext uri="{FF2B5EF4-FFF2-40B4-BE49-F238E27FC236}">
+                <a16:creationId xmlns:a16="http://schemas.microsoft.com/office/drawing/2014/main" id="{354DA5C0-7293-40D9-8497-A218B07550A0}"/>
+              </a:ext>
+            </a:extLst>
+          </p:cNvPr>
+          <p:cNvSpPr txBox="1"/>
+          <p:nvPr/>
+        </p:nvSpPr>
+        <p:spPr>
+          <a:xfrm>
+            <a:off x="2651371" y="162624"/>
+            <a:ext cx="6889258" cy="646331"/>
+          </a:xfrm>
+          <a:prstGeom prst="rect">
+            <a:avLst/>
+          </a:prstGeom>
+          <a:noFill/>
+        </p:spPr>
+        <p:txBody>
+          <a:bodyPr wrap="none" rtlCol="0">
+            <a:spAutoFit/>
+          </a:bodyPr>
+          <a:lstStyle/>
+          <a:p>
+            <a:r>
+              <a:rPr lang="fr-CH" sz="3600"/>
+              <a:t>Modélisation d’un objet à préserver</a:t>
             </a:r>
           </a:p>
         </p:txBody>
@@ -4152,6 +4179,679 @@
 </file>
 
 <file path=ppt/slides/slide2.xml><?xml version="1.0" encoding="utf-8"?>
+<p:sld xmlns:a="http://schemas.openxmlformats.org/drawingml/2006/main" xmlns:r="http://schemas.openxmlformats.org/officeDocument/2006/relationships" xmlns:p="http://schemas.openxmlformats.org/presentationml/2006/main" show="0">
+  <p:cSld>
+    <p:spTree>
+      <p:nvGrpSpPr>
+        <p:cNvPr id="1" name=""/>
+        <p:cNvGrpSpPr/>
+        <p:nvPr/>
+      </p:nvGrpSpPr>
+      <p:grpSpPr>
+        <a:xfrm>
+          <a:off x="0" y="0"/>
+          <a:ext cx="0" cy="0"/>
+          <a:chOff x="0" y="0"/>
+          <a:chExt cx="0" cy="0"/>
+        </a:xfrm>
+      </p:grpSpPr>
+      <p:grpSp>
+        <p:nvGrpSpPr>
+          <p:cNvPr id="2" name="Groupe 1">
+            <a:extLst>
+              <a:ext uri="{FF2B5EF4-FFF2-40B4-BE49-F238E27FC236}">
+                <a16:creationId xmlns:a16="http://schemas.microsoft.com/office/drawing/2014/main" id="{695B117E-ABE4-4831-AAB5-54961BA432BE}"/>
+              </a:ext>
+            </a:extLst>
+          </p:cNvPr>
+          <p:cNvGrpSpPr/>
+          <p:nvPr/>
+        </p:nvGrpSpPr>
+        <p:grpSpPr>
+          <a:xfrm>
+            <a:off x="2701255" y="771400"/>
+            <a:ext cx="6175726" cy="4362664"/>
+            <a:chOff x="1164201" y="276448"/>
+            <a:chExt cx="9868751" cy="5947295"/>
+          </a:xfrm>
+        </p:grpSpPr>
+        <p:pic>
+          <p:nvPicPr>
+            <p:cNvPr id="3" name="Image 2">
+              <a:extLst>
+                <a:ext uri="{FF2B5EF4-FFF2-40B4-BE49-F238E27FC236}">
+                  <a16:creationId xmlns:a16="http://schemas.microsoft.com/office/drawing/2014/main" id="{80C5D560-A17F-4B0F-91AF-9E37468A8934}"/>
+                </a:ext>
+              </a:extLst>
+            </p:cNvPr>
+            <p:cNvPicPr>
+              <a:picLocks noChangeAspect="1"/>
+            </p:cNvPicPr>
+            <p:nvPr/>
+          </p:nvPicPr>
+          <p:blipFill>
+            <a:blip r:embed="rId2"/>
+            <a:stretch>
+              <a:fillRect/>
+            </a:stretch>
+          </p:blipFill>
+          <p:spPr>
+            <a:xfrm>
+              <a:off x="1164201" y="5275408"/>
+              <a:ext cx="925788" cy="948333"/>
+            </a:xfrm>
+            <a:prstGeom prst="rect">
+              <a:avLst/>
+            </a:prstGeom>
+          </p:spPr>
+        </p:pic>
+        <p:pic>
+          <p:nvPicPr>
+            <p:cNvPr id="9" name="Image 8">
+              <a:extLst>
+                <a:ext uri="{FF2B5EF4-FFF2-40B4-BE49-F238E27FC236}">
+                  <a16:creationId xmlns:a16="http://schemas.microsoft.com/office/drawing/2014/main" id="{269AE0AB-6CF4-4EBB-9929-6194F286437A}"/>
+                </a:ext>
+              </a:extLst>
+            </p:cNvPr>
+            <p:cNvPicPr>
+              <a:picLocks noChangeAspect="1"/>
+            </p:cNvPicPr>
+            <p:nvPr/>
+          </p:nvPicPr>
+          <p:blipFill>
+            <a:blip r:embed="rId2"/>
+            <a:stretch>
+              <a:fillRect/>
+            </a:stretch>
+          </p:blipFill>
+          <p:spPr>
+            <a:xfrm>
+              <a:off x="2490168" y="5275408"/>
+              <a:ext cx="925788" cy="948333"/>
+            </a:xfrm>
+            <a:prstGeom prst="rect">
+              <a:avLst/>
+            </a:prstGeom>
+          </p:spPr>
+        </p:pic>
+        <p:pic>
+          <p:nvPicPr>
+            <p:cNvPr id="10" name="Image 9">
+              <a:extLst>
+                <a:ext uri="{FF2B5EF4-FFF2-40B4-BE49-F238E27FC236}">
+                  <a16:creationId xmlns:a16="http://schemas.microsoft.com/office/drawing/2014/main" id="{1CE5404C-DC1E-41E9-9D3E-C228E5BE6C85}"/>
+                </a:ext>
+              </a:extLst>
+            </p:cNvPr>
+            <p:cNvPicPr>
+              <a:picLocks noChangeAspect="1"/>
+            </p:cNvPicPr>
+            <p:nvPr/>
+          </p:nvPicPr>
+          <p:blipFill>
+            <a:blip r:embed="rId2"/>
+            <a:stretch>
+              <a:fillRect/>
+            </a:stretch>
+          </p:blipFill>
+          <p:spPr>
+            <a:xfrm>
+              <a:off x="6055312" y="5275410"/>
+              <a:ext cx="925788" cy="948333"/>
+            </a:xfrm>
+            <a:prstGeom prst="rect">
+              <a:avLst/>
+            </a:prstGeom>
+          </p:spPr>
+        </p:pic>
+        <p:pic>
+          <p:nvPicPr>
+            <p:cNvPr id="11" name="Image 10">
+              <a:extLst>
+                <a:ext uri="{FF2B5EF4-FFF2-40B4-BE49-F238E27FC236}">
+                  <a16:creationId xmlns:a16="http://schemas.microsoft.com/office/drawing/2014/main" id="{9A0102A8-5CB3-46B2-BFC1-E4919C8DA071}"/>
+                </a:ext>
+              </a:extLst>
+            </p:cNvPr>
+            <p:cNvPicPr>
+              <a:picLocks noChangeAspect="1"/>
+            </p:cNvPicPr>
+            <p:nvPr/>
+          </p:nvPicPr>
+          <p:blipFill>
+            <a:blip r:embed="rId2"/>
+            <a:stretch>
+              <a:fillRect/>
+            </a:stretch>
+          </p:blipFill>
+          <p:spPr>
+            <a:xfrm>
+              <a:off x="7318565" y="5275409"/>
+              <a:ext cx="925788" cy="948333"/>
+            </a:xfrm>
+            <a:prstGeom prst="rect">
+              <a:avLst/>
+            </a:prstGeom>
+          </p:spPr>
+        </p:pic>
+        <p:pic>
+          <p:nvPicPr>
+            <p:cNvPr id="12" name="Image 11">
+              <a:extLst>
+                <a:ext uri="{FF2B5EF4-FFF2-40B4-BE49-F238E27FC236}">
+                  <a16:creationId xmlns:a16="http://schemas.microsoft.com/office/drawing/2014/main" id="{550118E5-F70F-46E4-A770-FE9CD456E0DE}"/>
+                </a:ext>
+              </a:extLst>
+            </p:cNvPr>
+            <p:cNvPicPr>
+              <a:picLocks noChangeAspect="1"/>
+            </p:cNvPicPr>
+            <p:nvPr/>
+          </p:nvPicPr>
+          <p:blipFill>
+            <a:blip r:embed="rId2"/>
+            <a:stretch>
+              <a:fillRect/>
+            </a:stretch>
+          </p:blipFill>
+          <p:spPr>
+            <a:xfrm>
+              <a:off x="10107164" y="2775928"/>
+              <a:ext cx="925788" cy="948333"/>
+            </a:xfrm>
+            <a:prstGeom prst="rect">
+              <a:avLst/>
+            </a:prstGeom>
+          </p:spPr>
+        </p:pic>
+        <p:pic>
+          <p:nvPicPr>
+            <p:cNvPr id="13" name="Image 12">
+              <a:extLst>
+                <a:ext uri="{FF2B5EF4-FFF2-40B4-BE49-F238E27FC236}">
+                  <a16:creationId xmlns:a16="http://schemas.microsoft.com/office/drawing/2014/main" id="{0B99374B-D626-4BF8-B115-C569A1BC2E9C}"/>
+                </a:ext>
+              </a:extLst>
+            </p:cNvPr>
+            <p:cNvPicPr>
+              <a:picLocks noChangeAspect="1"/>
+            </p:cNvPicPr>
+            <p:nvPr/>
+          </p:nvPicPr>
+          <p:blipFill>
+            <a:blip r:embed="rId2"/>
+            <a:stretch>
+              <a:fillRect/>
+            </a:stretch>
+          </p:blipFill>
+          <p:spPr>
+            <a:xfrm>
+              <a:off x="6055312" y="2775929"/>
+              <a:ext cx="925788" cy="948333"/>
+            </a:xfrm>
+            <a:prstGeom prst="rect">
+              <a:avLst/>
+            </a:prstGeom>
+          </p:spPr>
+        </p:pic>
+        <p:pic>
+          <p:nvPicPr>
+            <p:cNvPr id="14" name="Image 13">
+              <a:extLst>
+                <a:ext uri="{FF2B5EF4-FFF2-40B4-BE49-F238E27FC236}">
+                  <a16:creationId xmlns:a16="http://schemas.microsoft.com/office/drawing/2014/main" id="{AD543861-C20F-4A89-B1D4-DEFA3BDE48AE}"/>
+                </a:ext>
+              </a:extLst>
+            </p:cNvPr>
+            <p:cNvPicPr>
+              <a:picLocks noChangeAspect="1"/>
+            </p:cNvPicPr>
+            <p:nvPr/>
+          </p:nvPicPr>
+          <p:blipFill>
+            <a:blip r:embed="rId2"/>
+            <a:stretch>
+              <a:fillRect/>
+            </a:stretch>
+          </p:blipFill>
+          <p:spPr>
+            <a:xfrm>
+              <a:off x="4792060" y="5275409"/>
+              <a:ext cx="925788" cy="948333"/>
+            </a:xfrm>
+            <a:prstGeom prst="rect">
+              <a:avLst/>
+            </a:prstGeom>
+          </p:spPr>
+        </p:pic>
+        <p:pic>
+          <p:nvPicPr>
+            <p:cNvPr id="15" name="Image 14">
+              <a:extLst>
+                <a:ext uri="{FF2B5EF4-FFF2-40B4-BE49-F238E27FC236}">
+                  <a16:creationId xmlns:a16="http://schemas.microsoft.com/office/drawing/2014/main" id="{84E05BA4-3E3C-4ECF-9A7E-AC3349B241B3}"/>
+                </a:ext>
+              </a:extLst>
+            </p:cNvPr>
+            <p:cNvPicPr>
+              <a:picLocks noChangeAspect="1"/>
+            </p:cNvPicPr>
+            <p:nvPr/>
+          </p:nvPicPr>
+          <p:blipFill>
+            <a:blip r:embed="rId2"/>
+            <a:stretch>
+              <a:fillRect/>
+            </a:stretch>
+          </p:blipFill>
+          <p:spPr>
+            <a:xfrm>
+              <a:off x="6055312" y="276448"/>
+              <a:ext cx="925788" cy="948333"/>
+            </a:xfrm>
+            <a:prstGeom prst="rect">
+              <a:avLst/>
+            </a:prstGeom>
+          </p:spPr>
+        </p:pic>
+        <p:pic>
+          <p:nvPicPr>
+            <p:cNvPr id="16" name="Image 15">
+              <a:extLst>
+                <a:ext uri="{FF2B5EF4-FFF2-40B4-BE49-F238E27FC236}">
+                  <a16:creationId xmlns:a16="http://schemas.microsoft.com/office/drawing/2014/main" id="{3CCAA042-1F91-401F-B3D9-97CDBF0E40F8}"/>
+                </a:ext>
+              </a:extLst>
+            </p:cNvPr>
+            <p:cNvPicPr>
+              <a:picLocks noChangeAspect="1"/>
+            </p:cNvPicPr>
+            <p:nvPr/>
+          </p:nvPicPr>
+          <p:blipFill>
+            <a:blip r:embed="rId2"/>
+            <a:stretch>
+              <a:fillRect/>
+            </a:stretch>
+          </p:blipFill>
+          <p:spPr>
+            <a:xfrm>
+              <a:off x="1914421" y="2775929"/>
+              <a:ext cx="925788" cy="948333"/>
+            </a:xfrm>
+            <a:prstGeom prst="rect">
+              <a:avLst/>
+            </a:prstGeom>
+          </p:spPr>
+        </p:pic>
+        <p:cxnSp>
+          <p:nvCxnSpPr>
+            <p:cNvPr id="18" name="Connecteur droit avec flèche 17">
+              <a:extLst>
+                <a:ext uri="{FF2B5EF4-FFF2-40B4-BE49-F238E27FC236}">
+                  <a16:creationId xmlns:a16="http://schemas.microsoft.com/office/drawing/2014/main" id="{C250E0F2-0C25-414E-BBF2-1E7F0AC3733E}"/>
+                </a:ext>
+              </a:extLst>
+            </p:cNvPr>
+            <p:cNvCxnSpPr>
+              <a:stCxn id="15" idx="2"/>
+              <a:endCxn id="13" idx="0"/>
+            </p:cNvCxnSpPr>
+            <p:nvPr/>
+          </p:nvCxnSpPr>
+          <p:spPr>
+            <a:xfrm>
+              <a:off x="6518206" y="1224781"/>
+              <a:ext cx="0" cy="1551148"/>
+            </a:xfrm>
+            <a:prstGeom prst="straightConnector1">
+              <a:avLst/>
+            </a:prstGeom>
+            <a:ln w="38100">
+              <a:tailEnd type="triangle"/>
+            </a:ln>
+          </p:spPr>
+          <p:style>
+            <a:lnRef idx="1">
+              <a:schemeClr val="accent1"/>
+            </a:lnRef>
+            <a:fillRef idx="0">
+              <a:schemeClr val="accent1"/>
+            </a:fillRef>
+            <a:effectRef idx="0">
+              <a:schemeClr val="accent1"/>
+            </a:effectRef>
+            <a:fontRef idx="minor">
+              <a:schemeClr val="tx1"/>
+            </a:fontRef>
+          </p:style>
+        </p:cxnSp>
+        <p:cxnSp>
+          <p:nvCxnSpPr>
+            <p:cNvPr id="19" name="Connecteur droit avec flèche 18">
+              <a:extLst>
+                <a:ext uri="{FF2B5EF4-FFF2-40B4-BE49-F238E27FC236}">
+                  <a16:creationId xmlns:a16="http://schemas.microsoft.com/office/drawing/2014/main" id="{7380F170-1295-49E6-82D7-40B476A95A7D}"/>
+                </a:ext>
+              </a:extLst>
+            </p:cNvPr>
+            <p:cNvCxnSpPr>
+              <a:cxnSpLocks/>
+              <a:stCxn id="13" idx="2"/>
+              <a:endCxn id="10" idx="0"/>
+            </p:cNvCxnSpPr>
+            <p:nvPr/>
+          </p:nvCxnSpPr>
+          <p:spPr>
+            <a:xfrm>
+              <a:off x="6518206" y="3724262"/>
+              <a:ext cx="0" cy="1551148"/>
+            </a:xfrm>
+            <a:prstGeom prst="straightConnector1">
+              <a:avLst/>
+            </a:prstGeom>
+            <a:ln w="38100">
+              <a:tailEnd type="triangle"/>
+            </a:ln>
+          </p:spPr>
+          <p:style>
+            <a:lnRef idx="1">
+              <a:schemeClr val="accent1"/>
+            </a:lnRef>
+            <a:fillRef idx="0">
+              <a:schemeClr val="accent1"/>
+            </a:fillRef>
+            <a:effectRef idx="0">
+              <a:schemeClr val="accent1"/>
+            </a:effectRef>
+            <a:fontRef idx="minor">
+              <a:schemeClr val="tx1"/>
+            </a:fontRef>
+          </p:style>
+        </p:cxnSp>
+        <p:cxnSp>
+          <p:nvCxnSpPr>
+            <p:cNvPr id="24" name="Connecteur : en angle 23">
+              <a:extLst>
+                <a:ext uri="{FF2B5EF4-FFF2-40B4-BE49-F238E27FC236}">
+                  <a16:creationId xmlns:a16="http://schemas.microsoft.com/office/drawing/2014/main" id="{2C676AA9-9BB0-4F35-B424-908ACE0CB764}"/>
+                </a:ext>
+              </a:extLst>
+            </p:cNvPr>
+            <p:cNvCxnSpPr>
+              <a:stCxn id="15" idx="2"/>
+              <a:endCxn id="16" idx="0"/>
+            </p:cNvCxnSpPr>
+            <p:nvPr/>
+          </p:nvCxnSpPr>
+          <p:spPr>
+            <a:xfrm rot="5400000">
+              <a:off x="3672187" y="-70090"/>
+              <a:ext cx="1551148" cy="4140891"/>
+            </a:xfrm>
+            <a:prstGeom prst="bentConnector3">
+              <a:avLst/>
+            </a:prstGeom>
+            <a:ln w="38100">
+              <a:tailEnd type="triangle"/>
+            </a:ln>
+          </p:spPr>
+          <p:style>
+            <a:lnRef idx="1">
+              <a:schemeClr val="accent1"/>
+            </a:lnRef>
+            <a:fillRef idx="0">
+              <a:schemeClr val="accent1"/>
+            </a:fillRef>
+            <a:effectRef idx="0">
+              <a:schemeClr val="accent1"/>
+            </a:effectRef>
+            <a:fontRef idx="minor">
+              <a:schemeClr val="tx1"/>
+            </a:fontRef>
+          </p:style>
+        </p:cxnSp>
+        <p:cxnSp>
+          <p:nvCxnSpPr>
+            <p:cNvPr id="25" name="Connecteur : en angle 24">
+              <a:extLst>
+                <a:ext uri="{FF2B5EF4-FFF2-40B4-BE49-F238E27FC236}">
+                  <a16:creationId xmlns:a16="http://schemas.microsoft.com/office/drawing/2014/main" id="{1DA013E3-7B09-4ED5-B38B-87612E92D485}"/>
+                </a:ext>
+              </a:extLst>
+            </p:cNvPr>
+            <p:cNvCxnSpPr>
+              <a:cxnSpLocks/>
+              <a:stCxn id="15" idx="2"/>
+              <a:endCxn id="12" idx="0"/>
+            </p:cNvCxnSpPr>
+            <p:nvPr/>
+          </p:nvCxnSpPr>
+          <p:spPr>
+            <a:xfrm rot="16200000" flipH="1">
+              <a:off x="7768559" y="-25572"/>
+              <a:ext cx="1551147" cy="4051852"/>
+            </a:xfrm>
+            <a:prstGeom prst="bentConnector3">
+              <a:avLst>
+                <a:gd name="adj1" fmla="val 50000"/>
+              </a:avLst>
+            </a:prstGeom>
+            <a:ln w="38100">
+              <a:tailEnd type="triangle"/>
+            </a:ln>
+          </p:spPr>
+          <p:style>
+            <a:lnRef idx="1">
+              <a:schemeClr val="accent1"/>
+            </a:lnRef>
+            <a:fillRef idx="0">
+              <a:schemeClr val="accent1"/>
+            </a:fillRef>
+            <a:effectRef idx="0">
+              <a:schemeClr val="accent1"/>
+            </a:effectRef>
+            <a:fontRef idx="minor">
+              <a:schemeClr val="tx1"/>
+            </a:fontRef>
+          </p:style>
+        </p:cxnSp>
+        <p:cxnSp>
+          <p:nvCxnSpPr>
+            <p:cNvPr id="28" name="Connecteur : en angle 27">
+              <a:extLst>
+                <a:ext uri="{FF2B5EF4-FFF2-40B4-BE49-F238E27FC236}">
+                  <a16:creationId xmlns:a16="http://schemas.microsoft.com/office/drawing/2014/main" id="{09BFB5E0-09E1-4C37-B84A-50397C46E550}"/>
+                </a:ext>
+              </a:extLst>
+            </p:cNvPr>
+            <p:cNvCxnSpPr>
+              <a:cxnSpLocks/>
+              <a:stCxn id="16" idx="2"/>
+              <a:endCxn id="3" idx="0"/>
+            </p:cNvCxnSpPr>
+            <p:nvPr/>
+          </p:nvCxnSpPr>
+          <p:spPr>
+            <a:xfrm rot="5400000">
+              <a:off x="1226632" y="4124725"/>
+              <a:ext cx="1551146" cy="750220"/>
+            </a:xfrm>
+            <a:prstGeom prst="bentConnector3">
+              <a:avLst>
+                <a:gd name="adj1" fmla="val 50000"/>
+              </a:avLst>
+            </a:prstGeom>
+            <a:ln w="38100">
+              <a:tailEnd type="triangle"/>
+            </a:ln>
+          </p:spPr>
+          <p:style>
+            <a:lnRef idx="1">
+              <a:schemeClr val="accent1"/>
+            </a:lnRef>
+            <a:fillRef idx="0">
+              <a:schemeClr val="accent1"/>
+            </a:fillRef>
+            <a:effectRef idx="0">
+              <a:schemeClr val="accent1"/>
+            </a:effectRef>
+            <a:fontRef idx="minor">
+              <a:schemeClr val="tx1"/>
+            </a:fontRef>
+          </p:style>
+        </p:cxnSp>
+        <p:cxnSp>
+          <p:nvCxnSpPr>
+            <p:cNvPr id="31" name="Connecteur : en angle 30">
+              <a:extLst>
+                <a:ext uri="{FF2B5EF4-FFF2-40B4-BE49-F238E27FC236}">
+                  <a16:creationId xmlns:a16="http://schemas.microsoft.com/office/drawing/2014/main" id="{8713AEE1-C637-40AB-B6B0-2AF0264D8EEF}"/>
+                </a:ext>
+              </a:extLst>
+            </p:cNvPr>
+            <p:cNvCxnSpPr>
+              <a:cxnSpLocks/>
+              <a:stCxn id="16" idx="2"/>
+              <a:endCxn id="9" idx="0"/>
+            </p:cNvCxnSpPr>
+            <p:nvPr/>
+          </p:nvCxnSpPr>
+          <p:spPr>
+            <a:xfrm rot="16200000" flipH="1">
+              <a:off x="1889615" y="4211961"/>
+              <a:ext cx="1551146" cy="575747"/>
+            </a:xfrm>
+            <a:prstGeom prst="bentConnector3">
+              <a:avLst>
+                <a:gd name="adj1" fmla="val 50000"/>
+              </a:avLst>
+            </a:prstGeom>
+            <a:ln w="38100">
+              <a:tailEnd type="triangle"/>
+            </a:ln>
+          </p:spPr>
+          <p:style>
+            <a:lnRef idx="1">
+              <a:schemeClr val="accent1"/>
+            </a:lnRef>
+            <a:fillRef idx="0">
+              <a:schemeClr val="accent1"/>
+            </a:fillRef>
+            <a:effectRef idx="0">
+              <a:schemeClr val="accent1"/>
+            </a:effectRef>
+            <a:fontRef idx="minor">
+              <a:schemeClr val="tx1"/>
+            </a:fontRef>
+          </p:style>
+        </p:cxnSp>
+        <p:cxnSp>
+          <p:nvCxnSpPr>
+            <p:cNvPr id="34" name="Connecteur : en angle 33">
+              <a:extLst>
+                <a:ext uri="{FF2B5EF4-FFF2-40B4-BE49-F238E27FC236}">
+                  <a16:creationId xmlns:a16="http://schemas.microsoft.com/office/drawing/2014/main" id="{6EA71BA6-AF32-4A70-B9D5-65F34B9F7C3E}"/>
+                </a:ext>
+              </a:extLst>
+            </p:cNvPr>
+            <p:cNvCxnSpPr>
+              <a:cxnSpLocks/>
+              <a:stCxn id="13" idx="2"/>
+              <a:endCxn id="14" idx="0"/>
+            </p:cNvCxnSpPr>
+            <p:nvPr/>
+          </p:nvCxnSpPr>
+          <p:spPr>
+            <a:xfrm rot="5400000">
+              <a:off x="5111007" y="3868209"/>
+              <a:ext cx="1551147" cy="1263252"/>
+            </a:xfrm>
+            <a:prstGeom prst="bentConnector3">
+              <a:avLst>
+                <a:gd name="adj1" fmla="val 50000"/>
+              </a:avLst>
+            </a:prstGeom>
+            <a:ln w="38100">
+              <a:tailEnd type="triangle"/>
+            </a:ln>
+          </p:spPr>
+          <p:style>
+            <a:lnRef idx="1">
+              <a:schemeClr val="accent1"/>
+            </a:lnRef>
+            <a:fillRef idx="0">
+              <a:schemeClr val="accent1"/>
+            </a:fillRef>
+            <a:effectRef idx="0">
+              <a:schemeClr val="accent1"/>
+            </a:effectRef>
+            <a:fontRef idx="minor">
+              <a:schemeClr val="tx1"/>
+            </a:fontRef>
+          </p:style>
+        </p:cxnSp>
+        <p:cxnSp>
+          <p:nvCxnSpPr>
+            <p:cNvPr id="37" name="Connecteur : en angle 36">
+              <a:extLst>
+                <a:ext uri="{FF2B5EF4-FFF2-40B4-BE49-F238E27FC236}">
+                  <a16:creationId xmlns:a16="http://schemas.microsoft.com/office/drawing/2014/main" id="{0BEC7CA0-6638-482D-9BC6-69A32BD4D868}"/>
+                </a:ext>
+              </a:extLst>
+            </p:cNvPr>
+            <p:cNvCxnSpPr>
+              <a:cxnSpLocks/>
+              <a:stCxn id="13" idx="2"/>
+              <a:endCxn id="11" idx="0"/>
+            </p:cNvCxnSpPr>
+            <p:nvPr/>
+          </p:nvCxnSpPr>
+          <p:spPr>
+            <a:xfrm rot="16200000" flipH="1">
+              <a:off x="6374259" y="3868208"/>
+              <a:ext cx="1551147" cy="1263253"/>
+            </a:xfrm>
+            <a:prstGeom prst="bentConnector3">
+              <a:avLst>
+                <a:gd name="adj1" fmla="val 50000"/>
+              </a:avLst>
+            </a:prstGeom>
+            <a:ln w="38100">
+              <a:tailEnd type="triangle"/>
+            </a:ln>
+          </p:spPr>
+          <p:style>
+            <a:lnRef idx="1">
+              <a:schemeClr val="accent1"/>
+            </a:lnRef>
+            <a:fillRef idx="0">
+              <a:schemeClr val="accent1"/>
+            </a:fillRef>
+            <a:effectRef idx="0">
+              <a:schemeClr val="accent1"/>
+            </a:effectRef>
+            <a:fontRef idx="minor">
+              <a:schemeClr val="tx1"/>
+            </a:fontRef>
+          </p:style>
+        </p:cxnSp>
+      </p:grpSp>
+    </p:spTree>
+    <p:extLst>
+      <p:ext uri="{BB962C8B-B14F-4D97-AF65-F5344CB8AC3E}">
+        <p14:creationId xmlns:p14="http://schemas.microsoft.com/office/powerpoint/2010/main" val="466171420"/>
+      </p:ext>
+    </p:extLst>
+  </p:cSld>
+  <p:clrMapOvr>
+    <a:masterClrMapping/>
+  </p:clrMapOvr>
+</p:sld>
+</file>
+
+<file path=ppt/slides/slide3.xml><?xml version="1.0" encoding="utf-8"?>
 <p:sld xmlns:a="http://schemas.openxmlformats.org/drawingml/2006/main" xmlns:r="http://schemas.openxmlformats.org/officeDocument/2006/relationships" xmlns:p="http://schemas.openxmlformats.org/presentationml/2006/main">
   <p:cSld>
     <p:spTree>
@@ -4168,644 +4868,665 @@
           <a:chExt cx="0" cy="0"/>
         </a:xfrm>
       </p:grpSpPr>
-      <p:pic>
-        <p:nvPicPr>
-          <p:cNvPr id="3" name="Image 2">
-            <a:extLst>
-              <a:ext uri="{FF2B5EF4-FFF2-40B4-BE49-F238E27FC236}">
-                <a16:creationId xmlns:a16="http://schemas.microsoft.com/office/drawing/2014/main" id="{80C5D560-A17F-4B0F-91AF-9E37468A8934}"/>
-              </a:ext>
-            </a:extLst>
-          </p:cNvPr>
-          <p:cNvPicPr>
-            <a:picLocks noChangeAspect="1"/>
-          </p:cNvPicPr>
+      <p:grpSp>
+        <p:nvGrpSpPr>
+          <p:cNvPr id="2" name="Groupe 1">
+            <a:extLst>
+              <a:ext uri="{FF2B5EF4-FFF2-40B4-BE49-F238E27FC236}">
+                <a16:creationId xmlns:a16="http://schemas.microsoft.com/office/drawing/2014/main" id="{695B117E-ABE4-4831-AAB5-54961BA432BE}"/>
+              </a:ext>
+            </a:extLst>
+          </p:cNvPr>
+          <p:cNvGrpSpPr/>
           <p:nvPr/>
-        </p:nvPicPr>
-        <p:blipFill>
-          <a:blip r:embed="rId2"/>
-          <a:stretch>
-            <a:fillRect/>
-          </a:stretch>
-        </p:blipFill>
+        </p:nvGrpSpPr>
+        <p:grpSpPr>
+          <a:xfrm>
+            <a:off x="3162649" y="1249572"/>
+            <a:ext cx="6175726" cy="4362664"/>
+            <a:chOff x="1164201" y="276448"/>
+            <a:chExt cx="9868751" cy="5947295"/>
+          </a:xfrm>
+        </p:grpSpPr>
+        <p:pic>
+          <p:nvPicPr>
+            <p:cNvPr id="3" name="Image 2">
+              <a:extLst>
+                <a:ext uri="{FF2B5EF4-FFF2-40B4-BE49-F238E27FC236}">
+                  <a16:creationId xmlns:a16="http://schemas.microsoft.com/office/drawing/2014/main" id="{80C5D560-A17F-4B0F-91AF-9E37468A8934}"/>
+                </a:ext>
+              </a:extLst>
+            </p:cNvPr>
+            <p:cNvPicPr>
+              <a:picLocks noChangeAspect="1"/>
+            </p:cNvPicPr>
+            <p:nvPr/>
+          </p:nvPicPr>
+          <p:blipFill>
+            <a:blip r:embed="rId2"/>
+            <a:stretch>
+              <a:fillRect/>
+            </a:stretch>
+          </p:blipFill>
+          <p:spPr>
+            <a:xfrm>
+              <a:off x="1164201" y="5275408"/>
+              <a:ext cx="925788" cy="948333"/>
+            </a:xfrm>
+            <a:prstGeom prst="rect">
+              <a:avLst/>
+            </a:prstGeom>
+          </p:spPr>
+        </p:pic>
+        <p:pic>
+          <p:nvPicPr>
+            <p:cNvPr id="9" name="Image 8">
+              <a:extLst>
+                <a:ext uri="{FF2B5EF4-FFF2-40B4-BE49-F238E27FC236}">
+                  <a16:creationId xmlns:a16="http://schemas.microsoft.com/office/drawing/2014/main" id="{269AE0AB-6CF4-4EBB-9929-6194F286437A}"/>
+                </a:ext>
+              </a:extLst>
+            </p:cNvPr>
+            <p:cNvPicPr>
+              <a:picLocks noChangeAspect="1"/>
+            </p:cNvPicPr>
+            <p:nvPr/>
+          </p:nvPicPr>
+          <p:blipFill>
+            <a:blip r:embed="rId2"/>
+            <a:stretch>
+              <a:fillRect/>
+            </a:stretch>
+          </p:blipFill>
+          <p:spPr>
+            <a:xfrm>
+              <a:off x="2490168" y="5275408"/>
+              <a:ext cx="925788" cy="948333"/>
+            </a:xfrm>
+            <a:prstGeom prst="rect">
+              <a:avLst/>
+            </a:prstGeom>
+          </p:spPr>
+        </p:pic>
+        <p:pic>
+          <p:nvPicPr>
+            <p:cNvPr id="10" name="Image 9">
+              <a:extLst>
+                <a:ext uri="{FF2B5EF4-FFF2-40B4-BE49-F238E27FC236}">
+                  <a16:creationId xmlns:a16="http://schemas.microsoft.com/office/drawing/2014/main" id="{1CE5404C-DC1E-41E9-9D3E-C228E5BE6C85}"/>
+                </a:ext>
+              </a:extLst>
+            </p:cNvPr>
+            <p:cNvPicPr>
+              <a:picLocks noChangeAspect="1"/>
+            </p:cNvPicPr>
+            <p:nvPr/>
+          </p:nvPicPr>
+          <p:blipFill>
+            <a:blip r:embed="rId2"/>
+            <a:stretch>
+              <a:fillRect/>
+            </a:stretch>
+          </p:blipFill>
+          <p:spPr>
+            <a:xfrm>
+              <a:off x="6055312" y="5275410"/>
+              <a:ext cx="925788" cy="948333"/>
+            </a:xfrm>
+            <a:prstGeom prst="rect">
+              <a:avLst/>
+            </a:prstGeom>
+          </p:spPr>
+        </p:pic>
+        <p:pic>
+          <p:nvPicPr>
+            <p:cNvPr id="11" name="Image 10">
+              <a:extLst>
+                <a:ext uri="{FF2B5EF4-FFF2-40B4-BE49-F238E27FC236}">
+                  <a16:creationId xmlns:a16="http://schemas.microsoft.com/office/drawing/2014/main" id="{9A0102A8-5CB3-46B2-BFC1-E4919C8DA071}"/>
+                </a:ext>
+              </a:extLst>
+            </p:cNvPr>
+            <p:cNvPicPr>
+              <a:picLocks noChangeAspect="1"/>
+            </p:cNvPicPr>
+            <p:nvPr/>
+          </p:nvPicPr>
+          <p:blipFill>
+            <a:blip r:embed="rId2"/>
+            <a:stretch>
+              <a:fillRect/>
+            </a:stretch>
+          </p:blipFill>
+          <p:spPr>
+            <a:xfrm>
+              <a:off x="7318565" y="5275409"/>
+              <a:ext cx="925788" cy="948333"/>
+            </a:xfrm>
+            <a:prstGeom prst="rect">
+              <a:avLst/>
+            </a:prstGeom>
+          </p:spPr>
+        </p:pic>
+        <p:pic>
+          <p:nvPicPr>
+            <p:cNvPr id="12" name="Image 11">
+              <a:extLst>
+                <a:ext uri="{FF2B5EF4-FFF2-40B4-BE49-F238E27FC236}">
+                  <a16:creationId xmlns:a16="http://schemas.microsoft.com/office/drawing/2014/main" id="{550118E5-F70F-46E4-A770-FE9CD456E0DE}"/>
+                </a:ext>
+              </a:extLst>
+            </p:cNvPr>
+            <p:cNvPicPr>
+              <a:picLocks noChangeAspect="1"/>
+            </p:cNvPicPr>
+            <p:nvPr/>
+          </p:nvPicPr>
+          <p:blipFill>
+            <a:blip r:embed="rId2"/>
+            <a:stretch>
+              <a:fillRect/>
+            </a:stretch>
+          </p:blipFill>
+          <p:spPr>
+            <a:xfrm>
+              <a:off x="10107164" y="2775928"/>
+              <a:ext cx="925788" cy="948333"/>
+            </a:xfrm>
+            <a:prstGeom prst="rect">
+              <a:avLst/>
+            </a:prstGeom>
+          </p:spPr>
+        </p:pic>
+        <p:pic>
+          <p:nvPicPr>
+            <p:cNvPr id="13" name="Image 12">
+              <a:extLst>
+                <a:ext uri="{FF2B5EF4-FFF2-40B4-BE49-F238E27FC236}">
+                  <a16:creationId xmlns:a16="http://schemas.microsoft.com/office/drawing/2014/main" id="{0B99374B-D626-4BF8-B115-C569A1BC2E9C}"/>
+                </a:ext>
+              </a:extLst>
+            </p:cNvPr>
+            <p:cNvPicPr>
+              <a:picLocks noChangeAspect="1"/>
+            </p:cNvPicPr>
+            <p:nvPr/>
+          </p:nvPicPr>
+          <p:blipFill>
+            <a:blip r:embed="rId2"/>
+            <a:stretch>
+              <a:fillRect/>
+            </a:stretch>
+          </p:blipFill>
+          <p:spPr>
+            <a:xfrm>
+              <a:off x="6055312" y="2775929"/>
+              <a:ext cx="925788" cy="948333"/>
+            </a:xfrm>
+            <a:prstGeom prst="rect">
+              <a:avLst/>
+            </a:prstGeom>
+          </p:spPr>
+        </p:pic>
+        <p:pic>
+          <p:nvPicPr>
+            <p:cNvPr id="14" name="Image 13">
+              <a:extLst>
+                <a:ext uri="{FF2B5EF4-FFF2-40B4-BE49-F238E27FC236}">
+                  <a16:creationId xmlns:a16="http://schemas.microsoft.com/office/drawing/2014/main" id="{AD543861-C20F-4A89-B1D4-DEFA3BDE48AE}"/>
+                </a:ext>
+              </a:extLst>
+            </p:cNvPr>
+            <p:cNvPicPr>
+              <a:picLocks noChangeAspect="1"/>
+            </p:cNvPicPr>
+            <p:nvPr/>
+          </p:nvPicPr>
+          <p:blipFill>
+            <a:blip r:embed="rId2"/>
+            <a:stretch>
+              <a:fillRect/>
+            </a:stretch>
+          </p:blipFill>
+          <p:spPr>
+            <a:xfrm>
+              <a:off x="4792060" y="5275409"/>
+              <a:ext cx="925788" cy="948333"/>
+            </a:xfrm>
+            <a:prstGeom prst="rect">
+              <a:avLst/>
+            </a:prstGeom>
+          </p:spPr>
+        </p:pic>
+        <p:pic>
+          <p:nvPicPr>
+            <p:cNvPr id="15" name="Image 14">
+              <a:extLst>
+                <a:ext uri="{FF2B5EF4-FFF2-40B4-BE49-F238E27FC236}">
+                  <a16:creationId xmlns:a16="http://schemas.microsoft.com/office/drawing/2014/main" id="{84E05BA4-3E3C-4ECF-9A7E-AC3349B241B3}"/>
+                </a:ext>
+              </a:extLst>
+            </p:cNvPr>
+            <p:cNvPicPr>
+              <a:picLocks noChangeAspect="1"/>
+            </p:cNvPicPr>
+            <p:nvPr/>
+          </p:nvPicPr>
+          <p:blipFill>
+            <a:blip r:embed="rId2"/>
+            <a:stretch>
+              <a:fillRect/>
+            </a:stretch>
+          </p:blipFill>
+          <p:spPr>
+            <a:xfrm>
+              <a:off x="6055312" y="276448"/>
+              <a:ext cx="925788" cy="948333"/>
+            </a:xfrm>
+            <a:prstGeom prst="rect">
+              <a:avLst/>
+            </a:prstGeom>
+          </p:spPr>
+        </p:pic>
+        <p:pic>
+          <p:nvPicPr>
+            <p:cNvPr id="16" name="Image 15">
+              <a:extLst>
+                <a:ext uri="{FF2B5EF4-FFF2-40B4-BE49-F238E27FC236}">
+                  <a16:creationId xmlns:a16="http://schemas.microsoft.com/office/drawing/2014/main" id="{3CCAA042-1F91-401F-B3D9-97CDBF0E40F8}"/>
+                </a:ext>
+              </a:extLst>
+            </p:cNvPr>
+            <p:cNvPicPr>
+              <a:picLocks noChangeAspect="1"/>
+            </p:cNvPicPr>
+            <p:nvPr/>
+          </p:nvPicPr>
+          <p:blipFill>
+            <a:blip r:embed="rId2"/>
+            <a:stretch>
+              <a:fillRect/>
+            </a:stretch>
+          </p:blipFill>
+          <p:spPr>
+            <a:xfrm>
+              <a:off x="1914421" y="2775929"/>
+              <a:ext cx="925788" cy="948333"/>
+            </a:xfrm>
+            <a:prstGeom prst="rect">
+              <a:avLst/>
+            </a:prstGeom>
+          </p:spPr>
+        </p:pic>
+        <p:cxnSp>
+          <p:nvCxnSpPr>
+            <p:cNvPr id="18" name="Connecteur droit avec flèche 17">
+              <a:extLst>
+                <a:ext uri="{FF2B5EF4-FFF2-40B4-BE49-F238E27FC236}">
+                  <a16:creationId xmlns:a16="http://schemas.microsoft.com/office/drawing/2014/main" id="{C250E0F2-0C25-414E-BBF2-1E7F0AC3733E}"/>
+                </a:ext>
+              </a:extLst>
+            </p:cNvPr>
+            <p:cNvCxnSpPr>
+              <a:stCxn id="15" idx="2"/>
+              <a:endCxn id="13" idx="0"/>
+            </p:cNvCxnSpPr>
+            <p:nvPr/>
+          </p:nvCxnSpPr>
+          <p:spPr>
+            <a:xfrm>
+              <a:off x="6518206" y="1224781"/>
+              <a:ext cx="0" cy="1551148"/>
+            </a:xfrm>
+            <a:prstGeom prst="straightConnector1">
+              <a:avLst/>
+            </a:prstGeom>
+            <a:ln w="38100">
+              <a:tailEnd type="triangle"/>
+            </a:ln>
+          </p:spPr>
+          <p:style>
+            <a:lnRef idx="1">
+              <a:schemeClr val="accent1"/>
+            </a:lnRef>
+            <a:fillRef idx="0">
+              <a:schemeClr val="accent1"/>
+            </a:fillRef>
+            <a:effectRef idx="0">
+              <a:schemeClr val="accent1"/>
+            </a:effectRef>
+            <a:fontRef idx="minor">
+              <a:schemeClr val="tx1"/>
+            </a:fontRef>
+          </p:style>
+        </p:cxnSp>
+        <p:cxnSp>
+          <p:nvCxnSpPr>
+            <p:cNvPr id="19" name="Connecteur droit avec flèche 18">
+              <a:extLst>
+                <a:ext uri="{FF2B5EF4-FFF2-40B4-BE49-F238E27FC236}">
+                  <a16:creationId xmlns:a16="http://schemas.microsoft.com/office/drawing/2014/main" id="{7380F170-1295-49E6-82D7-40B476A95A7D}"/>
+                </a:ext>
+              </a:extLst>
+            </p:cNvPr>
+            <p:cNvCxnSpPr>
+              <a:cxnSpLocks/>
+              <a:stCxn id="13" idx="2"/>
+              <a:endCxn id="10" idx="0"/>
+            </p:cNvCxnSpPr>
+            <p:nvPr/>
+          </p:nvCxnSpPr>
+          <p:spPr>
+            <a:xfrm>
+              <a:off x="6518206" y="3724262"/>
+              <a:ext cx="0" cy="1551148"/>
+            </a:xfrm>
+            <a:prstGeom prst="straightConnector1">
+              <a:avLst/>
+            </a:prstGeom>
+            <a:ln w="38100">
+              <a:tailEnd type="triangle"/>
+            </a:ln>
+          </p:spPr>
+          <p:style>
+            <a:lnRef idx="1">
+              <a:schemeClr val="accent1"/>
+            </a:lnRef>
+            <a:fillRef idx="0">
+              <a:schemeClr val="accent1"/>
+            </a:fillRef>
+            <a:effectRef idx="0">
+              <a:schemeClr val="accent1"/>
+            </a:effectRef>
+            <a:fontRef idx="minor">
+              <a:schemeClr val="tx1"/>
+            </a:fontRef>
+          </p:style>
+        </p:cxnSp>
+        <p:cxnSp>
+          <p:nvCxnSpPr>
+            <p:cNvPr id="24" name="Connecteur : en angle 23">
+              <a:extLst>
+                <a:ext uri="{FF2B5EF4-FFF2-40B4-BE49-F238E27FC236}">
+                  <a16:creationId xmlns:a16="http://schemas.microsoft.com/office/drawing/2014/main" id="{2C676AA9-9BB0-4F35-B424-908ACE0CB764}"/>
+                </a:ext>
+              </a:extLst>
+            </p:cNvPr>
+            <p:cNvCxnSpPr>
+              <a:stCxn id="15" idx="2"/>
+              <a:endCxn id="16" idx="0"/>
+            </p:cNvCxnSpPr>
+            <p:nvPr/>
+          </p:nvCxnSpPr>
+          <p:spPr>
+            <a:xfrm rot="5400000">
+              <a:off x="3672187" y="-70090"/>
+              <a:ext cx="1551148" cy="4140891"/>
+            </a:xfrm>
+            <a:prstGeom prst="bentConnector3">
+              <a:avLst/>
+            </a:prstGeom>
+            <a:ln w="38100">
+              <a:tailEnd type="triangle"/>
+            </a:ln>
+          </p:spPr>
+          <p:style>
+            <a:lnRef idx="1">
+              <a:schemeClr val="accent1"/>
+            </a:lnRef>
+            <a:fillRef idx="0">
+              <a:schemeClr val="accent1"/>
+            </a:fillRef>
+            <a:effectRef idx="0">
+              <a:schemeClr val="accent1"/>
+            </a:effectRef>
+            <a:fontRef idx="minor">
+              <a:schemeClr val="tx1"/>
+            </a:fontRef>
+          </p:style>
+        </p:cxnSp>
+        <p:cxnSp>
+          <p:nvCxnSpPr>
+            <p:cNvPr id="25" name="Connecteur : en angle 24">
+              <a:extLst>
+                <a:ext uri="{FF2B5EF4-FFF2-40B4-BE49-F238E27FC236}">
+                  <a16:creationId xmlns:a16="http://schemas.microsoft.com/office/drawing/2014/main" id="{1DA013E3-7B09-4ED5-B38B-87612E92D485}"/>
+                </a:ext>
+              </a:extLst>
+            </p:cNvPr>
+            <p:cNvCxnSpPr>
+              <a:cxnSpLocks/>
+              <a:stCxn id="15" idx="2"/>
+              <a:endCxn id="12" idx="0"/>
+            </p:cNvCxnSpPr>
+            <p:nvPr/>
+          </p:nvCxnSpPr>
+          <p:spPr>
+            <a:xfrm rot="16200000" flipH="1">
+              <a:off x="7768559" y="-25572"/>
+              <a:ext cx="1551147" cy="4051852"/>
+            </a:xfrm>
+            <a:prstGeom prst="bentConnector3">
+              <a:avLst>
+                <a:gd name="adj1" fmla="val 50000"/>
+              </a:avLst>
+            </a:prstGeom>
+            <a:ln w="38100">
+              <a:tailEnd type="triangle"/>
+            </a:ln>
+          </p:spPr>
+          <p:style>
+            <a:lnRef idx="1">
+              <a:schemeClr val="accent1"/>
+            </a:lnRef>
+            <a:fillRef idx="0">
+              <a:schemeClr val="accent1"/>
+            </a:fillRef>
+            <a:effectRef idx="0">
+              <a:schemeClr val="accent1"/>
+            </a:effectRef>
+            <a:fontRef idx="minor">
+              <a:schemeClr val="tx1"/>
+            </a:fontRef>
+          </p:style>
+        </p:cxnSp>
+        <p:cxnSp>
+          <p:nvCxnSpPr>
+            <p:cNvPr id="28" name="Connecteur : en angle 27">
+              <a:extLst>
+                <a:ext uri="{FF2B5EF4-FFF2-40B4-BE49-F238E27FC236}">
+                  <a16:creationId xmlns:a16="http://schemas.microsoft.com/office/drawing/2014/main" id="{09BFB5E0-09E1-4C37-B84A-50397C46E550}"/>
+                </a:ext>
+              </a:extLst>
+            </p:cNvPr>
+            <p:cNvCxnSpPr>
+              <a:cxnSpLocks/>
+              <a:stCxn id="16" idx="2"/>
+              <a:endCxn id="3" idx="0"/>
+            </p:cNvCxnSpPr>
+            <p:nvPr/>
+          </p:nvCxnSpPr>
+          <p:spPr>
+            <a:xfrm rot="5400000">
+              <a:off x="1226632" y="4124725"/>
+              <a:ext cx="1551146" cy="750220"/>
+            </a:xfrm>
+            <a:prstGeom prst="bentConnector3">
+              <a:avLst>
+                <a:gd name="adj1" fmla="val 50000"/>
+              </a:avLst>
+            </a:prstGeom>
+            <a:ln w="38100">
+              <a:tailEnd type="triangle"/>
+            </a:ln>
+          </p:spPr>
+          <p:style>
+            <a:lnRef idx="1">
+              <a:schemeClr val="accent1"/>
+            </a:lnRef>
+            <a:fillRef idx="0">
+              <a:schemeClr val="accent1"/>
+            </a:fillRef>
+            <a:effectRef idx="0">
+              <a:schemeClr val="accent1"/>
+            </a:effectRef>
+            <a:fontRef idx="minor">
+              <a:schemeClr val="tx1"/>
+            </a:fontRef>
+          </p:style>
+        </p:cxnSp>
+        <p:cxnSp>
+          <p:nvCxnSpPr>
+            <p:cNvPr id="31" name="Connecteur : en angle 30">
+              <a:extLst>
+                <a:ext uri="{FF2B5EF4-FFF2-40B4-BE49-F238E27FC236}">
+                  <a16:creationId xmlns:a16="http://schemas.microsoft.com/office/drawing/2014/main" id="{8713AEE1-C637-40AB-B6B0-2AF0264D8EEF}"/>
+                </a:ext>
+              </a:extLst>
+            </p:cNvPr>
+            <p:cNvCxnSpPr>
+              <a:cxnSpLocks/>
+              <a:stCxn id="16" idx="2"/>
+              <a:endCxn id="9" idx="0"/>
+            </p:cNvCxnSpPr>
+            <p:nvPr/>
+          </p:nvCxnSpPr>
+          <p:spPr>
+            <a:xfrm rot="16200000" flipH="1">
+              <a:off x="1889615" y="4211961"/>
+              <a:ext cx="1551146" cy="575747"/>
+            </a:xfrm>
+            <a:prstGeom prst="bentConnector3">
+              <a:avLst>
+                <a:gd name="adj1" fmla="val 50000"/>
+              </a:avLst>
+            </a:prstGeom>
+            <a:ln w="38100">
+              <a:tailEnd type="triangle"/>
+            </a:ln>
+          </p:spPr>
+          <p:style>
+            <a:lnRef idx="1">
+              <a:schemeClr val="accent1"/>
+            </a:lnRef>
+            <a:fillRef idx="0">
+              <a:schemeClr val="accent1"/>
+            </a:fillRef>
+            <a:effectRef idx="0">
+              <a:schemeClr val="accent1"/>
+            </a:effectRef>
+            <a:fontRef idx="minor">
+              <a:schemeClr val="tx1"/>
+            </a:fontRef>
+          </p:style>
+        </p:cxnSp>
+        <p:cxnSp>
+          <p:nvCxnSpPr>
+            <p:cNvPr id="34" name="Connecteur : en angle 33">
+              <a:extLst>
+                <a:ext uri="{FF2B5EF4-FFF2-40B4-BE49-F238E27FC236}">
+                  <a16:creationId xmlns:a16="http://schemas.microsoft.com/office/drawing/2014/main" id="{6EA71BA6-AF32-4A70-B9D5-65F34B9F7C3E}"/>
+                </a:ext>
+              </a:extLst>
+            </p:cNvPr>
+            <p:cNvCxnSpPr>
+              <a:cxnSpLocks/>
+              <a:stCxn id="13" idx="2"/>
+              <a:endCxn id="14" idx="0"/>
+            </p:cNvCxnSpPr>
+            <p:nvPr/>
+          </p:nvCxnSpPr>
+          <p:spPr>
+            <a:xfrm rot="5400000">
+              <a:off x="5111007" y="3868209"/>
+              <a:ext cx="1551147" cy="1263252"/>
+            </a:xfrm>
+            <a:prstGeom prst="bentConnector3">
+              <a:avLst>
+                <a:gd name="adj1" fmla="val 50000"/>
+              </a:avLst>
+            </a:prstGeom>
+            <a:ln w="38100">
+              <a:tailEnd type="triangle"/>
+            </a:ln>
+          </p:spPr>
+          <p:style>
+            <a:lnRef idx="1">
+              <a:schemeClr val="accent1"/>
+            </a:lnRef>
+            <a:fillRef idx="0">
+              <a:schemeClr val="accent1"/>
+            </a:fillRef>
+            <a:effectRef idx="0">
+              <a:schemeClr val="accent1"/>
+            </a:effectRef>
+            <a:fontRef idx="minor">
+              <a:schemeClr val="tx1"/>
+            </a:fontRef>
+          </p:style>
+        </p:cxnSp>
+        <p:cxnSp>
+          <p:nvCxnSpPr>
+            <p:cNvPr id="37" name="Connecteur : en angle 36">
+              <a:extLst>
+                <a:ext uri="{FF2B5EF4-FFF2-40B4-BE49-F238E27FC236}">
+                  <a16:creationId xmlns:a16="http://schemas.microsoft.com/office/drawing/2014/main" id="{0BEC7CA0-6638-482D-9BC6-69A32BD4D868}"/>
+                </a:ext>
+              </a:extLst>
+            </p:cNvPr>
+            <p:cNvCxnSpPr>
+              <a:cxnSpLocks/>
+              <a:stCxn id="13" idx="2"/>
+              <a:endCxn id="11" idx="0"/>
+            </p:cNvCxnSpPr>
+            <p:nvPr/>
+          </p:nvCxnSpPr>
+          <p:spPr>
+            <a:xfrm rot="16200000" flipH="1">
+              <a:off x="6374259" y="3868208"/>
+              <a:ext cx="1551147" cy="1263253"/>
+            </a:xfrm>
+            <a:prstGeom prst="bentConnector3">
+              <a:avLst>
+                <a:gd name="adj1" fmla="val 50000"/>
+              </a:avLst>
+            </a:prstGeom>
+            <a:ln w="38100">
+              <a:tailEnd type="triangle"/>
+            </a:ln>
+          </p:spPr>
+          <p:style>
+            <a:lnRef idx="1">
+              <a:schemeClr val="accent1"/>
+            </a:lnRef>
+            <a:fillRef idx="0">
+              <a:schemeClr val="accent1"/>
+            </a:fillRef>
+            <a:effectRef idx="0">
+              <a:schemeClr val="accent1"/>
+            </a:effectRef>
+            <a:fontRef idx="minor">
+              <a:schemeClr val="tx1"/>
+            </a:fontRef>
+          </p:style>
+        </p:cxnSp>
+      </p:grpSp>
+      <p:sp>
+        <p:nvSpPr>
+          <p:cNvPr id="20" name="Ellipse 19">
+            <a:extLst>
+              <a:ext uri="{FF2B5EF4-FFF2-40B4-BE49-F238E27FC236}">
+                <a16:creationId xmlns:a16="http://schemas.microsoft.com/office/drawing/2014/main" id="{F067B202-49A5-469D-AD40-0389DCA019DE}"/>
+              </a:ext>
+            </a:extLst>
+          </p:cNvPr>
+          <p:cNvSpPr/>
+          <p:nvPr/>
+        </p:nvSpPr>
         <p:spPr>
           <a:xfrm>
-            <a:off x="1164201" y="5275408"/>
-            <a:ext cx="925788" cy="948333"/>
-          </a:xfrm>
-          <a:prstGeom prst="rect">
-            <a:avLst/>
-          </a:prstGeom>
-        </p:spPr>
-      </p:pic>
-      <p:pic>
-        <p:nvPicPr>
-          <p:cNvPr id="9" name="Image 8">
-            <a:extLst>
-              <a:ext uri="{FF2B5EF4-FFF2-40B4-BE49-F238E27FC236}">
-                <a16:creationId xmlns:a16="http://schemas.microsoft.com/office/drawing/2014/main" id="{269AE0AB-6CF4-4EBB-9929-6194F286437A}"/>
-              </a:ext>
-            </a:extLst>
-          </p:cNvPr>
-          <p:cNvPicPr>
-            <a:picLocks noChangeAspect="1"/>
-          </p:cNvPicPr>
-          <p:nvPr/>
-        </p:nvPicPr>
-        <p:blipFill>
-          <a:blip r:embed="rId2"/>
-          <a:stretch>
-            <a:fillRect/>
-          </a:stretch>
-        </p:blipFill>
-        <p:spPr>
-          <a:xfrm>
-            <a:off x="2490168" y="5275408"/>
-            <a:ext cx="925788" cy="948333"/>
-          </a:xfrm>
-          <a:prstGeom prst="rect">
-            <a:avLst/>
-          </a:prstGeom>
-        </p:spPr>
-      </p:pic>
-      <p:pic>
-        <p:nvPicPr>
-          <p:cNvPr id="10" name="Image 9">
-            <a:extLst>
-              <a:ext uri="{FF2B5EF4-FFF2-40B4-BE49-F238E27FC236}">
-                <a16:creationId xmlns:a16="http://schemas.microsoft.com/office/drawing/2014/main" id="{1CE5404C-DC1E-41E9-9D3E-C228E5BE6C85}"/>
-              </a:ext>
-            </a:extLst>
-          </p:cNvPr>
-          <p:cNvPicPr>
-            <a:picLocks noChangeAspect="1"/>
-          </p:cNvPicPr>
-          <p:nvPr/>
-        </p:nvPicPr>
-        <p:blipFill>
-          <a:blip r:embed="rId2"/>
-          <a:stretch>
-            <a:fillRect/>
-          </a:stretch>
-        </p:blipFill>
-        <p:spPr>
-          <a:xfrm>
-            <a:off x="6055312" y="5275410"/>
-            <a:ext cx="925788" cy="948333"/>
-          </a:xfrm>
-          <a:prstGeom prst="rect">
-            <a:avLst/>
-          </a:prstGeom>
-        </p:spPr>
-      </p:pic>
-      <p:pic>
-        <p:nvPicPr>
-          <p:cNvPr id="11" name="Image 10">
-            <a:extLst>
-              <a:ext uri="{FF2B5EF4-FFF2-40B4-BE49-F238E27FC236}">
-                <a16:creationId xmlns:a16="http://schemas.microsoft.com/office/drawing/2014/main" id="{9A0102A8-5CB3-46B2-BFC1-E4919C8DA071}"/>
-              </a:ext>
-            </a:extLst>
-          </p:cNvPr>
-          <p:cNvPicPr>
-            <a:picLocks noChangeAspect="1"/>
-          </p:cNvPicPr>
-          <p:nvPr/>
-        </p:nvPicPr>
-        <p:blipFill>
-          <a:blip r:embed="rId2"/>
-          <a:stretch>
-            <a:fillRect/>
-          </a:stretch>
-        </p:blipFill>
-        <p:spPr>
-          <a:xfrm>
-            <a:off x="7318565" y="5275409"/>
-            <a:ext cx="925788" cy="948333"/>
-          </a:xfrm>
-          <a:prstGeom prst="rect">
-            <a:avLst/>
-          </a:prstGeom>
-        </p:spPr>
-      </p:pic>
-      <p:pic>
-        <p:nvPicPr>
-          <p:cNvPr id="12" name="Image 11">
-            <a:extLst>
-              <a:ext uri="{FF2B5EF4-FFF2-40B4-BE49-F238E27FC236}">
-                <a16:creationId xmlns:a16="http://schemas.microsoft.com/office/drawing/2014/main" id="{550118E5-F70F-46E4-A770-FE9CD456E0DE}"/>
-              </a:ext>
-            </a:extLst>
-          </p:cNvPr>
-          <p:cNvPicPr>
-            <a:picLocks noChangeAspect="1"/>
-          </p:cNvPicPr>
-          <p:nvPr/>
-        </p:nvPicPr>
-        <p:blipFill>
-          <a:blip r:embed="rId2"/>
-          <a:stretch>
-            <a:fillRect/>
-          </a:stretch>
-        </p:blipFill>
-        <p:spPr>
-          <a:xfrm>
-            <a:off x="10107164" y="2775928"/>
-            <a:ext cx="925788" cy="948333"/>
-          </a:xfrm>
-          <a:prstGeom prst="rect">
-            <a:avLst/>
-          </a:prstGeom>
-        </p:spPr>
-      </p:pic>
-      <p:pic>
-        <p:nvPicPr>
-          <p:cNvPr id="13" name="Image 12">
-            <a:extLst>
-              <a:ext uri="{FF2B5EF4-FFF2-40B4-BE49-F238E27FC236}">
-                <a16:creationId xmlns:a16="http://schemas.microsoft.com/office/drawing/2014/main" id="{0B99374B-D626-4BF8-B115-C569A1BC2E9C}"/>
-              </a:ext>
-            </a:extLst>
-          </p:cNvPr>
-          <p:cNvPicPr>
-            <a:picLocks noChangeAspect="1"/>
-          </p:cNvPicPr>
-          <p:nvPr/>
-        </p:nvPicPr>
-        <p:blipFill>
-          <a:blip r:embed="rId2"/>
-          <a:stretch>
-            <a:fillRect/>
-          </a:stretch>
-        </p:blipFill>
-        <p:spPr>
-          <a:xfrm>
-            <a:off x="6055312" y="2775929"/>
-            <a:ext cx="925788" cy="948333"/>
-          </a:xfrm>
-          <a:prstGeom prst="rect">
-            <a:avLst/>
-          </a:prstGeom>
-        </p:spPr>
-      </p:pic>
-      <p:pic>
-        <p:nvPicPr>
-          <p:cNvPr id="14" name="Image 13">
-            <a:extLst>
-              <a:ext uri="{FF2B5EF4-FFF2-40B4-BE49-F238E27FC236}">
-                <a16:creationId xmlns:a16="http://schemas.microsoft.com/office/drawing/2014/main" id="{AD543861-C20F-4A89-B1D4-DEFA3BDE48AE}"/>
-              </a:ext>
-            </a:extLst>
-          </p:cNvPr>
-          <p:cNvPicPr>
-            <a:picLocks noChangeAspect="1"/>
-          </p:cNvPicPr>
-          <p:nvPr/>
-        </p:nvPicPr>
-        <p:blipFill>
-          <a:blip r:embed="rId2"/>
-          <a:stretch>
-            <a:fillRect/>
-          </a:stretch>
-        </p:blipFill>
-        <p:spPr>
-          <a:xfrm>
-            <a:off x="4792060" y="5275409"/>
-            <a:ext cx="925788" cy="948333"/>
-          </a:xfrm>
-          <a:prstGeom prst="rect">
-            <a:avLst/>
-          </a:prstGeom>
-        </p:spPr>
-      </p:pic>
-      <p:pic>
-        <p:nvPicPr>
-          <p:cNvPr id="15" name="Image 14">
-            <a:extLst>
-              <a:ext uri="{FF2B5EF4-FFF2-40B4-BE49-F238E27FC236}">
-                <a16:creationId xmlns:a16="http://schemas.microsoft.com/office/drawing/2014/main" id="{84E05BA4-3E3C-4ECF-9A7E-AC3349B241B3}"/>
-              </a:ext>
-            </a:extLst>
-          </p:cNvPr>
-          <p:cNvPicPr>
-            <a:picLocks noChangeAspect="1"/>
-          </p:cNvPicPr>
-          <p:nvPr/>
-        </p:nvPicPr>
-        <p:blipFill>
-          <a:blip r:embed="rId2"/>
-          <a:stretch>
-            <a:fillRect/>
-          </a:stretch>
-        </p:blipFill>
-        <p:spPr>
-          <a:xfrm>
-            <a:off x="6055312" y="276448"/>
-            <a:ext cx="925788" cy="948333"/>
-          </a:xfrm>
-          <a:prstGeom prst="rect">
-            <a:avLst/>
-          </a:prstGeom>
-        </p:spPr>
-      </p:pic>
-      <p:pic>
-        <p:nvPicPr>
-          <p:cNvPr id="16" name="Image 15">
-            <a:extLst>
-              <a:ext uri="{FF2B5EF4-FFF2-40B4-BE49-F238E27FC236}">
-                <a16:creationId xmlns:a16="http://schemas.microsoft.com/office/drawing/2014/main" id="{3CCAA042-1F91-401F-B3D9-97CDBF0E40F8}"/>
-              </a:ext>
-            </a:extLst>
-          </p:cNvPr>
-          <p:cNvPicPr>
-            <a:picLocks noChangeAspect="1"/>
-          </p:cNvPicPr>
-          <p:nvPr/>
-        </p:nvPicPr>
-        <p:blipFill>
-          <a:blip r:embed="rId2"/>
-          <a:stretch>
-            <a:fillRect/>
-          </a:stretch>
-        </p:blipFill>
-        <p:spPr>
-          <a:xfrm>
-            <a:off x="1914421" y="2775929"/>
-            <a:ext cx="925788" cy="948333"/>
-          </a:xfrm>
-          <a:prstGeom prst="rect">
-            <a:avLst/>
-          </a:prstGeom>
-        </p:spPr>
-      </p:pic>
-      <p:cxnSp>
-        <p:nvCxnSpPr>
-          <p:cNvPr id="18" name="Connecteur droit avec flèche 17">
-            <a:extLst>
-              <a:ext uri="{FF2B5EF4-FFF2-40B4-BE49-F238E27FC236}">
-                <a16:creationId xmlns:a16="http://schemas.microsoft.com/office/drawing/2014/main" id="{C250E0F2-0C25-414E-BBF2-1E7F0AC3733E}"/>
-              </a:ext>
-            </a:extLst>
-          </p:cNvPr>
-          <p:cNvCxnSpPr>
-            <a:stCxn id="15" idx="2"/>
-            <a:endCxn id="13" idx="0"/>
-          </p:cNvCxnSpPr>
-          <p:nvPr/>
-        </p:nvCxnSpPr>
-        <p:spPr>
-          <a:xfrm>
-            <a:off x="6518206" y="1224781"/>
-            <a:ext cx="0" cy="1551148"/>
-          </a:xfrm>
-          <a:prstGeom prst="straightConnector1">
-            <a:avLst/>
-          </a:prstGeom>
-          <a:ln w="38100">
-            <a:tailEnd type="triangle"/>
-          </a:ln>
-        </p:spPr>
-        <p:style>
-          <a:lnRef idx="1">
-            <a:schemeClr val="accent1"/>
-          </a:lnRef>
-          <a:fillRef idx="0">
-            <a:schemeClr val="accent1"/>
-          </a:fillRef>
-          <a:effectRef idx="0">
-            <a:schemeClr val="accent1"/>
-          </a:effectRef>
-          <a:fontRef idx="minor">
-            <a:schemeClr val="tx1"/>
-          </a:fontRef>
-        </p:style>
-      </p:cxnSp>
-      <p:cxnSp>
-        <p:nvCxnSpPr>
-          <p:cNvPr id="19" name="Connecteur droit avec flèche 18">
-            <a:extLst>
-              <a:ext uri="{FF2B5EF4-FFF2-40B4-BE49-F238E27FC236}">
-                <a16:creationId xmlns:a16="http://schemas.microsoft.com/office/drawing/2014/main" id="{7380F170-1295-49E6-82D7-40B476A95A7D}"/>
-              </a:ext>
-            </a:extLst>
-          </p:cNvPr>
-          <p:cNvCxnSpPr>
-            <a:cxnSpLocks/>
-            <a:stCxn id="13" idx="2"/>
-            <a:endCxn id="10" idx="0"/>
-          </p:cNvCxnSpPr>
-          <p:nvPr/>
-        </p:nvCxnSpPr>
-        <p:spPr>
-          <a:xfrm>
-            <a:off x="6518206" y="3724262"/>
-            <a:ext cx="0" cy="1551148"/>
-          </a:xfrm>
-          <a:prstGeom prst="straightConnector1">
-            <a:avLst/>
-          </a:prstGeom>
-          <a:ln w="38100">
-            <a:tailEnd type="triangle"/>
-          </a:ln>
-        </p:spPr>
-        <p:style>
-          <a:lnRef idx="1">
-            <a:schemeClr val="accent1"/>
-          </a:lnRef>
-          <a:fillRef idx="0">
-            <a:schemeClr val="accent1"/>
-          </a:fillRef>
-          <a:effectRef idx="0">
-            <a:schemeClr val="accent1"/>
-          </a:effectRef>
-          <a:fontRef idx="minor">
-            <a:schemeClr val="tx1"/>
-          </a:fontRef>
-        </p:style>
-      </p:cxnSp>
-      <p:cxnSp>
-        <p:nvCxnSpPr>
-          <p:cNvPr id="24" name="Connecteur : en angle 23">
-            <a:extLst>
-              <a:ext uri="{FF2B5EF4-FFF2-40B4-BE49-F238E27FC236}">
-                <a16:creationId xmlns:a16="http://schemas.microsoft.com/office/drawing/2014/main" id="{2C676AA9-9BB0-4F35-B424-908ACE0CB764}"/>
-              </a:ext>
-            </a:extLst>
-          </p:cNvPr>
-          <p:cNvCxnSpPr>
-            <a:stCxn id="15" idx="2"/>
-            <a:endCxn id="16" idx="0"/>
-          </p:cNvCxnSpPr>
-          <p:nvPr/>
-        </p:nvCxnSpPr>
-        <p:spPr>
-          <a:xfrm rot="5400000">
-            <a:off x="3672187" y="-70090"/>
-            <a:ext cx="1551148" cy="4140891"/>
-          </a:xfrm>
-          <a:prstGeom prst="bentConnector3">
-            <a:avLst/>
-          </a:prstGeom>
-          <a:ln w="38100">
-            <a:tailEnd type="triangle"/>
-          </a:ln>
-        </p:spPr>
-        <p:style>
-          <a:lnRef idx="1">
-            <a:schemeClr val="accent1"/>
-          </a:lnRef>
-          <a:fillRef idx="0">
-            <a:schemeClr val="accent1"/>
-          </a:fillRef>
-          <a:effectRef idx="0">
-            <a:schemeClr val="accent1"/>
-          </a:effectRef>
-          <a:fontRef idx="minor">
-            <a:schemeClr val="tx1"/>
-          </a:fontRef>
-        </p:style>
-      </p:cxnSp>
-      <p:cxnSp>
-        <p:nvCxnSpPr>
-          <p:cNvPr id="25" name="Connecteur : en angle 24">
-            <a:extLst>
-              <a:ext uri="{FF2B5EF4-FFF2-40B4-BE49-F238E27FC236}">
-                <a16:creationId xmlns:a16="http://schemas.microsoft.com/office/drawing/2014/main" id="{1DA013E3-7B09-4ED5-B38B-87612E92D485}"/>
-              </a:ext>
-            </a:extLst>
-          </p:cNvPr>
-          <p:cNvCxnSpPr>
-            <a:cxnSpLocks/>
-            <a:stCxn id="15" idx="2"/>
-            <a:endCxn id="12" idx="0"/>
-          </p:cNvCxnSpPr>
-          <p:nvPr/>
-        </p:nvCxnSpPr>
-        <p:spPr>
-          <a:xfrm rot="16200000" flipH="1">
-            <a:off x="7768559" y="-25572"/>
-            <a:ext cx="1551147" cy="4051852"/>
-          </a:xfrm>
-          <a:prstGeom prst="bentConnector3">
-            <a:avLst>
-              <a:gd name="adj1" fmla="val 50000"/>
-            </a:avLst>
-          </a:prstGeom>
-          <a:ln w="38100">
-            <a:tailEnd type="triangle"/>
-          </a:ln>
-        </p:spPr>
-        <p:style>
-          <a:lnRef idx="1">
-            <a:schemeClr val="accent1"/>
-          </a:lnRef>
-          <a:fillRef idx="0">
-            <a:schemeClr val="accent1"/>
-          </a:fillRef>
-          <a:effectRef idx="0">
-            <a:schemeClr val="accent1"/>
-          </a:effectRef>
-          <a:fontRef idx="minor">
-            <a:schemeClr val="tx1"/>
-          </a:fontRef>
-        </p:style>
-      </p:cxnSp>
-      <p:cxnSp>
-        <p:nvCxnSpPr>
-          <p:cNvPr id="28" name="Connecteur : en angle 27">
-            <a:extLst>
-              <a:ext uri="{FF2B5EF4-FFF2-40B4-BE49-F238E27FC236}">
-                <a16:creationId xmlns:a16="http://schemas.microsoft.com/office/drawing/2014/main" id="{09BFB5E0-09E1-4C37-B84A-50397C46E550}"/>
-              </a:ext>
-            </a:extLst>
-          </p:cNvPr>
-          <p:cNvCxnSpPr>
-            <a:cxnSpLocks/>
-            <a:stCxn id="16" idx="2"/>
-            <a:endCxn id="3" idx="0"/>
-          </p:cNvCxnSpPr>
-          <p:nvPr/>
-        </p:nvCxnSpPr>
-        <p:spPr>
-          <a:xfrm rot="5400000">
-            <a:off x="1226632" y="4124725"/>
-            <a:ext cx="1551146" cy="750220"/>
-          </a:xfrm>
-          <a:prstGeom prst="bentConnector3">
-            <a:avLst>
-              <a:gd name="adj1" fmla="val 50000"/>
-            </a:avLst>
-          </a:prstGeom>
-          <a:ln w="38100">
-            <a:tailEnd type="triangle"/>
-          </a:ln>
-        </p:spPr>
-        <p:style>
-          <a:lnRef idx="1">
-            <a:schemeClr val="accent1"/>
-          </a:lnRef>
-          <a:fillRef idx="0">
-            <a:schemeClr val="accent1"/>
-          </a:fillRef>
-          <a:effectRef idx="0">
-            <a:schemeClr val="accent1"/>
-          </a:effectRef>
-          <a:fontRef idx="minor">
-            <a:schemeClr val="tx1"/>
-          </a:fontRef>
-        </p:style>
-      </p:cxnSp>
-      <p:cxnSp>
-        <p:nvCxnSpPr>
-          <p:cNvPr id="31" name="Connecteur : en angle 30">
-            <a:extLst>
-              <a:ext uri="{FF2B5EF4-FFF2-40B4-BE49-F238E27FC236}">
-                <a16:creationId xmlns:a16="http://schemas.microsoft.com/office/drawing/2014/main" id="{8713AEE1-C637-40AB-B6B0-2AF0264D8EEF}"/>
-              </a:ext>
-            </a:extLst>
-          </p:cNvPr>
-          <p:cNvCxnSpPr>
-            <a:cxnSpLocks/>
-            <a:stCxn id="16" idx="2"/>
-            <a:endCxn id="9" idx="0"/>
-          </p:cNvCxnSpPr>
-          <p:nvPr/>
-        </p:nvCxnSpPr>
-        <p:spPr>
-          <a:xfrm rot="16200000" flipH="1">
-            <a:off x="1889615" y="4211961"/>
-            <a:ext cx="1551146" cy="575747"/>
-          </a:xfrm>
-          <a:prstGeom prst="bentConnector3">
-            <a:avLst>
-              <a:gd name="adj1" fmla="val 50000"/>
-            </a:avLst>
-          </a:prstGeom>
-          <a:ln w="38100">
-            <a:tailEnd type="triangle"/>
-          </a:ln>
-        </p:spPr>
-        <p:style>
-          <a:lnRef idx="1">
-            <a:schemeClr val="accent1"/>
-          </a:lnRef>
-          <a:fillRef idx="0">
-            <a:schemeClr val="accent1"/>
-          </a:fillRef>
-          <a:effectRef idx="0">
-            <a:schemeClr val="accent1"/>
-          </a:effectRef>
-          <a:fontRef idx="minor">
-            <a:schemeClr val="tx1"/>
-          </a:fontRef>
-        </p:style>
-      </p:cxnSp>
-      <p:cxnSp>
-        <p:nvCxnSpPr>
-          <p:cNvPr id="34" name="Connecteur : en angle 33">
-            <a:extLst>
-              <a:ext uri="{FF2B5EF4-FFF2-40B4-BE49-F238E27FC236}">
-                <a16:creationId xmlns:a16="http://schemas.microsoft.com/office/drawing/2014/main" id="{6EA71BA6-AF32-4A70-B9D5-65F34B9F7C3E}"/>
-              </a:ext>
-            </a:extLst>
-          </p:cNvPr>
-          <p:cNvCxnSpPr>
-            <a:cxnSpLocks/>
-            <a:stCxn id="13" idx="2"/>
-            <a:endCxn id="14" idx="0"/>
-          </p:cNvCxnSpPr>
-          <p:nvPr/>
-        </p:nvCxnSpPr>
-        <p:spPr>
-          <a:xfrm rot="5400000">
-            <a:off x="5111007" y="3868209"/>
-            <a:ext cx="1551147" cy="1263252"/>
-          </a:xfrm>
-          <a:prstGeom prst="bentConnector3">
-            <a:avLst>
-              <a:gd name="adj1" fmla="val 50000"/>
-            </a:avLst>
-          </a:prstGeom>
-          <a:ln w="38100">
-            <a:tailEnd type="triangle"/>
-          </a:ln>
-        </p:spPr>
-        <p:style>
-          <a:lnRef idx="1">
-            <a:schemeClr val="accent1"/>
-          </a:lnRef>
-          <a:fillRef idx="0">
-            <a:schemeClr val="accent1"/>
-          </a:fillRef>
-          <a:effectRef idx="0">
-            <a:schemeClr val="accent1"/>
-          </a:effectRef>
-          <a:fontRef idx="minor">
-            <a:schemeClr val="tx1"/>
-          </a:fontRef>
-        </p:style>
-      </p:cxnSp>
-      <p:cxnSp>
-        <p:nvCxnSpPr>
-          <p:cNvPr id="37" name="Connecteur : en angle 36">
-            <a:extLst>
-              <a:ext uri="{FF2B5EF4-FFF2-40B4-BE49-F238E27FC236}">
-                <a16:creationId xmlns:a16="http://schemas.microsoft.com/office/drawing/2014/main" id="{0BEC7CA0-6638-482D-9BC6-69A32BD4D868}"/>
-              </a:ext>
-            </a:extLst>
-          </p:cNvPr>
-          <p:cNvCxnSpPr>
-            <a:cxnSpLocks/>
-            <a:stCxn id="13" idx="2"/>
-            <a:endCxn id="11" idx="0"/>
-          </p:cNvCxnSpPr>
-          <p:nvPr/>
-        </p:nvCxnSpPr>
-        <p:spPr>
-          <a:xfrm rot="16200000" flipH="1">
-            <a:off x="6374259" y="3868208"/>
-            <a:ext cx="1551147" cy="1263253"/>
-          </a:xfrm>
-          <a:prstGeom prst="bentConnector3">
-            <a:avLst>
-              <a:gd name="adj1" fmla="val 50000"/>
-            </a:avLst>
-          </a:prstGeom>
-          <a:ln w="38100">
-            <a:tailEnd type="triangle"/>
-          </a:ln>
-        </p:spPr>
-        <p:style>
-          <a:lnRef idx="1">
-            <a:schemeClr val="accent1"/>
-          </a:lnRef>
-          <a:fillRef idx="0">
-            <a:schemeClr val="accent1"/>
-          </a:fillRef>
-          <a:effectRef idx="0">
-            <a:schemeClr val="accent1"/>
-          </a:effectRef>
-          <a:fontRef idx="minor">
-            <a:schemeClr val="tx1"/>
-          </a:fontRef>
-        </p:style>
-      </p:cxnSp>
-      <p:sp>
-        <p:nvSpPr>
-          <p:cNvPr id="40" name="Ellipse 39">
-            <a:extLst>
-              <a:ext uri="{FF2B5EF4-FFF2-40B4-BE49-F238E27FC236}">
-                <a16:creationId xmlns:a16="http://schemas.microsoft.com/office/drawing/2014/main" id="{F1374097-D87B-4015-99F3-654971CBAFD8}"/>
-              </a:ext>
-            </a:extLst>
-          </p:cNvPr>
-          <p:cNvSpPr/>
-          <p:nvPr/>
-        </p:nvSpPr>
-        <p:spPr>
-          <a:xfrm>
-            <a:off x="238675" y="2554356"/>
-            <a:ext cx="4096780" cy="4174435"/>
+            <a:off x="2147753" y="2904681"/>
+            <a:ext cx="2968745" cy="3437648"/>
           </a:xfrm>
           <a:prstGeom prst="ellipse">
             <a:avLst/>
@@ -4853,10 +5574,10 @@
       </p:sp>
       <p:sp>
         <p:nvSpPr>
-          <p:cNvPr id="41" name="Ellipse 40">
-            <a:extLst>
-              <a:ext uri="{FF2B5EF4-FFF2-40B4-BE49-F238E27FC236}">
-                <a16:creationId xmlns:a16="http://schemas.microsoft.com/office/drawing/2014/main" id="{FF322829-FBAB-42AA-A037-143452FB0C2F}"/>
+          <p:cNvPr id="21" name="Ellipse 20">
+            <a:extLst>
+              <a:ext uri="{FF2B5EF4-FFF2-40B4-BE49-F238E27FC236}">
+                <a16:creationId xmlns:a16="http://schemas.microsoft.com/office/drawing/2014/main" id="{3C7D7F88-E115-4E1D-B47D-42C03D8464AE}"/>
               </a:ext>
             </a:extLst>
           </p:cNvPr>
@@ -4865,8 +5586,8 @@
         </p:nvSpPr>
         <p:spPr>
           <a:xfrm>
-            <a:off x="3934475" y="2434023"/>
-            <a:ext cx="5215087" cy="4423977"/>
+            <a:off x="5195028" y="2821371"/>
+            <a:ext cx="2906754" cy="3604267"/>
           </a:xfrm>
           <a:prstGeom prst="ellipse">
             <a:avLst/>
@@ -4914,10 +5635,10 @@
       </p:sp>
       <p:sp>
         <p:nvSpPr>
-          <p:cNvPr id="42" name="Ellipse 41">
-            <a:extLst>
-              <a:ext uri="{FF2B5EF4-FFF2-40B4-BE49-F238E27FC236}">
-                <a16:creationId xmlns:a16="http://schemas.microsoft.com/office/drawing/2014/main" id="{5A564035-1C32-4A8C-93FE-557D30445C14}"/>
+          <p:cNvPr id="22" name="Ellipse 21">
+            <a:extLst>
+              <a:ext uri="{FF2B5EF4-FFF2-40B4-BE49-F238E27FC236}">
+                <a16:creationId xmlns:a16="http://schemas.microsoft.com/office/drawing/2014/main" id="{0F5FC6BE-4454-4B40-8682-114CA6516586}"/>
               </a:ext>
             </a:extLst>
           </p:cNvPr>
@@ -4926,8 +5647,8 @@
         </p:nvSpPr>
         <p:spPr>
           <a:xfrm>
-            <a:off x="9101937" y="2000354"/>
-            <a:ext cx="3015513" cy="2830063"/>
+            <a:off x="8180312" y="2821371"/>
+            <a:ext cx="1836143" cy="1790341"/>
           </a:xfrm>
           <a:prstGeom prst="ellipse">
             <a:avLst/>
@@ -4975,10 +5696,10 @@
       </p:sp>
       <p:sp>
         <p:nvSpPr>
-          <p:cNvPr id="43" name="Ellipse 42">
-            <a:extLst>
-              <a:ext uri="{FF2B5EF4-FFF2-40B4-BE49-F238E27FC236}">
-                <a16:creationId xmlns:a16="http://schemas.microsoft.com/office/drawing/2014/main" id="{F311E4FD-F503-47D6-8645-3B4AEFD37A90}"/>
+          <p:cNvPr id="23" name="Ellipse 22">
+            <a:extLst>
+              <a:ext uri="{FF2B5EF4-FFF2-40B4-BE49-F238E27FC236}">
+                <a16:creationId xmlns:a16="http://schemas.microsoft.com/office/drawing/2014/main" id="{BC74718E-906D-445E-A40A-49F221896CD0}"/>
               </a:ext>
             </a:extLst>
           </p:cNvPr>
@@ -4987,8 +5708,8 @@
         </p:nvSpPr>
         <p:spPr>
           <a:xfrm>
-            <a:off x="5228103" y="43147"/>
-            <a:ext cx="2370030" cy="2300379"/>
+            <a:off x="5654385" y="779787"/>
+            <a:ext cx="1717450" cy="1572127"/>
           </a:xfrm>
           <a:prstGeom prst="ellipse">
             <a:avLst/>
@@ -5034,10 +5755,45 @@
           </a:p>
         </p:txBody>
       </p:sp>
+      <p:sp>
+        <p:nvSpPr>
+          <p:cNvPr id="26" name="ZoneTexte 25">
+            <a:extLst>
+              <a:ext uri="{FF2B5EF4-FFF2-40B4-BE49-F238E27FC236}">
+                <a16:creationId xmlns:a16="http://schemas.microsoft.com/office/drawing/2014/main" id="{4F5338EE-C3CF-4CA4-9700-2D15CD732301}"/>
+              </a:ext>
+            </a:extLst>
+          </p:cNvPr>
+          <p:cNvSpPr txBox="1"/>
+          <p:nvPr/>
+        </p:nvSpPr>
+        <p:spPr>
+          <a:xfrm>
+            <a:off x="2013546" y="58977"/>
+            <a:ext cx="9545114" cy="646331"/>
+          </a:xfrm>
+          <a:prstGeom prst="rect">
+            <a:avLst/>
+          </a:prstGeom>
+          <a:noFill/>
+        </p:spPr>
+        <p:txBody>
+          <a:bodyPr wrap="none" rtlCol="0">
+            <a:spAutoFit/>
+          </a:bodyPr>
+          <a:lstStyle/>
+          <a:p>
+            <a:r>
+              <a:rPr lang="fr-CH" sz="3600"/>
+              <a:t>Modélisation d’une collection d’objets à préserver</a:t>
+            </a:r>
+          </a:p>
+        </p:txBody>
+      </p:sp>
     </p:spTree>
     <p:extLst>
       <p:ext uri="{BB962C8B-B14F-4D97-AF65-F5344CB8AC3E}">
-        <p14:creationId xmlns:p14="http://schemas.microsoft.com/office/powerpoint/2010/main" val="820286177"/>
+        <p14:creationId xmlns:p14="http://schemas.microsoft.com/office/powerpoint/2010/main" val="2546833278"/>
       </p:ext>
     </p:extLst>
   </p:cSld>
@@ -5078,7 +5834,7 @@
                                           </p:stCondLst>
                                         </p:cTn>
                                         <p:tgtEl>
-                                          <p:spTgt spid="43"/>
+                                          <p:spTgt spid="23"/>
                                         </p:tgtEl>
                                         <p:attrNameLst>
                                           <p:attrName>style.visibility</p:attrName>
@@ -5105,7 +5861,7 @@
                                           </p:stCondLst>
                                         </p:cTn>
                                         <p:tgtEl>
-                                          <p:spTgt spid="40"/>
+                                          <p:spTgt spid="20"/>
                                         </p:tgtEl>
                                         <p:attrNameLst>
                                           <p:attrName>style.visibility</p:attrName>
@@ -5132,7 +5888,7 @@
                                           </p:stCondLst>
                                         </p:cTn>
                                         <p:tgtEl>
-                                          <p:spTgt spid="41"/>
+                                          <p:spTgt spid="21"/>
                                         </p:tgtEl>
                                         <p:attrNameLst>
                                           <p:attrName>style.visibility</p:attrName>
@@ -5159,7 +5915,7 @@
                                           </p:stCondLst>
                                         </p:cTn>
                                         <p:tgtEl>
-                                          <p:spTgt spid="42"/>
+                                          <p:spTgt spid="22"/>
                                         </p:tgtEl>
                                         <p:attrNameLst>
                                           <p:attrName>style.visibility</p:attrName>
@@ -5200,10 +5956,3958 @@
       </p:par>
     </p:tnLst>
     <p:bldLst>
-      <p:bldP spid="40" grpId="0" animBg="1"/>
-      <p:bldP spid="41" grpId="0" animBg="1"/>
-      <p:bldP spid="42" grpId="0" animBg="1"/>
+      <p:bldP spid="20" grpId="0" animBg="1"/>
+      <p:bldP spid="21" grpId="0" animBg="1"/>
+      <p:bldP spid="22" grpId="0" animBg="1"/>
+      <p:bldP spid="23" grpId="0" animBg="1"/>
+    </p:bldLst>
+  </p:timing>
+</p:sld>
+</file>
+
+<file path=ppt/slides/slide4.xml><?xml version="1.0" encoding="utf-8"?>
+<p:sld xmlns:a="http://schemas.openxmlformats.org/drawingml/2006/main" xmlns:r="http://schemas.openxmlformats.org/officeDocument/2006/relationships" xmlns:p="http://schemas.openxmlformats.org/presentationml/2006/main" show="0">
+  <p:cSld>
+    <p:spTree>
+      <p:nvGrpSpPr>
+        <p:cNvPr id="1" name=""/>
+        <p:cNvGrpSpPr/>
+        <p:nvPr/>
+      </p:nvGrpSpPr>
+      <p:grpSpPr>
+        <a:xfrm>
+          <a:off x="0" y="0"/>
+          <a:ext cx="0" cy="0"/>
+          <a:chOff x="0" y="0"/>
+          <a:chExt cx="0" cy="0"/>
+        </a:xfrm>
+      </p:grpSpPr>
+      <p:grpSp>
+        <p:nvGrpSpPr>
+          <p:cNvPr id="2" name="Groupe 1">
+            <a:extLst>
+              <a:ext uri="{FF2B5EF4-FFF2-40B4-BE49-F238E27FC236}">
+                <a16:creationId xmlns:a16="http://schemas.microsoft.com/office/drawing/2014/main" id="{695B117E-ABE4-4831-AAB5-54961BA432BE}"/>
+              </a:ext>
+            </a:extLst>
+          </p:cNvPr>
+          <p:cNvGrpSpPr/>
+          <p:nvPr/>
+        </p:nvGrpSpPr>
+        <p:grpSpPr>
+          <a:xfrm>
+            <a:off x="676527" y="2062542"/>
+            <a:ext cx="5152269" cy="3397929"/>
+            <a:chOff x="1164201" y="276448"/>
+            <a:chExt cx="9868751" cy="5947295"/>
+          </a:xfrm>
+        </p:grpSpPr>
+        <p:pic>
+          <p:nvPicPr>
+            <p:cNvPr id="3" name="Image 2">
+              <a:extLst>
+                <a:ext uri="{FF2B5EF4-FFF2-40B4-BE49-F238E27FC236}">
+                  <a16:creationId xmlns:a16="http://schemas.microsoft.com/office/drawing/2014/main" id="{80C5D560-A17F-4B0F-91AF-9E37468A8934}"/>
+                </a:ext>
+              </a:extLst>
+            </p:cNvPr>
+            <p:cNvPicPr>
+              <a:picLocks noChangeAspect="1"/>
+            </p:cNvPicPr>
+            <p:nvPr/>
+          </p:nvPicPr>
+          <p:blipFill>
+            <a:blip r:embed="rId2"/>
+            <a:stretch>
+              <a:fillRect/>
+            </a:stretch>
+          </p:blipFill>
+          <p:spPr>
+            <a:xfrm>
+              <a:off x="1164201" y="5275408"/>
+              <a:ext cx="925788" cy="948333"/>
+            </a:xfrm>
+            <a:prstGeom prst="rect">
+              <a:avLst/>
+            </a:prstGeom>
+          </p:spPr>
+        </p:pic>
+        <p:pic>
+          <p:nvPicPr>
+            <p:cNvPr id="9" name="Image 8">
+              <a:extLst>
+                <a:ext uri="{FF2B5EF4-FFF2-40B4-BE49-F238E27FC236}">
+                  <a16:creationId xmlns:a16="http://schemas.microsoft.com/office/drawing/2014/main" id="{269AE0AB-6CF4-4EBB-9929-6194F286437A}"/>
+                </a:ext>
+              </a:extLst>
+            </p:cNvPr>
+            <p:cNvPicPr>
+              <a:picLocks noChangeAspect="1"/>
+            </p:cNvPicPr>
+            <p:nvPr/>
+          </p:nvPicPr>
+          <p:blipFill>
+            <a:blip r:embed="rId2"/>
+            <a:stretch>
+              <a:fillRect/>
+            </a:stretch>
+          </p:blipFill>
+          <p:spPr>
+            <a:xfrm>
+              <a:off x="2490168" y="5275408"/>
+              <a:ext cx="925788" cy="948333"/>
+            </a:xfrm>
+            <a:prstGeom prst="rect">
+              <a:avLst/>
+            </a:prstGeom>
+          </p:spPr>
+        </p:pic>
+        <p:pic>
+          <p:nvPicPr>
+            <p:cNvPr id="10" name="Image 9">
+              <a:extLst>
+                <a:ext uri="{FF2B5EF4-FFF2-40B4-BE49-F238E27FC236}">
+                  <a16:creationId xmlns:a16="http://schemas.microsoft.com/office/drawing/2014/main" id="{1CE5404C-DC1E-41E9-9D3E-C228E5BE6C85}"/>
+                </a:ext>
+              </a:extLst>
+            </p:cNvPr>
+            <p:cNvPicPr>
+              <a:picLocks noChangeAspect="1"/>
+            </p:cNvPicPr>
+            <p:nvPr/>
+          </p:nvPicPr>
+          <p:blipFill>
+            <a:blip r:embed="rId2"/>
+            <a:stretch>
+              <a:fillRect/>
+            </a:stretch>
+          </p:blipFill>
+          <p:spPr>
+            <a:xfrm>
+              <a:off x="6055312" y="5275410"/>
+              <a:ext cx="925788" cy="948333"/>
+            </a:xfrm>
+            <a:prstGeom prst="rect">
+              <a:avLst/>
+            </a:prstGeom>
+          </p:spPr>
+        </p:pic>
+        <p:pic>
+          <p:nvPicPr>
+            <p:cNvPr id="11" name="Image 10">
+              <a:extLst>
+                <a:ext uri="{FF2B5EF4-FFF2-40B4-BE49-F238E27FC236}">
+                  <a16:creationId xmlns:a16="http://schemas.microsoft.com/office/drawing/2014/main" id="{9A0102A8-5CB3-46B2-BFC1-E4919C8DA071}"/>
+                </a:ext>
+              </a:extLst>
+            </p:cNvPr>
+            <p:cNvPicPr>
+              <a:picLocks noChangeAspect="1"/>
+            </p:cNvPicPr>
+            <p:nvPr/>
+          </p:nvPicPr>
+          <p:blipFill>
+            <a:blip r:embed="rId2"/>
+            <a:stretch>
+              <a:fillRect/>
+            </a:stretch>
+          </p:blipFill>
+          <p:spPr>
+            <a:xfrm>
+              <a:off x="7318565" y="5275409"/>
+              <a:ext cx="925788" cy="948333"/>
+            </a:xfrm>
+            <a:prstGeom prst="rect">
+              <a:avLst/>
+            </a:prstGeom>
+          </p:spPr>
+        </p:pic>
+        <p:pic>
+          <p:nvPicPr>
+            <p:cNvPr id="12" name="Image 11">
+              <a:extLst>
+                <a:ext uri="{FF2B5EF4-FFF2-40B4-BE49-F238E27FC236}">
+                  <a16:creationId xmlns:a16="http://schemas.microsoft.com/office/drawing/2014/main" id="{550118E5-F70F-46E4-A770-FE9CD456E0DE}"/>
+                </a:ext>
+              </a:extLst>
+            </p:cNvPr>
+            <p:cNvPicPr>
+              <a:picLocks noChangeAspect="1"/>
+            </p:cNvPicPr>
+            <p:nvPr/>
+          </p:nvPicPr>
+          <p:blipFill>
+            <a:blip r:embed="rId2"/>
+            <a:stretch>
+              <a:fillRect/>
+            </a:stretch>
+          </p:blipFill>
+          <p:spPr>
+            <a:xfrm>
+              <a:off x="10107164" y="2775928"/>
+              <a:ext cx="925788" cy="948333"/>
+            </a:xfrm>
+            <a:prstGeom prst="rect">
+              <a:avLst/>
+            </a:prstGeom>
+          </p:spPr>
+        </p:pic>
+        <p:pic>
+          <p:nvPicPr>
+            <p:cNvPr id="13" name="Image 12">
+              <a:extLst>
+                <a:ext uri="{FF2B5EF4-FFF2-40B4-BE49-F238E27FC236}">
+                  <a16:creationId xmlns:a16="http://schemas.microsoft.com/office/drawing/2014/main" id="{0B99374B-D626-4BF8-B115-C569A1BC2E9C}"/>
+                </a:ext>
+              </a:extLst>
+            </p:cNvPr>
+            <p:cNvPicPr>
+              <a:picLocks noChangeAspect="1"/>
+            </p:cNvPicPr>
+            <p:nvPr/>
+          </p:nvPicPr>
+          <p:blipFill>
+            <a:blip r:embed="rId2"/>
+            <a:stretch>
+              <a:fillRect/>
+            </a:stretch>
+          </p:blipFill>
+          <p:spPr>
+            <a:xfrm>
+              <a:off x="6055312" y="2775929"/>
+              <a:ext cx="925788" cy="948333"/>
+            </a:xfrm>
+            <a:prstGeom prst="rect">
+              <a:avLst/>
+            </a:prstGeom>
+          </p:spPr>
+        </p:pic>
+        <p:pic>
+          <p:nvPicPr>
+            <p:cNvPr id="14" name="Image 13">
+              <a:extLst>
+                <a:ext uri="{FF2B5EF4-FFF2-40B4-BE49-F238E27FC236}">
+                  <a16:creationId xmlns:a16="http://schemas.microsoft.com/office/drawing/2014/main" id="{AD543861-C20F-4A89-B1D4-DEFA3BDE48AE}"/>
+                </a:ext>
+              </a:extLst>
+            </p:cNvPr>
+            <p:cNvPicPr>
+              <a:picLocks noChangeAspect="1"/>
+            </p:cNvPicPr>
+            <p:nvPr/>
+          </p:nvPicPr>
+          <p:blipFill>
+            <a:blip r:embed="rId2"/>
+            <a:stretch>
+              <a:fillRect/>
+            </a:stretch>
+          </p:blipFill>
+          <p:spPr>
+            <a:xfrm>
+              <a:off x="4792060" y="5275409"/>
+              <a:ext cx="925788" cy="948333"/>
+            </a:xfrm>
+            <a:prstGeom prst="rect">
+              <a:avLst/>
+            </a:prstGeom>
+          </p:spPr>
+        </p:pic>
+        <p:pic>
+          <p:nvPicPr>
+            <p:cNvPr id="15" name="Image 14">
+              <a:extLst>
+                <a:ext uri="{FF2B5EF4-FFF2-40B4-BE49-F238E27FC236}">
+                  <a16:creationId xmlns:a16="http://schemas.microsoft.com/office/drawing/2014/main" id="{84E05BA4-3E3C-4ECF-9A7E-AC3349B241B3}"/>
+                </a:ext>
+              </a:extLst>
+            </p:cNvPr>
+            <p:cNvPicPr>
+              <a:picLocks noChangeAspect="1"/>
+            </p:cNvPicPr>
+            <p:nvPr/>
+          </p:nvPicPr>
+          <p:blipFill>
+            <a:blip r:embed="rId2"/>
+            <a:stretch>
+              <a:fillRect/>
+            </a:stretch>
+          </p:blipFill>
+          <p:spPr>
+            <a:xfrm>
+              <a:off x="6055312" y="276448"/>
+              <a:ext cx="925788" cy="948333"/>
+            </a:xfrm>
+            <a:prstGeom prst="rect">
+              <a:avLst/>
+            </a:prstGeom>
+          </p:spPr>
+        </p:pic>
+        <p:pic>
+          <p:nvPicPr>
+            <p:cNvPr id="16" name="Image 15">
+              <a:extLst>
+                <a:ext uri="{FF2B5EF4-FFF2-40B4-BE49-F238E27FC236}">
+                  <a16:creationId xmlns:a16="http://schemas.microsoft.com/office/drawing/2014/main" id="{3CCAA042-1F91-401F-B3D9-97CDBF0E40F8}"/>
+                </a:ext>
+              </a:extLst>
+            </p:cNvPr>
+            <p:cNvPicPr>
+              <a:picLocks noChangeAspect="1"/>
+            </p:cNvPicPr>
+            <p:nvPr/>
+          </p:nvPicPr>
+          <p:blipFill>
+            <a:blip r:embed="rId2"/>
+            <a:stretch>
+              <a:fillRect/>
+            </a:stretch>
+          </p:blipFill>
+          <p:spPr>
+            <a:xfrm>
+              <a:off x="1914421" y="2775929"/>
+              <a:ext cx="925788" cy="948333"/>
+            </a:xfrm>
+            <a:prstGeom prst="rect">
+              <a:avLst/>
+            </a:prstGeom>
+          </p:spPr>
+        </p:pic>
+        <p:cxnSp>
+          <p:nvCxnSpPr>
+            <p:cNvPr id="18" name="Connecteur droit avec flèche 17">
+              <a:extLst>
+                <a:ext uri="{FF2B5EF4-FFF2-40B4-BE49-F238E27FC236}">
+                  <a16:creationId xmlns:a16="http://schemas.microsoft.com/office/drawing/2014/main" id="{C250E0F2-0C25-414E-BBF2-1E7F0AC3733E}"/>
+                </a:ext>
+              </a:extLst>
+            </p:cNvPr>
+            <p:cNvCxnSpPr>
+              <a:stCxn id="15" idx="2"/>
+              <a:endCxn id="13" idx="0"/>
+            </p:cNvCxnSpPr>
+            <p:nvPr/>
+          </p:nvCxnSpPr>
+          <p:spPr>
+            <a:xfrm>
+              <a:off x="6518206" y="1224781"/>
+              <a:ext cx="0" cy="1551148"/>
+            </a:xfrm>
+            <a:prstGeom prst="straightConnector1">
+              <a:avLst/>
+            </a:prstGeom>
+            <a:ln w="38100">
+              <a:tailEnd type="triangle"/>
+            </a:ln>
+          </p:spPr>
+          <p:style>
+            <a:lnRef idx="1">
+              <a:schemeClr val="accent1"/>
+            </a:lnRef>
+            <a:fillRef idx="0">
+              <a:schemeClr val="accent1"/>
+            </a:fillRef>
+            <a:effectRef idx="0">
+              <a:schemeClr val="accent1"/>
+            </a:effectRef>
+            <a:fontRef idx="minor">
+              <a:schemeClr val="tx1"/>
+            </a:fontRef>
+          </p:style>
+        </p:cxnSp>
+        <p:cxnSp>
+          <p:nvCxnSpPr>
+            <p:cNvPr id="19" name="Connecteur droit avec flèche 18">
+              <a:extLst>
+                <a:ext uri="{FF2B5EF4-FFF2-40B4-BE49-F238E27FC236}">
+                  <a16:creationId xmlns:a16="http://schemas.microsoft.com/office/drawing/2014/main" id="{7380F170-1295-49E6-82D7-40B476A95A7D}"/>
+                </a:ext>
+              </a:extLst>
+            </p:cNvPr>
+            <p:cNvCxnSpPr>
+              <a:cxnSpLocks/>
+              <a:stCxn id="13" idx="2"/>
+              <a:endCxn id="10" idx="0"/>
+            </p:cNvCxnSpPr>
+            <p:nvPr/>
+          </p:nvCxnSpPr>
+          <p:spPr>
+            <a:xfrm>
+              <a:off x="6518206" y="3724262"/>
+              <a:ext cx="0" cy="1551148"/>
+            </a:xfrm>
+            <a:prstGeom prst="straightConnector1">
+              <a:avLst/>
+            </a:prstGeom>
+            <a:ln w="38100">
+              <a:tailEnd type="triangle"/>
+            </a:ln>
+          </p:spPr>
+          <p:style>
+            <a:lnRef idx="1">
+              <a:schemeClr val="accent1"/>
+            </a:lnRef>
+            <a:fillRef idx="0">
+              <a:schemeClr val="accent1"/>
+            </a:fillRef>
+            <a:effectRef idx="0">
+              <a:schemeClr val="accent1"/>
+            </a:effectRef>
+            <a:fontRef idx="minor">
+              <a:schemeClr val="tx1"/>
+            </a:fontRef>
+          </p:style>
+        </p:cxnSp>
+        <p:cxnSp>
+          <p:nvCxnSpPr>
+            <p:cNvPr id="24" name="Connecteur : en angle 23">
+              <a:extLst>
+                <a:ext uri="{FF2B5EF4-FFF2-40B4-BE49-F238E27FC236}">
+                  <a16:creationId xmlns:a16="http://schemas.microsoft.com/office/drawing/2014/main" id="{2C676AA9-9BB0-4F35-B424-908ACE0CB764}"/>
+                </a:ext>
+              </a:extLst>
+            </p:cNvPr>
+            <p:cNvCxnSpPr>
+              <a:stCxn id="15" idx="2"/>
+              <a:endCxn id="16" idx="0"/>
+            </p:cNvCxnSpPr>
+            <p:nvPr/>
+          </p:nvCxnSpPr>
+          <p:spPr>
+            <a:xfrm rot="5400000">
+              <a:off x="3672187" y="-70090"/>
+              <a:ext cx="1551148" cy="4140891"/>
+            </a:xfrm>
+            <a:prstGeom prst="bentConnector3">
+              <a:avLst/>
+            </a:prstGeom>
+            <a:ln w="38100">
+              <a:tailEnd type="triangle"/>
+            </a:ln>
+          </p:spPr>
+          <p:style>
+            <a:lnRef idx="1">
+              <a:schemeClr val="accent1"/>
+            </a:lnRef>
+            <a:fillRef idx="0">
+              <a:schemeClr val="accent1"/>
+            </a:fillRef>
+            <a:effectRef idx="0">
+              <a:schemeClr val="accent1"/>
+            </a:effectRef>
+            <a:fontRef idx="minor">
+              <a:schemeClr val="tx1"/>
+            </a:fontRef>
+          </p:style>
+        </p:cxnSp>
+        <p:cxnSp>
+          <p:nvCxnSpPr>
+            <p:cNvPr id="25" name="Connecteur : en angle 24">
+              <a:extLst>
+                <a:ext uri="{FF2B5EF4-FFF2-40B4-BE49-F238E27FC236}">
+                  <a16:creationId xmlns:a16="http://schemas.microsoft.com/office/drawing/2014/main" id="{1DA013E3-7B09-4ED5-B38B-87612E92D485}"/>
+                </a:ext>
+              </a:extLst>
+            </p:cNvPr>
+            <p:cNvCxnSpPr>
+              <a:cxnSpLocks/>
+              <a:stCxn id="15" idx="2"/>
+              <a:endCxn id="12" idx="0"/>
+            </p:cNvCxnSpPr>
+            <p:nvPr/>
+          </p:nvCxnSpPr>
+          <p:spPr>
+            <a:xfrm rot="16200000" flipH="1">
+              <a:off x="7768559" y="-25572"/>
+              <a:ext cx="1551147" cy="4051852"/>
+            </a:xfrm>
+            <a:prstGeom prst="bentConnector3">
+              <a:avLst>
+                <a:gd name="adj1" fmla="val 50000"/>
+              </a:avLst>
+            </a:prstGeom>
+            <a:ln w="38100">
+              <a:tailEnd type="triangle"/>
+            </a:ln>
+          </p:spPr>
+          <p:style>
+            <a:lnRef idx="1">
+              <a:schemeClr val="accent1"/>
+            </a:lnRef>
+            <a:fillRef idx="0">
+              <a:schemeClr val="accent1"/>
+            </a:fillRef>
+            <a:effectRef idx="0">
+              <a:schemeClr val="accent1"/>
+            </a:effectRef>
+            <a:fontRef idx="minor">
+              <a:schemeClr val="tx1"/>
+            </a:fontRef>
+          </p:style>
+        </p:cxnSp>
+        <p:cxnSp>
+          <p:nvCxnSpPr>
+            <p:cNvPr id="28" name="Connecteur : en angle 27">
+              <a:extLst>
+                <a:ext uri="{FF2B5EF4-FFF2-40B4-BE49-F238E27FC236}">
+                  <a16:creationId xmlns:a16="http://schemas.microsoft.com/office/drawing/2014/main" id="{09BFB5E0-09E1-4C37-B84A-50397C46E550}"/>
+                </a:ext>
+              </a:extLst>
+            </p:cNvPr>
+            <p:cNvCxnSpPr>
+              <a:cxnSpLocks/>
+              <a:stCxn id="16" idx="2"/>
+              <a:endCxn id="3" idx="0"/>
+            </p:cNvCxnSpPr>
+            <p:nvPr/>
+          </p:nvCxnSpPr>
+          <p:spPr>
+            <a:xfrm rot="5400000">
+              <a:off x="1226632" y="4124725"/>
+              <a:ext cx="1551146" cy="750220"/>
+            </a:xfrm>
+            <a:prstGeom prst="bentConnector3">
+              <a:avLst>
+                <a:gd name="adj1" fmla="val 50000"/>
+              </a:avLst>
+            </a:prstGeom>
+            <a:ln w="38100">
+              <a:tailEnd type="triangle"/>
+            </a:ln>
+          </p:spPr>
+          <p:style>
+            <a:lnRef idx="1">
+              <a:schemeClr val="accent1"/>
+            </a:lnRef>
+            <a:fillRef idx="0">
+              <a:schemeClr val="accent1"/>
+            </a:fillRef>
+            <a:effectRef idx="0">
+              <a:schemeClr val="accent1"/>
+            </a:effectRef>
+            <a:fontRef idx="minor">
+              <a:schemeClr val="tx1"/>
+            </a:fontRef>
+          </p:style>
+        </p:cxnSp>
+        <p:cxnSp>
+          <p:nvCxnSpPr>
+            <p:cNvPr id="31" name="Connecteur : en angle 30">
+              <a:extLst>
+                <a:ext uri="{FF2B5EF4-FFF2-40B4-BE49-F238E27FC236}">
+                  <a16:creationId xmlns:a16="http://schemas.microsoft.com/office/drawing/2014/main" id="{8713AEE1-C637-40AB-B6B0-2AF0264D8EEF}"/>
+                </a:ext>
+              </a:extLst>
+            </p:cNvPr>
+            <p:cNvCxnSpPr>
+              <a:cxnSpLocks/>
+              <a:stCxn id="16" idx="2"/>
+              <a:endCxn id="9" idx="0"/>
+            </p:cNvCxnSpPr>
+            <p:nvPr/>
+          </p:nvCxnSpPr>
+          <p:spPr>
+            <a:xfrm rot="16200000" flipH="1">
+              <a:off x="1889615" y="4211961"/>
+              <a:ext cx="1551146" cy="575747"/>
+            </a:xfrm>
+            <a:prstGeom prst="bentConnector3">
+              <a:avLst>
+                <a:gd name="adj1" fmla="val 50000"/>
+              </a:avLst>
+            </a:prstGeom>
+            <a:ln w="38100">
+              <a:tailEnd type="triangle"/>
+            </a:ln>
+          </p:spPr>
+          <p:style>
+            <a:lnRef idx="1">
+              <a:schemeClr val="accent1"/>
+            </a:lnRef>
+            <a:fillRef idx="0">
+              <a:schemeClr val="accent1"/>
+            </a:fillRef>
+            <a:effectRef idx="0">
+              <a:schemeClr val="accent1"/>
+            </a:effectRef>
+            <a:fontRef idx="minor">
+              <a:schemeClr val="tx1"/>
+            </a:fontRef>
+          </p:style>
+        </p:cxnSp>
+        <p:cxnSp>
+          <p:nvCxnSpPr>
+            <p:cNvPr id="34" name="Connecteur : en angle 33">
+              <a:extLst>
+                <a:ext uri="{FF2B5EF4-FFF2-40B4-BE49-F238E27FC236}">
+                  <a16:creationId xmlns:a16="http://schemas.microsoft.com/office/drawing/2014/main" id="{6EA71BA6-AF32-4A70-B9D5-65F34B9F7C3E}"/>
+                </a:ext>
+              </a:extLst>
+            </p:cNvPr>
+            <p:cNvCxnSpPr>
+              <a:cxnSpLocks/>
+              <a:stCxn id="13" idx="2"/>
+              <a:endCxn id="14" idx="0"/>
+            </p:cNvCxnSpPr>
+            <p:nvPr/>
+          </p:nvCxnSpPr>
+          <p:spPr>
+            <a:xfrm rot="5400000">
+              <a:off x="5111007" y="3868209"/>
+              <a:ext cx="1551147" cy="1263252"/>
+            </a:xfrm>
+            <a:prstGeom prst="bentConnector3">
+              <a:avLst>
+                <a:gd name="adj1" fmla="val 50000"/>
+              </a:avLst>
+            </a:prstGeom>
+            <a:ln w="38100">
+              <a:tailEnd type="triangle"/>
+            </a:ln>
+          </p:spPr>
+          <p:style>
+            <a:lnRef idx="1">
+              <a:schemeClr val="accent1"/>
+            </a:lnRef>
+            <a:fillRef idx="0">
+              <a:schemeClr val="accent1"/>
+            </a:fillRef>
+            <a:effectRef idx="0">
+              <a:schemeClr val="accent1"/>
+            </a:effectRef>
+            <a:fontRef idx="minor">
+              <a:schemeClr val="tx1"/>
+            </a:fontRef>
+          </p:style>
+        </p:cxnSp>
+        <p:cxnSp>
+          <p:nvCxnSpPr>
+            <p:cNvPr id="37" name="Connecteur : en angle 36">
+              <a:extLst>
+                <a:ext uri="{FF2B5EF4-FFF2-40B4-BE49-F238E27FC236}">
+                  <a16:creationId xmlns:a16="http://schemas.microsoft.com/office/drawing/2014/main" id="{0BEC7CA0-6638-482D-9BC6-69A32BD4D868}"/>
+                </a:ext>
+              </a:extLst>
+            </p:cNvPr>
+            <p:cNvCxnSpPr>
+              <a:cxnSpLocks/>
+              <a:stCxn id="13" idx="2"/>
+              <a:endCxn id="11" idx="0"/>
+            </p:cNvCxnSpPr>
+            <p:nvPr/>
+          </p:nvCxnSpPr>
+          <p:spPr>
+            <a:xfrm rot="16200000" flipH="1">
+              <a:off x="6374259" y="3868208"/>
+              <a:ext cx="1551147" cy="1263253"/>
+            </a:xfrm>
+            <a:prstGeom prst="bentConnector3">
+              <a:avLst>
+                <a:gd name="adj1" fmla="val 50000"/>
+              </a:avLst>
+            </a:prstGeom>
+            <a:ln w="38100">
+              <a:tailEnd type="triangle"/>
+            </a:ln>
+          </p:spPr>
+          <p:style>
+            <a:lnRef idx="1">
+              <a:schemeClr val="accent1"/>
+            </a:lnRef>
+            <a:fillRef idx="0">
+              <a:schemeClr val="accent1"/>
+            </a:fillRef>
+            <a:effectRef idx="0">
+              <a:schemeClr val="accent1"/>
+            </a:effectRef>
+            <a:fontRef idx="minor">
+              <a:schemeClr val="tx1"/>
+            </a:fontRef>
+          </p:style>
+        </p:cxnSp>
+      </p:grpSp>
+      <p:sp>
+        <p:nvSpPr>
+          <p:cNvPr id="20" name="ZoneTexte 19">
+            <a:extLst>
+              <a:ext uri="{FF2B5EF4-FFF2-40B4-BE49-F238E27FC236}">
+                <a16:creationId xmlns:a16="http://schemas.microsoft.com/office/drawing/2014/main" id="{00CDECA7-1E20-4B18-8B67-7AF5F52DB01B}"/>
+              </a:ext>
+            </a:extLst>
+          </p:cNvPr>
+          <p:cNvSpPr txBox="1"/>
+          <p:nvPr/>
+        </p:nvSpPr>
+        <p:spPr>
+          <a:xfrm>
+            <a:off x="1728582" y="198090"/>
+            <a:ext cx="9107365" cy="646331"/>
+          </a:xfrm>
+          <a:prstGeom prst="rect">
+            <a:avLst/>
+          </a:prstGeom>
+          <a:noFill/>
+        </p:spPr>
+        <p:txBody>
+          <a:bodyPr wrap="none" rtlCol="0">
+            <a:spAutoFit/>
+          </a:bodyPr>
+          <a:lstStyle/>
+          <a:p>
+            <a:r>
+              <a:rPr lang="fr-CH" sz="3600"/>
+              <a:t>Diffusion / valorisation d’une collection d’objets</a:t>
+            </a:r>
+          </a:p>
+        </p:txBody>
+      </p:sp>
+      <p:sp>
+        <p:nvSpPr>
+          <p:cNvPr id="4" name="Rectangle 3">
+            <a:extLst>
+              <a:ext uri="{FF2B5EF4-FFF2-40B4-BE49-F238E27FC236}">
+                <a16:creationId xmlns:a16="http://schemas.microsoft.com/office/drawing/2014/main" id="{5A6412E3-6D15-4198-B8E1-D7CAB1994926}"/>
+              </a:ext>
+            </a:extLst>
+          </p:cNvPr>
+          <p:cNvSpPr/>
+          <p:nvPr/>
+        </p:nvSpPr>
+        <p:spPr>
+          <a:xfrm>
+            <a:off x="143378" y="1416784"/>
+            <a:ext cx="5952622" cy="4689446"/>
+          </a:xfrm>
+          <a:prstGeom prst="rect">
+            <a:avLst/>
+          </a:prstGeom>
+          <a:noFill/>
+          <a:ln w="38100"/>
+        </p:spPr>
+        <p:style>
+          <a:lnRef idx="2">
+            <a:schemeClr val="accent1">
+              <a:shade val="50000"/>
+            </a:schemeClr>
+          </a:lnRef>
+          <a:fillRef idx="1">
+            <a:schemeClr val="accent1"/>
+          </a:fillRef>
+          <a:effectRef idx="0">
+            <a:schemeClr val="accent1"/>
+          </a:effectRef>
+          <a:fontRef idx="minor">
+            <a:schemeClr val="lt1"/>
+          </a:fontRef>
+        </p:style>
+        <p:txBody>
+          <a:bodyPr rtlCol="0" anchor="ctr"/>
+          <a:lstStyle/>
+          <a:p>
+            <a:pPr algn="ctr"/>
+            <a:endParaRPr lang="fr-CH"/>
+          </a:p>
+        </p:txBody>
+      </p:sp>
+      <p:sp>
+        <p:nvSpPr>
+          <p:cNvPr id="5" name="ZoneTexte 4">
+            <a:extLst>
+              <a:ext uri="{FF2B5EF4-FFF2-40B4-BE49-F238E27FC236}">
+                <a16:creationId xmlns:a16="http://schemas.microsoft.com/office/drawing/2014/main" id="{50B03862-91B8-4D1F-B197-29D4B7D40718}"/>
+              </a:ext>
+            </a:extLst>
+          </p:cNvPr>
+          <p:cNvSpPr txBox="1"/>
+          <p:nvPr/>
+        </p:nvSpPr>
+        <p:spPr>
+          <a:xfrm>
+            <a:off x="234075" y="1456576"/>
+            <a:ext cx="2345066" cy="369332"/>
+          </a:xfrm>
+          <a:prstGeom prst="rect">
+            <a:avLst/>
+          </a:prstGeom>
+          <a:noFill/>
+        </p:spPr>
+        <p:txBody>
+          <a:bodyPr wrap="none" rtlCol="0">
+            <a:spAutoFit/>
+          </a:bodyPr>
+          <a:lstStyle/>
+          <a:p>
+            <a:r>
+              <a:rPr lang="fr-CH"/>
+              <a:t>OAIS: Module stockage</a:t>
+            </a:r>
+          </a:p>
+        </p:txBody>
+      </p:sp>
+      <p:sp>
+        <p:nvSpPr>
+          <p:cNvPr id="23" name="Rectangle 22">
+            <a:extLst>
+              <a:ext uri="{FF2B5EF4-FFF2-40B4-BE49-F238E27FC236}">
+                <a16:creationId xmlns:a16="http://schemas.microsoft.com/office/drawing/2014/main" id="{D708767A-8240-4215-8B30-EF3EC50F1B5B}"/>
+              </a:ext>
+            </a:extLst>
+          </p:cNvPr>
+          <p:cNvSpPr/>
+          <p:nvPr/>
+        </p:nvSpPr>
+        <p:spPr>
+          <a:xfrm>
+            <a:off x="6161527" y="1416784"/>
+            <a:ext cx="5952622" cy="4689446"/>
+          </a:xfrm>
+          <a:prstGeom prst="rect">
+            <a:avLst/>
+          </a:prstGeom>
+          <a:noFill/>
+          <a:ln w="38100"/>
+        </p:spPr>
+        <p:style>
+          <a:lnRef idx="2">
+            <a:schemeClr val="accent1">
+              <a:shade val="50000"/>
+            </a:schemeClr>
+          </a:lnRef>
+          <a:fillRef idx="1">
+            <a:schemeClr val="accent1"/>
+          </a:fillRef>
+          <a:effectRef idx="0">
+            <a:schemeClr val="accent1"/>
+          </a:effectRef>
+          <a:fontRef idx="minor">
+            <a:schemeClr val="lt1"/>
+          </a:fontRef>
+        </p:style>
+        <p:txBody>
+          <a:bodyPr rtlCol="0" anchor="ctr"/>
+          <a:lstStyle/>
+          <a:p>
+            <a:pPr algn="ctr"/>
+            <a:endParaRPr lang="fr-CH"/>
+          </a:p>
+        </p:txBody>
+      </p:sp>
+      <p:sp>
+        <p:nvSpPr>
+          <p:cNvPr id="26" name="ZoneTexte 25">
+            <a:extLst>
+              <a:ext uri="{FF2B5EF4-FFF2-40B4-BE49-F238E27FC236}">
+                <a16:creationId xmlns:a16="http://schemas.microsoft.com/office/drawing/2014/main" id="{60A4BCF0-3A17-4695-8A32-3305E8D4453D}"/>
+              </a:ext>
+            </a:extLst>
+          </p:cNvPr>
+          <p:cNvSpPr txBox="1"/>
+          <p:nvPr/>
+        </p:nvSpPr>
+        <p:spPr>
+          <a:xfrm>
+            <a:off x="6252224" y="1456576"/>
+            <a:ext cx="2041585" cy="369332"/>
+          </a:xfrm>
+          <a:prstGeom prst="rect">
+            <a:avLst/>
+          </a:prstGeom>
+          <a:noFill/>
+        </p:spPr>
+        <p:txBody>
+          <a:bodyPr wrap="none" rtlCol="0">
+            <a:spAutoFit/>
+          </a:bodyPr>
+          <a:lstStyle/>
+          <a:p>
+            <a:r>
+              <a:rPr lang="fr-CH"/>
+              <a:t>OAIS: Module accès</a:t>
+            </a:r>
+          </a:p>
+        </p:txBody>
+      </p:sp>
+      <p:sp>
+        <p:nvSpPr>
+          <p:cNvPr id="27" name="Rectangle 26">
+            <a:extLst>
+              <a:ext uri="{FF2B5EF4-FFF2-40B4-BE49-F238E27FC236}">
+                <a16:creationId xmlns:a16="http://schemas.microsoft.com/office/drawing/2014/main" id="{0665EBB9-62BD-4F45-88E7-3CF35F0089C5}"/>
+              </a:ext>
+            </a:extLst>
+          </p:cNvPr>
+          <p:cNvSpPr/>
+          <p:nvPr/>
+        </p:nvSpPr>
+        <p:spPr>
+          <a:xfrm>
+            <a:off x="6513850" y="3403793"/>
+            <a:ext cx="2552982" cy="1238444"/>
+          </a:xfrm>
+          <a:prstGeom prst="rect">
+            <a:avLst/>
+          </a:prstGeom>
+          <a:noFill/>
+          <a:ln w="38100"/>
+        </p:spPr>
+        <p:style>
+          <a:lnRef idx="2">
+            <a:schemeClr val="accent1">
+              <a:shade val="50000"/>
+            </a:schemeClr>
+          </a:lnRef>
+          <a:fillRef idx="1">
+            <a:schemeClr val="accent1"/>
+          </a:fillRef>
+          <a:effectRef idx="0">
+            <a:schemeClr val="accent1"/>
+          </a:effectRef>
+          <a:fontRef idx="minor">
+            <a:schemeClr val="lt1"/>
+          </a:fontRef>
+        </p:style>
+        <p:txBody>
+          <a:bodyPr rtlCol="0" anchor="ctr"/>
+          <a:lstStyle/>
+          <a:p>
+            <a:pPr algn="ctr"/>
+            <a:endParaRPr lang="fr-CH"/>
+          </a:p>
+        </p:txBody>
+      </p:sp>
+      <p:sp>
+        <p:nvSpPr>
+          <p:cNvPr id="29" name="Rectangle 28">
+            <a:extLst>
+              <a:ext uri="{FF2B5EF4-FFF2-40B4-BE49-F238E27FC236}">
+                <a16:creationId xmlns:a16="http://schemas.microsoft.com/office/drawing/2014/main" id="{56DC6074-B52F-4549-BF84-E2F3AAAA7DE8}"/>
+              </a:ext>
+            </a:extLst>
+          </p:cNvPr>
+          <p:cNvSpPr/>
+          <p:nvPr/>
+        </p:nvSpPr>
+        <p:spPr>
+          <a:xfrm>
+            <a:off x="6513850" y="4726894"/>
+            <a:ext cx="2552982" cy="1238444"/>
+          </a:xfrm>
+          <a:prstGeom prst="rect">
+            <a:avLst/>
+          </a:prstGeom>
+          <a:noFill/>
+          <a:ln w="38100"/>
+        </p:spPr>
+        <p:style>
+          <a:lnRef idx="2">
+            <a:schemeClr val="accent1">
+              <a:shade val="50000"/>
+            </a:schemeClr>
+          </a:lnRef>
+          <a:fillRef idx="1">
+            <a:schemeClr val="accent1"/>
+          </a:fillRef>
+          <a:effectRef idx="0">
+            <a:schemeClr val="accent1"/>
+          </a:effectRef>
+          <a:fontRef idx="minor">
+            <a:schemeClr val="lt1"/>
+          </a:fontRef>
+        </p:style>
+        <p:txBody>
+          <a:bodyPr rtlCol="0" anchor="ctr"/>
+          <a:lstStyle/>
+          <a:p>
+            <a:pPr algn="ctr"/>
+            <a:endParaRPr lang="fr-CH"/>
+          </a:p>
+        </p:txBody>
+      </p:sp>
+      <p:sp>
+        <p:nvSpPr>
+          <p:cNvPr id="30" name="Rectangle 29">
+            <a:extLst>
+              <a:ext uri="{FF2B5EF4-FFF2-40B4-BE49-F238E27FC236}">
+                <a16:creationId xmlns:a16="http://schemas.microsoft.com/office/drawing/2014/main" id="{568C2D74-37AE-49E0-8A47-C8CC645B2517}"/>
+              </a:ext>
+            </a:extLst>
+          </p:cNvPr>
+          <p:cNvSpPr/>
+          <p:nvPr/>
+        </p:nvSpPr>
+        <p:spPr>
+          <a:xfrm>
+            <a:off x="9247984" y="1992613"/>
+            <a:ext cx="2552982" cy="3983765"/>
+          </a:xfrm>
+          <a:prstGeom prst="rect">
+            <a:avLst/>
+          </a:prstGeom>
+          <a:noFill/>
+          <a:ln w="38100"/>
+        </p:spPr>
+        <p:style>
+          <a:lnRef idx="2">
+            <a:schemeClr val="accent1">
+              <a:shade val="50000"/>
+            </a:schemeClr>
+          </a:lnRef>
+          <a:fillRef idx="1">
+            <a:schemeClr val="accent1"/>
+          </a:fillRef>
+          <a:effectRef idx="0">
+            <a:schemeClr val="accent1"/>
+          </a:effectRef>
+          <a:fontRef idx="minor">
+            <a:schemeClr val="lt1"/>
+          </a:fontRef>
+        </p:style>
+        <p:txBody>
+          <a:bodyPr rtlCol="0" anchor="ctr"/>
+          <a:lstStyle/>
+          <a:p>
+            <a:pPr algn="ctr"/>
+            <a:endParaRPr lang="fr-CH"/>
+          </a:p>
+        </p:txBody>
+      </p:sp>
+      <p:sp>
+        <p:nvSpPr>
+          <p:cNvPr id="6" name="ZoneTexte 5">
+            <a:extLst>
+              <a:ext uri="{FF2B5EF4-FFF2-40B4-BE49-F238E27FC236}">
+                <a16:creationId xmlns:a16="http://schemas.microsoft.com/office/drawing/2014/main" id="{EE0FA047-95FF-4289-9897-E3243733DA99}"/>
+              </a:ext>
+            </a:extLst>
+          </p:cNvPr>
+          <p:cNvSpPr txBox="1"/>
+          <p:nvPr/>
+        </p:nvSpPr>
+        <p:spPr>
+          <a:xfrm>
+            <a:off x="9584649" y="2044581"/>
+            <a:ext cx="1382173" cy="369332"/>
+          </a:xfrm>
+          <a:prstGeom prst="rect">
+            <a:avLst/>
+          </a:prstGeom>
+          <a:noFill/>
+        </p:spPr>
+        <p:txBody>
+          <a:bodyPr wrap="none" rtlCol="0">
+            <a:spAutoFit/>
+          </a:bodyPr>
+          <a:lstStyle/>
+          <a:p>
+            <a:r>
+              <a:rPr lang="fr-CH"/>
+              <a:t>WebServices</a:t>
+            </a:r>
+          </a:p>
+        </p:txBody>
+      </p:sp>
+      <p:sp>
+        <p:nvSpPr>
+          <p:cNvPr id="32" name="Rectangle 31">
+            <a:extLst>
+              <a:ext uri="{FF2B5EF4-FFF2-40B4-BE49-F238E27FC236}">
+                <a16:creationId xmlns:a16="http://schemas.microsoft.com/office/drawing/2014/main" id="{92242BAF-AC2E-4F3B-BC56-53FB4368AE27}"/>
+              </a:ext>
+            </a:extLst>
+          </p:cNvPr>
+          <p:cNvSpPr/>
+          <p:nvPr/>
+        </p:nvSpPr>
+        <p:spPr>
+          <a:xfrm>
+            <a:off x="6517832" y="2032405"/>
+            <a:ext cx="2552982" cy="1250620"/>
+          </a:xfrm>
+          <a:prstGeom prst="rect">
+            <a:avLst/>
+          </a:prstGeom>
+          <a:noFill/>
+          <a:ln w="38100"/>
+        </p:spPr>
+        <p:style>
+          <a:lnRef idx="2">
+            <a:schemeClr val="accent1">
+              <a:shade val="50000"/>
+            </a:schemeClr>
+          </a:lnRef>
+          <a:fillRef idx="1">
+            <a:schemeClr val="accent1"/>
+          </a:fillRef>
+          <a:effectRef idx="0">
+            <a:schemeClr val="accent1"/>
+          </a:effectRef>
+          <a:fontRef idx="minor">
+            <a:schemeClr val="lt1"/>
+          </a:fontRef>
+        </p:style>
+        <p:txBody>
+          <a:bodyPr rtlCol="0" anchor="ctr"/>
+          <a:lstStyle/>
+          <a:p>
+            <a:pPr algn="ctr"/>
+            <a:endParaRPr lang="fr-CH"/>
+          </a:p>
+        </p:txBody>
+      </p:sp>
+      <p:sp>
+        <p:nvSpPr>
+          <p:cNvPr id="7" name="ZoneTexte 6">
+            <a:extLst>
+              <a:ext uri="{FF2B5EF4-FFF2-40B4-BE49-F238E27FC236}">
+                <a16:creationId xmlns:a16="http://schemas.microsoft.com/office/drawing/2014/main" id="{F78C3B06-F668-4872-A46B-FC51EE48C86B}"/>
+              </a:ext>
+            </a:extLst>
+          </p:cNvPr>
+          <p:cNvSpPr txBox="1"/>
+          <p:nvPr/>
+        </p:nvSpPr>
+        <p:spPr>
+          <a:xfrm>
+            <a:off x="6562172" y="2148115"/>
+            <a:ext cx="2504660" cy="923330"/>
+          </a:xfrm>
+          <a:prstGeom prst="rect">
+            <a:avLst/>
+          </a:prstGeom>
+          <a:noFill/>
+        </p:spPr>
+        <p:txBody>
+          <a:bodyPr wrap="none" rtlCol="0">
+            <a:spAutoFit/>
+          </a:bodyPr>
+          <a:lstStyle/>
+          <a:p>
+            <a:r>
+              <a:rPr lang="fr-CH"/>
+              <a:t>Interopérabilité données</a:t>
+            </a:r>
+          </a:p>
+          <a:p>
+            <a:r>
+              <a:rPr lang="fr-CH"/>
+              <a:t>(IIIF)</a:t>
+            </a:r>
+          </a:p>
+          <a:p>
+            <a:endParaRPr lang="fr-CH"/>
+          </a:p>
+        </p:txBody>
+      </p:sp>
+      <p:sp>
+        <p:nvSpPr>
+          <p:cNvPr id="33" name="Rectangle 32">
+            <a:extLst>
+              <a:ext uri="{FF2B5EF4-FFF2-40B4-BE49-F238E27FC236}">
+                <a16:creationId xmlns:a16="http://schemas.microsoft.com/office/drawing/2014/main" id="{14448FBA-7444-41A6-B4BE-3E8E116B0D5E}"/>
+              </a:ext>
+            </a:extLst>
+          </p:cNvPr>
+          <p:cNvSpPr/>
+          <p:nvPr/>
+        </p:nvSpPr>
+        <p:spPr>
+          <a:xfrm>
+            <a:off x="9404576" y="2604362"/>
+            <a:ext cx="2247732" cy="881822"/>
+          </a:xfrm>
+          <a:prstGeom prst="rect">
+            <a:avLst/>
+          </a:prstGeom>
+          <a:noFill/>
+          <a:ln w="38100"/>
+        </p:spPr>
+        <p:style>
+          <a:lnRef idx="2">
+            <a:schemeClr val="accent1">
+              <a:shade val="50000"/>
+            </a:schemeClr>
+          </a:lnRef>
+          <a:fillRef idx="1">
+            <a:schemeClr val="accent1"/>
+          </a:fillRef>
+          <a:effectRef idx="0">
+            <a:schemeClr val="accent1"/>
+          </a:effectRef>
+          <a:fontRef idx="minor">
+            <a:schemeClr val="lt1"/>
+          </a:fontRef>
+        </p:style>
+        <p:txBody>
+          <a:bodyPr rtlCol="0" anchor="ctr"/>
+          <a:lstStyle/>
+          <a:p>
+            <a:pPr algn="ctr"/>
+            <a:endParaRPr lang="fr-CH"/>
+          </a:p>
+        </p:txBody>
+      </p:sp>
+      <p:sp>
+        <p:nvSpPr>
+          <p:cNvPr id="35" name="Rectangle 34">
+            <a:extLst>
+              <a:ext uri="{FF2B5EF4-FFF2-40B4-BE49-F238E27FC236}">
+                <a16:creationId xmlns:a16="http://schemas.microsoft.com/office/drawing/2014/main" id="{7048F63A-370C-472B-B57A-4C5690610464}"/>
+              </a:ext>
+            </a:extLst>
+          </p:cNvPr>
+          <p:cNvSpPr/>
+          <p:nvPr/>
+        </p:nvSpPr>
+        <p:spPr>
+          <a:xfrm>
+            <a:off x="9400609" y="3558640"/>
+            <a:ext cx="2247732" cy="1083598"/>
+          </a:xfrm>
+          <a:prstGeom prst="rect">
+            <a:avLst/>
+          </a:prstGeom>
+          <a:noFill/>
+          <a:ln w="38100"/>
+        </p:spPr>
+        <p:style>
+          <a:lnRef idx="2">
+            <a:schemeClr val="accent1">
+              <a:shade val="50000"/>
+            </a:schemeClr>
+          </a:lnRef>
+          <a:fillRef idx="1">
+            <a:schemeClr val="accent1"/>
+          </a:fillRef>
+          <a:effectRef idx="0">
+            <a:schemeClr val="accent1"/>
+          </a:effectRef>
+          <a:fontRef idx="minor">
+            <a:schemeClr val="lt1"/>
+          </a:fontRef>
+        </p:style>
+        <p:txBody>
+          <a:bodyPr rtlCol="0" anchor="ctr"/>
+          <a:lstStyle/>
+          <a:p>
+            <a:pPr algn="ctr"/>
+            <a:endParaRPr lang="fr-CH"/>
+          </a:p>
+        </p:txBody>
+      </p:sp>
+      <p:sp>
+        <p:nvSpPr>
+          <p:cNvPr id="8" name="ZoneTexte 7">
+            <a:extLst>
+              <a:ext uri="{FF2B5EF4-FFF2-40B4-BE49-F238E27FC236}">
+                <a16:creationId xmlns:a16="http://schemas.microsoft.com/office/drawing/2014/main" id="{E73461E1-EB76-40B1-8E1B-5CEACD82F304}"/>
+              </a:ext>
+            </a:extLst>
+          </p:cNvPr>
+          <p:cNvSpPr txBox="1"/>
+          <p:nvPr/>
+        </p:nvSpPr>
+        <p:spPr>
+          <a:xfrm>
+            <a:off x="9404576" y="2616944"/>
+            <a:ext cx="1070678" cy="369332"/>
+          </a:xfrm>
+          <a:prstGeom prst="rect">
+            <a:avLst/>
+          </a:prstGeom>
+          <a:noFill/>
+        </p:spPr>
+        <p:txBody>
+          <a:bodyPr wrap="none" rtlCol="0">
+            <a:spAutoFit/>
+          </a:bodyPr>
+          <a:lstStyle/>
+          <a:p>
+            <a:r>
+              <a:rPr lang="fr-CH"/>
+              <a:t>IHM Web</a:t>
+            </a:r>
+          </a:p>
+        </p:txBody>
+      </p:sp>
+      <p:sp>
+        <p:nvSpPr>
+          <p:cNvPr id="36" name="ZoneTexte 35">
+            <a:extLst>
+              <a:ext uri="{FF2B5EF4-FFF2-40B4-BE49-F238E27FC236}">
+                <a16:creationId xmlns:a16="http://schemas.microsoft.com/office/drawing/2014/main" id="{DA89EA8B-B3CD-44B9-AFEF-100D18B27D8E}"/>
+              </a:ext>
+            </a:extLst>
+          </p:cNvPr>
+          <p:cNvSpPr txBox="1"/>
+          <p:nvPr/>
+        </p:nvSpPr>
+        <p:spPr>
+          <a:xfrm>
+            <a:off x="9419516" y="3605526"/>
+            <a:ext cx="1055738" cy="646331"/>
+          </a:xfrm>
+          <a:prstGeom prst="rect">
+            <a:avLst/>
+          </a:prstGeom>
+          <a:noFill/>
+        </p:spPr>
+        <p:txBody>
+          <a:bodyPr wrap="none" rtlCol="0">
+            <a:spAutoFit/>
+          </a:bodyPr>
+          <a:lstStyle/>
+          <a:p>
+            <a:r>
+              <a:rPr lang="fr-CH"/>
+              <a:t>API</a:t>
+            </a:r>
+          </a:p>
+          <a:p>
+            <a:r>
+              <a:rPr lang="fr-CH"/>
+              <a:t>OAI-PMH</a:t>
+            </a:r>
+          </a:p>
+        </p:txBody>
+      </p:sp>
+      <p:sp>
+        <p:nvSpPr>
+          <p:cNvPr id="39" name="ZoneTexte 38">
+            <a:extLst>
+              <a:ext uri="{FF2B5EF4-FFF2-40B4-BE49-F238E27FC236}">
+                <a16:creationId xmlns:a16="http://schemas.microsoft.com/office/drawing/2014/main" id="{7960AB7D-8119-4A6D-9A2E-6B60C42F834D}"/>
+              </a:ext>
+            </a:extLst>
+          </p:cNvPr>
+          <p:cNvSpPr txBox="1"/>
+          <p:nvPr/>
+        </p:nvSpPr>
+        <p:spPr>
+          <a:xfrm>
+            <a:off x="6522208" y="3467027"/>
+            <a:ext cx="1986891" cy="923330"/>
+          </a:xfrm>
+          <a:prstGeom prst="rect">
+            <a:avLst/>
+          </a:prstGeom>
+          <a:noFill/>
+        </p:spPr>
+        <p:txBody>
+          <a:bodyPr wrap="none" rtlCol="0">
+            <a:spAutoFit/>
+          </a:bodyPr>
+          <a:lstStyle/>
+          <a:p>
+            <a:r>
+              <a:rPr lang="fr-CH"/>
+              <a:t>Indexeur</a:t>
+            </a:r>
+          </a:p>
+          <a:p>
+            <a:r>
+              <a:rPr lang="fr-CH"/>
+              <a:t>(elasticsearch, solr)</a:t>
+            </a:r>
+          </a:p>
+          <a:p>
+            <a:endParaRPr lang="fr-CH"/>
+          </a:p>
+        </p:txBody>
+      </p:sp>
+      <p:sp>
+        <p:nvSpPr>
+          <p:cNvPr id="40" name="ZoneTexte 39">
+            <a:extLst>
+              <a:ext uri="{FF2B5EF4-FFF2-40B4-BE49-F238E27FC236}">
+                <a16:creationId xmlns:a16="http://schemas.microsoft.com/office/drawing/2014/main" id="{098C9877-25C1-458B-A5E0-53C9B45C9CBD}"/>
+              </a:ext>
+            </a:extLst>
+          </p:cNvPr>
+          <p:cNvSpPr txBox="1"/>
+          <p:nvPr/>
+        </p:nvSpPr>
+        <p:spPr>
+          <a:xfrm>
+            <a:off x="6536287" y="4763564"/>
+            <a:ext cx="1200650" cy="923330"/>
+          </a:xfrm>
+          <a:prstGeom prst="rect">
+            <a:avLst/>
+          </a:prstGeom>
+          <a:noFill/>
+        </p:spPr>
+        <p:txBody>
+          <a:bodyPr wrap="none" rtlCol="0">
+            <a:spAutoFit/>
+          </a:bodyPr>
+          <a:lstStyle/>
+          <a:p>
+            <a:r>
+              <a:rPr lang="fr-CH"/>
+              <a:t>TripleStore</a:t>
+            </a:r>
+          </a:p>
+          <a:p>
+            <a:r>
+              <a:rPr lang="fr-CH"/>
+              <a:t>(virtuoso, )</a:t>
+            </a:r>
+          </a:p>
+          <a:p>
+            <a:endParaRPr lang="fr-CH"/>
+          </a:p>
+        </p:txBody>
+      </p:sp>
+      <p:sp>
+        <p:nvSpPr>
+          <p:cNvPr id="41" name="Rectangle 40">
+            <a:extLst>
+              <a:ext uri="{FF2B5EF4-FFF2-40B4-BE49-F238E27FC236}">
+                <a16:creationId xmlns:a16="http://schemas.microsoft.com/office/drawing/2014/main" id="{8713E2A1-129A-4D82-835B-F41E6A90D49C}"/>
+              </a:ext>
+            </a:extLst>
+          </p:cNvPr>
+          <p:cNvSpPr/>
+          <p:nvPr/>
+        </p:nvSpPr>
+        <p:spPr>
+          <a:xfrm>
+            <a:off x="9407499" y="4710336"/>
+            <a:ext cx="2247732" cy="1083598"/>
+          </a:xfrm>
+          <a:prstGeom prst="rect">
+            <a:avLst/>
+          </a:prstGeom>
+          <a:noFill/>
+          <a:ln w="38100"/>
+        </p:spPr>
+        <p:style>
+          <a:lnRef idx="2">
+            <a:schemeClr val="accent1">
+              <a:shade val="50000"/>
+            </a:schemeClr>
+          </a:lnRef>
+          <a:fillRef idx="1">
+            <a:schemeClr val="accent1"/>
+          </a:fillRef>
+          <a:effectRef idx="0">
+            <a:schemeClr val="accent1"/>
+          </a:effectRef>
+          <a:fontRef idx="minor">
+            <a:schemeClr val="lt1"/>
+          </a:fontRef>
+        </p:style>
+        <p:txBody>
+          <a:bodyPr rtlCol="0" anchor="ctr"/>
+          <a:lstStyle/>
+          <a:p>
+            <a:pPr algn="ctr"/>
+            <a:endParaRPr lang="fr-CH"/>
+          </a:p>
+        </p:txBody>
+      </p:sp>
+      <p:sp>
+        <p:nvSpPr>
+          <p:cNvPr id="42" name="ZoneTexte 41">
+            <a:extLst>
+              <a:ext uri="{FF2B5EF4-FFF2-40B4-BE49-F238E27FC236}">
+                <a16:creationId xmlns:a16="http://schemas.microsoft.com/office/drawing/2014/main" id="{719EAD68-48AC-4A23-BEB9-6316E392372D}"/>
+              </a:ext>
+            </a:extLst>
+          </p:cNvPr>
+          <p:cNvSpPr txBox="1"/>
+          <p:nvPr/>
+        </p:nvSpPr>
+        <p:spPr>
+          <a:xfrm>
+            <a:off x="9426406" y="4757222"/>
+            <a:ext cx="1806392" cy="369332"/>
+          </a:xfrm>
+          <a:prstGeom prst="rect">
+            <a:avLst/>
+          </a:prstGeom>
+          <a:noFill/>
+        </p:spPr>
+        <p:txBody>
+          <a:bodyPr wrap="none" rtlCol="0">
+            <a:spAutoFit/>
+          </a:bodyPr>
+          <a:lstStyle/>
+          <a:p>
+            <a:r>
+              <a:rPr lang="fr-CH"/>
+              <a:t>SPARQL endpoint</a:t>
+            </a:r>
+          </a:p>
+        </p:txBody>
+      </p:sp>
+    </p:spTree>
+    <p:extLst>
+      <p:ext uri="{BB962C8B-B14F-4D97-AF65-F5344CB8AC3E}">
+        <p14:creationId xmlns:p14="http://schemas.microsoft.com/office/powerpoint/2010/main" val="2822249524"/>
+      </p:ext>
+    </p:extLst>
+  </p:cSld>
+  <p:clrMapOvr>
+    <a:masterClrMapping/>
+  </p:clrMapOvr>
+</p:sld>
+</file>
+
+<file path=ppt/slides/slide5.xml><?xml version="1.0" encoding="utf-8"?>
+<p:sld xmlns:a="http://schemas.openxmlformats.org/drawingml/2006/main" xmlns:r="http://schemas.openxmlformats.org/officeDocument/2006/relationships" xmlns:p="http://schemas.openxmlformats.org/presentationml/2006/main">
+  <p:cSld>
+    <p:spTree>
+      <p:nvGrpSpPr>
+        <p:cNvPr id="1" name=""/>
+        <p:cNvGrpSpPr/>
+        <p:nvPr/>
+      </p:nvGrpSpPr>
+      <p:grpSpPr>
+        <a:xfrm>
+          <a:off x="0" y="0"/>
+          <a:ext cx="0" cy="0"/>
+          <a:chOff x="0" y="0"/>
+          <a:chExt cx="0" cy="0"/>
+        </a:xfrm>
+      </p:grpSpPr>
+      <p:grpSp>
+        <p:nvGrpSpPr>
+          <p:cNvPr id="2" name="Groupe 1">
+            <a:extLst>
+              <a:ext uri="{FF2B5EF4-FFF2-40B4-BE49-F238E27FC236}">
+                <a16:creationId xmlns:a16="http://schemas.microsoft.com/office/drawing/2014/main" id="{695B117E-ABE4-4831-AAB5-54961BA432BE}"/>
+              </a:ext>
+            </a:extLst>
+          </p:cNvPr>
+          <p:cNvGrpSpPr/>
+          <p:nvPr/>
+        </p:nvGrpSpPr>
+        <p:grpSpPr>
+          <a:xfrm>
+            <a:off x="676527" y="2062542"/>
+            <a:ext cx="5152269" cy="3397929"/>
+            <a:chOff x="1164201" y="276448"/>
+            <a:chExt cx="9868751" cy="5947295"/>
+          </a:xfrm>
+        </p:grpSpPr>
+        <p:pic>
+          <p:nvPicPr>
+            <p:cNvPr id="3" name="Image 2">
+              <a:extLst>
+                <a:ext uri="{FF2B5EF4-FFF2-40B4-BE49-F238E27FC236}">
+                  <a16:creationId xmlns:a16="http://schemas.microsoft.com/office/drawing/2014/main" id="{80C5D560-A17F-4B0F-91AF-9E37468A8934}"/>
+                </a:ext>
+              </a:extLst>
+            </p:cNvPr>
+            <p:cNvPicPr>
+              <a:picLocks noChangeAspect="1"/>
+            </p:cNvPicPr>
+            <p:nvPr/>
+          </p:nvPicPr>
+          <p:blipFill>
+            <a:blip r:embed="rId2"/>
+            <a:stretch>
+              <a:fillRect/>
+            </a:stretch>
+          </p:blipFill>
+          <p:spPr>
+            <a:xfrm>
+              <a:off x="1164201" y="5275408"/>
+              <a:ext cx="925788" cy="948333"/>
+            </a:xfrm>
+            <a:prstGeom prst="rect">
+              <a:avLst/>
+            </a:prstGeom>
+          </p:spPr>
+        </p:pic>
+        <p:pic>
+          <p:nvPicPr>
+            <p:cNvPr id="9" name="Image 8">
+              <a:extLst>
+                <a:ext uri="{FF2B5EF4-FFF2-40B4-BE49-F238E27FC236}">
+                  <a16:creationId xmlns:a16="http://schemas.microsoft.com/office/drawing/2014/main" id="{269AE0AB-6CF4-4EBB-9929-6194F286437A}"/>
+                </a:ext>
+              </a:extLst>
+            </p:cNvPr>
+            <p:cNvPicPr>
+              <a:picLocks noChangeAspect="1"/>
+            </p:cNvPicPr>
+            <p:nvPr/>
+          </p:nvPicPr>
+          <p:blipFill>
+            <a:blip r:embed="rId2"/>
+            <a:stretch>
+              <a:fillRect/>
+            </a:stretch>
+          </p:blipFill>
+          <p:spPr>
+            <a:xfrm>
+              <a:off x="2490168" y="5275408"/>
+              <a:ext cx="925788" cy="948333"/>
+            </a:xfrm>
+            <a:prstGeom prst="rect">
+              <a:avLst/>
+            </a:prstGeom>
+          </p:spPr>
+        </p:pic>
+        <p:pic>
+          <p:nvPicPr>
+            <p:cNvPr id="10" name="Image 9">
+              <a:extLst>
+                <a:ext uri="{FF2B5EF4-FFF2-40B4-BE49-F238E27FC236}">
+                  <a16:creationId xmlns:a16="http://schemas.microsoft.com/office/drawing/2014/main" id="{1CE5404C-DC1E-41E9-9D3E-C228E5BE6C85}"/>
+                </a:ext>
+              </a:extLst>
+            </p:cNvPr>
+            <p:cNvPicPr>
+              <a:picLocks noChangeAspect="1"/>
+            </p:cNvPicPr>
+            <p:nvPr/>
+          </p:nvPicPr>
+          <p:blipFill>
+            <a:blip r:embed="rId2"/>
+            <a:stretch>
+              <a:fillRect/>
+            </a:stretch>
+          </p:blipFill>
+          <p:spPr>
+            <a:xfrm>
+              <a:off x="6055312" y="5275410"/>
+              <a:ext cx="925788" cy="948333"/>
+            </a:xfrm>
+            <a:prstGeom prst="rect">
+              <a:avLst/>
+            </a:prstGeom>
+          </p:spPr>
+        </p:pic>
+        <p:pic>
+          <p:nvPicPr>
+            <p:cNvPr id="11" name="Image 10">
+              <a:extLst>
+                <a:ext uri="{FF2B5EF4-FFF2-40B4-BE49-F238E27FC236}">
+                  <a16:creationId xmlns:a16="http://schemas.microsoft.com/office/drawing/2014/main" id="{9A0102A8-5CB3-46B2-BFC1-E4919C8DA071}"/>
+                </a:ext>
+              </a:extLst>
+            </p:cNvPr>
+            <p:cNvPicPr>
+              <a:picLocks noChangeAspect="1"/>
+            </p:cNvPicPr>
+            <p:nvPr/>
+          </p:nvPicPr>
+          <p:blipFill>
+            <a:blip r:embed="rId2"/>
+            <a:stretch>
+              <a:fillRect/>
+            </a:stretch>
+          </p:blipFill>
+          <p:spPr>
+            <a:xfrm>
+              <a:off x="7318565" y="5275409"/>
+              <a:ext cx="925788" cy="948333"/>
+            </a:xfrm>
+            <a:prstGeom prst="rect">
+              <a:avLst/>
+            </a:prstGeom>
+          </p:spPr>
+        </p:pic>
+        <p:pic>
+          <p:nvPicPr>
+            <p:cNvPr id="12" name="Image 11">
+              <a:extLst>
+                <a:ext uri="{FF2B5EF4-FFF2-40B4-BE49-F238E27FC236}">
+                  <a16:creationId xmlns:a16="http://schemas.microsoft.com/office/drawing/2014/main" id="{550118E5-F70F-46E4-A770-FE9CD456E0DE}"/>
+                </a:ext>
+              </a:extLst>
+            </p:cNvPr>
+            <p:cNvPicPr>
+              <a:picLocks noChangeAspect="1"/>
+            </p:cNvPicPr>
+            <p:nvPr/>
+          </p:nvPicPr>
+          <p:blipFill>
+            <a:blip r:embed="rId2"/>
+            <a:stretch>
+              <a:fillRect/>
+            </a:stretch>
+          </p:blipFill>
+          <p:spPr>
+            <a:xfrm>
+              <a:off x="10107164" y="2775928"/>
+              <a:ext cx="925788" cy="948333"/>
+            </a:xfrm>
+            <a:prstGeom prst="rect">
+              <a:avLst/>
+            </a:prstGeom>
+          </p:spPr>
+        </p:pic>
+        <p:pic>
+          <p:nvPicPr>
+            <p:cNvPr id="13" name="Image 12">
+              <a:extLst>
+                <a:ext uri="{FF2B5EF4-FFF2-40B4-BE49-F238E27FC236}">
+                  <a16:creationId xmlns:a16="http://schemas.microsoft.com/office/drawing/2014/main" id="{0B99374B-D626-4BF8-B115-C569A1BC2E9C}"/>
+                </a:ext>
+              </a:extLst>
+            </p:cNvPr>
+            <p:cNvPicPr>
+              <a:picLocks noChangeAspect="1"/>
+            </p:cNvPicPr>
+            <p:nvPr/>
+          </p:nvPicPr>
+          <p:blipFill>
+            <a:blip r:embed="rId2"/>
+            <a:stretch>
+              <a:fillRect/>
+            </a:stretch>
+          </p:blipFill>
+          <p:spPr>
+            <a:xfrm>
+              <a:off x="6055312" y="2775929"/>
+              <a:ext cx="925788" cy="948333"/>
+            </a:xfrm>
+            <a:prstGeom prst="rect">
+              <a:avLst/>
+            </a:prstGeom>
+          </p:spPr>
+        </p:pic>
+        <p:pic>
+          <p:nvPicPr>
+            <p:cNvPr id="14" name="Image 13">
+              <a:extLst>
+                <a:ext uri="{FF2B5EF4-FFF2-40B4-BE49-F238E27FC236}">
+                  <a16:creationId xmlns:a16="http://schemas.microsoft.com/office/drawing/2014/main" id="{AD543861-C20F-4A89-B1D4-DEFA3BDE48AE}"/>
+                </a:ext>
+              </a:extLst>
+            </p:cNvPr>
+            <p:cNvPicPr>
+              <a:picLocks noChangeAspect="1"/>
+            </p:cNvPicPr>
+            <p:nvPr/>
+          </p:nvPicPr>
+          <p:blipFill>
+            <a:blip r:embed="rId2"/>
+            <a:stretch>
+              <a:fillRect/>
+            </a:stretch>
+          </p:blipFill>
+          <p:spPr>
+            <a:xfrm>
+              <a:off x="4792060" y="5275409"/>
+              <a:ext cx="925788" cy="948333"/>
+            </a:xfrm>
+            <a:prstGeom prst="rect">
+              <a:avLst/>
+            </a:prstGeom>
+          </p:spPr>
+        </p:pic>
+        <p:pic>
+          <p:nvPicPr>
+            <p:cNvPr id="15" name="Image 14">
+              <a:extLst>
+                <a:ext uri="{FF2B5EF4-FFF2-40B4-BE49-F238E27FC236}">
+                  <a16:creationId xmlns:a16="http://schemas.microsoft.com/office/drawing/2014/main" id="{84E05BA4-3E3C-4ECF-9A7E-AC3349B241B3}"/>
+                </a:ext>
+              </a:extLst>
+            </p:cNvPr>
+            <p:cNvPicPr>
+              <a:picLocks noChangeAspect="1"/>
+            </p:cNvPicPr>
+            <p:nvPr/>
+          </p:nvPicPr>
+          <p:blipFill>
+            <a:blip r:embed="rId2"/>
+            <a:stretch>
+              <a:fillRect/>
+            </a:stretch>
+          </p:blipFill>
+          <p:spPr>
+            <a:xfrm>
+              <a:off x="6055312" y="276448"/>
+              <a:ext cx="925788" cy="948333"/>
+            </a:xfrm>
+            <a:prstGeom prst="rect">
+              <a:avLst/>
+            </a:prstGeom>
+          </p:spPr>
+        </p:pic>
+        <p:pic>
+          <p:nvPicPr>
+            <p:cNvPr id="16" name="Image 15">
+              <a:extLst>
+                <a:ext uri="{FF2B5EF4-FFF2-40B4-BE49-F238E27FC236}">
+                  <a16:creationId xmlns:a16="http://schemas.microsoft.com/office/drawing/2014/main" id="{3CCAA042-1F91-401F-B3D9-97CDBF0E40F8}"/>
+                </a:ext>
+              </a:extLst>
+            </p:cNvPr>
+            <p:cNvPicPr>
+              <a:picLocks noChangeAspect="1"/>
+            </p:cNvPicPr>
+            <p:nvPr/>
+          </p:nvPicPr>
+          <p:blipFill>
+            <a:blip r:embed="rId2"/>
+            <a:stretch>
+              <a:fillRect/>
+            </a:stretch>
+          </p:blipFill>
+          <p:spPr>
+            <a:xfrm>
+              <a:off x="1914421" y="2775929"/>
+              <a:ext cx="925788" cy="948333"/>
+            </a:xfrm>
+            <a:prstGeom prst="rect">
+              <a:avLst/>
+            </a:prstGeom>
+          </p:spPr>
+        </p:pic>
+        <p:cxnSp>
+          <p:nvCxnSpPr>
+            <p:cNvPr id="18" name="Connecteur droit avec flèche 17">
+              <a:extLst>
+                <a:ext uri="{FF2B5EF4-FFF2-40B4-BE49-F238E27FC236}">
+                  <a16:creationId xmlns:a16="http://schemas.microsoft.com/office/drawing/2014/main" id="{C250E0F2-0C25-414E-BBF2-1E7F0AC3733E}"/>
+                </a:ext>
+              </a:extLst>
+            </p:cNvPr>
+            <p:cNvCxnSpPr>
+              <a:stCxn id="15" idx="2"/>
+              <a:endCxn id="13" idx="0"/>
+            </p:cNvCxnSpPr>
+            <p:nvPr/>
+          </p:nvCxnSpPr>
+          <p:spPr>
+            <a:xfrm>
+              <a:off x="6518206" y="1224781"/>
+              <a:ext cx="0" cy="1551148"/>
+            </a:xfrm>
+            <a:prstGeom prst="straightConnector1">
+              <a:avLst/>
+            </a:prstGeom>
+            <a:ln w="38100">
+              <a:tailEnd type="triangle"/>
+            </a:ln>
+          </p:spPr>
+          <p:style>
+            <a:lnRef idx="1">
+              <a:schemeClr val="accent1"/>
+            </a:lnRef>
+            <a:fillRef idx="0">
+              <a:schemeClr val="accent1"/>
+            </a:fillRef>
+            <a:effectRef idx="0">
+              <a:schemeClr val="accent1"/>
+            </a:effectRef>
+            <a:fontRef idx="minor">
+              <a:schemeClr val="tx1"/>
+            </a:fontRef>
+          </p:style>
+        </p:cxnSp>
+        <p:cxnSp>
+          <p:nvCxnSpPr>
+            <p:cNvPr id="19" name="Connecteur droit avec flèche 18">
+              <a:extLst>
+                <a:ext uri="{FF2B5EF4-FFF2-40B4-BE49-F238E27FC236}">
+                  <a16:creationId xmlns:a16="http://schemas.microsoft.com/office/drawing/2014/main" id="{7380F170-1295-49E6-82D7-40B476A95A7D}"/>
+                </a:ext>
+              </a:extLst>
+            </p:cNvPr>
+            <p:cNvCxnSpPr>
+              <a:cxnSpLocks/>
+              <a:stCxn id="13" idx="2"/>
+              <a:endCxn id="10" idx="0"/>
+            </p:cNvCxnSpPr>
+            <p:nvPr/>
+          </p:nvCxnSpPr>
+          <p:spPr>
+            <a:xfrm>
+              <a:off x="6518206" y="3724262"/>
+              <a:ext cx="0" cy="1551148"/>
+            </a:xfrm>
+            <a:prstGeom prst="straightConnector1">
+              <a:avLst/>
+            </a:prstGeom>
+            <a:ln w="38100">
+              <a:tailEnd type="triangle"/>
+            </a:ln>
+          </p:spPr>
+          <p:style>
+            <a:lnRef idx="1">
+              <a:schemeClr val="accent1"/>
+            </a:lnRef>
+            <a:fillRef idx="0">
+              <a:schemeClr val="accent1"/>
+            </a:fillRef>
+            <a:effectRef idx="0">
+              <a:schemeClr val="accent1"/>
+            </a:effectRef>
+            <a:fontRef idx="minor">
+              <a:schemeClr val="tx1"/>
+            </a:fontRef>
+          </p:style>
+        </p:cxnSp>
+        <p:cxnSp>
+          <p:nvCxnSpPr>
+            <p:cNvPr id="24" name="Connecteur : en angle 23">
+              <a:extLst>
+                <a:ext uri="{FF2B5EF4-FFF2-40B4-BE49-F238E27FC236}">
+                  <a16:creationId xmlns:a16="http://schemas.microsoft.com/office/drawing/2014/main" id="{2C676AA9-9BB0-4F35-B424-908ACE0CB764}"/>
+                </a:ext>
+              </a:extLst>
+            </p:cNvPr>
+            <p:cNvCxnSpPr>
+              <a:stCxn id="15" idx="2"/>
+              <a:endCxn id="16" idx="0"/>
+            </p:cNvCxnSpPr>
+            <p:nvPr/>
+          </p:nvCxnSpPr>
+          <p:spPr>
+            <a:xfrm rot="5400000">
+              <a:off x="3672187" y="-70090"/>
+              <a:ext cx="1551148" cy="4140891"/>
+            </a:xfrm>
+            <a:prstGeom prst="bentConnector3">
+              <a:avLst/>
+            </a:prstGeom>
+            <a:ln w="38100">
+              <a:tailEnd type="triangle"/>
+            </a:ln>
+          </p:spPr>
+          <p:style>
+            <a:lnRef idx="1">
+              <a:schemeClr val="accent1"/>
+            </a:lnRef>
+            <a:fillRef idx="0">
+              <a:schemeClr val="accent1"/>
+            </a:fillRef>
+            <a:effectRef idx="0">
+              <a:schemeClr val="accent1"/>
+            </a:effectRef>
+            <a:fontRef idx="minor">
+              <a:schemeClr val="tx1"/>
+            </a:fontRef>
+          </p:style>
+        </p:cxnSp>
+        <p:cxnSp>
+          <p:nvCxnSpPr>
+            <p:cNvPr id="25" name="Connecteur : en angle 24">
+              <a:extLst>
+                <a:ext uri="{FF2B5EF4-FFF2-40B4-BE49-F238E27FC236}">
+                  <a16:creationId xmlns:a16="http://schemas.microsoft.com/office/drawing/2014/main" id="{1DA013E3-7B09-4ED5-B38B-87612E92D485}"/>
+                </a:ext>
+              </a:extLst>
+            </p:cNvPr>
+            <p:cNvCxnSpPr>
+              <a:cxnSpLocks/>
+              <a:stCxn id="15" idx="2"/>
+              <a:endCxn id="12" idx="0"/>
+            </p:cNvCxnSpPr>
+            <p:nvPr/>
+          </p:nvCxnSpPr>
+          <p:spPr>
+            <a:xfrm rot="16200000" flipH="1">
+              <a:off x="7768559" y="-25572"/>
+              <a:ext cx="1551147" cy="4051852"/>
+            </a:xfrm>
+            <a:prstGeom prst="bentConnector3">
+              <a:avLst>
+                <a:gd name="adj1" fmla="val 50000"/>
+              </a:avLst>
+            </a:prstGeom>
+            <a:ln w="38100">
+              <a:tailEnd type="triangle"/>
+            </a:ln>
+          </p:spPr>
+          <p:style>
+            <a:lnRef idx="1">
+              <a:schemeClr val="accent1"/>
+            </a:lnRef>
+            <a:fillRef idx="0">
+              <a:schemeClr val="accent1"/>
+            </a:fillRef>
+            <a:effectRef idx="0">
+              <a:schemeClr val="accent1"/>
+            </a:effectRef>
+            <a:fontRef idx="minor">
+              <a:schemeClr val="tx1"/>
+            </a:fontRef>
+          </p:style>
+        </p:cxnSp>
+        <p:cxnSp>
+          <p:nvCxnSpPr>
+            <p:cNvPr id="28" name="Connecteur : en angle 27">
+              <a:extLst>
+                <a:ext uri="{FF2B5EF4-FFF2-40B4-BE49-F238E27FC236}">
+                  <a16:creationId xmlns:a16="http://schemas.microsoft.com/office/drawing/2014/main" id="{09BFB5E0-09E1-4C37-B84A-50397C46E550}"/>
+                </a:ext>
+              </a:extLst>
+            </p:cNvPr>
+            <p:cNvCxnSpPr>
+              <a:cxnSpLocks/>
+              <a:stCxn id="16" idx="2"/>
+              <a:endCxn id="3" idx="0"/>
+            </p:cNvCxnSpPr>
+            <p:nvPr/>
+          </p:nvCxnSpPr>
+          <p:spPr>
+            <a:xfrm rot="5400000">
+              <a:off x="1226632" y="4124725"/>
+              <a:ext cx="1551146" cy="750220"/>
+            </a:xfrm>
+            <a:prstGeom prst="bentConnector3">
+              <a:avLst>
+                <a:gd name="adj1" fmla="val 50000"/>
+              </a:avLst>
+            </a:prstGeom>
+            <a:ln w="38100">
+              <a:tailEnd type="triangle"/>
+            </a:ln>
+          </p:spPr>
+          <p:style>
+            <a:lnRef idx="1">
+              <a:schemeClr val="accent1"/>
+            </a:lnRef>
+            <a:fillRef idx="0">
+              <a:schemeClr val="accent1"/>
+            </a:fillRef>
+            <a:effectRef idx="0">
+              <a:schemeClr val="accent1"/>
+            </a:effectRef>
+            <a:fontRef idx="minor">
+              <a:schemeClr val="tx1"/>
+            </a:fontRef>
+          </p:style>
+        </p:cxnSp>
+        <p:cxnSp>
+          <p:nvCxnSpPr>
+            <p:cNvPr id="31" name="Connecteur : en angle 30">
+              <a:extLst>
+                <a:ext uri="{FF2B5EF4-FFF2-40B4-BE49-F238E27FC236}">
+                  <a16:creationId xmlns:a16="http://schemas.microsoft.com/office/drawing/2014/main" id="{8713AEE1-C637-40AB-B6B0-2AF0264D8EEF}"/>
+                </a:ext>
+              </a:extLst>
+            </p:cNvPr>
+            <p:cNvCxnSpPr>
+              <a:cxnSpLocks/>
+              <a:stCxn id="16" idx="2"/>
+              <a:endCxn id="9" idx="0"/>
+            </p:cNvCxnSpPr>
+            <p:nvPr/>
+          </p:nvCxnSpPr>
+          <p:spPr>
+            <a:xfrm rot="16200000" flipH="1">
+              <a:off x="1889615" y="4211961"/>
+              <a:ext cx="1551146" cy="575747"/>
+            </a:xfrm>
+            <a:prstGeom prst="bentConnector3">
+              <a:avLst>
+                <a:gd name="adj1" fmla="val 50000"/>
+              </a:avLst>
+            </a:prstGeom>
+            <a:ln w="38100">
+              <a:tailEnd type="triangle"/>
+            </a:ln>
+          </p:spPr>
+          <p:style>
+            <a:lnRef idx="1">
+              <a:schemeClr val="accent1"/>
+            </a:lnRef>
+            <a:fillRef idx="0">
+              <a:schemeClr val="accent1"/>
+            </a:fillRef>
+            <a:effectRef idx="0">
+              <a:schemeClr val="accent1"/>
+            </a:effectRef>
+            <a:fontRef idx="minor">
+              <a:schemeClr val="tx1"/>
+            </a:fontRef>
+          </p:style>
+        </p:cxnSp>
+        <p:cxnSp>
+          <p:nvCxnSpPr>
+            <p:cNvPr id="34" name="Connecteur : en angle 33">
+              <a:extLst>
+                <a:ext uri="{FF2B5EF4-FFF2-40B4-BE49-F238E27FC236}">
+                  <a16:creationId xmlns:a16="http://schemas.microsoft.com/office/drawing/2014/main" id="{6EA71BA6-AF32-4A70-B9D5-65F34B9F7C3E}"/>
+                </a:ext>
+              </a:extLst>
+            </p:cNvPr>
+            <p:cNvCxnSpPr>
+              <a:cxnSpLocks/>
+              <a:stCxn id="13" idx="2"/>
+              <a:endCxn id="14" idx="0"/>
+            </p:cNvCxnSpPr>
+            <p:nvPr/>
+          </p:nvCxnSpPr>
+          <p:spPr>
+            <a:xfrm rot="5400000">
+              <a:off x="5111007" y="3868209"/>
+              <a:ext cx="1551147" cy="1263252"/>
+            </a:xfrm>
+            <a:prstGeom prst="bentConnector3">
+              <a:avLst>
+                <a:gd name="adj1" fmla="val 50000"/>
+              </a:avLst>
+            </a:prstGeom>
+            <a:ln w="38100">
+              <a:tailEnd type="triangle"/>
+            </a:ln>
+          </p:spPr>
+          <p:style>
+            <a:lnRef idx="1">
+              <a:schemeClr val="accent1"/>
+            </a:lnRef>
+            <a:fillRef idx="0">
+              <a:schemeClr val="accent1"/>
+            </a:fillRef>
+            <a:effectRef idx="0">
+              <a:schemeClr val="accent1"/>
+            </a:effectRef>
+            <a:fontRef idx="minor">
+              <a:schemeClr val="tx1"/>
+            </a:fontRef>
+          </p:style>
+        </p:cxnSp>
+        <p:cxnSp>
+          <p:nvCxnSpPr>
+            <p:cNvPr id="37" name="Connecteur : en angle 36">
+              <a:extLst>
+                <a:ext uri="{FF2B5EF4-FFF2-40B4-BE49-F238E27FC236}">
+                  <a16:creationId xmlns:a16="http://schemas.microsoft.com/office/drawing/2014/main" id="{0BEC7CA0-6638-482D-9BC6-69A32BD4D868}"/>
+                </a:ext>
+              </a:extLst>
+            </p:cNvPr>
+            <p:cNvCxnSpPr>
+              <a:cxnSpLocks/>
+              <a:stCxn id="13" idx="2"/>
+              <a:endCxn id="11" idx="0"/>
+            </p:cNvCxnSpPr>
+            <p:nvPr/>
+          </p:nvCxnSpPr>
+          <p:spPr>
+            <a:xfrm rot="16200000" flipH="1">
+              <a:off x="6374259" y="3868208"/>
+              <a:ext cx="1551147" cy="1263253"/>
+            </a:xfrm>
+            <a:prstGeom prst="bentConnector3">
+              <a:avLst>
+                <a:gd name="adj1" fmla="val 50000"/>
+              </a:avLst>
+            </a:prstGeom>
+            <a:ln w="38100">
+              <a:tailEnd type="triangle"/>
+            </a:ln>
+          </p:spPr>
+          <p:style>
+            <a:lnRef idx="1">
+              <a:schemeClr val="accent1"/>
+            </a:lnRef>
+            <a:fillRef idx="0">
+              <a:schemeClr val="accent1"/>
+            </a:fillRef>
+            <a:effectRef idx="0">
+              <a:schemeClr val="accent1"/>
+            </a:effectRef>
+            <a:fontRef idx="minor">
+              <a:schemeClr val="tx1"/>
+            </a:fontRef>
+          </p:style>
+        </p:cxnSp>
+      </p:grpSp>
+      <p:sp>
+        <p:nvSpPr>
+          <p:cNvPr id="20" name="ZoneTexte 19">
+            <a:extLst>
+              <a:ext uri="{FF2B5EF4-FFF2-40B4-BE49-F238E27FC236}">
+                <a16:creationId xmlns:a16="http://schemas.microsoft.com/office/drawing/2014/main" id="{00CDECA7-1E20-4B18-8B67-7AF5F52DB01B}"/>
+              </a:ext>
+            </a:extLst>
+          </p:cNvPr>
+          <p:cNvSpPr txBox="1"/>
+          <p:nvPr/>
+        </p:nvSpPr>
+        <p:spPr>
+          <a:xfrm>
+            <a:off x="1728582" y="198090"/>
+            <a:ext cx="9107365" cy="646331"/>
+          </a:xfrm>
+          <a:prstGeom prst="rect">
+            <a:avLst/>
+          </a:prstGeom>
+          <a:noFill/>
+        </p:spPr>
+        <p:txBody>
+          <a:bodyPr wrap="none" rtlCol="0">
+            <a:spAutoFit/>
+          </a:bodyPr>
+          <a:lstStyle/>
+          <a:p>
+            <a:r>
+              <a:rPr lang="fr-CH" sz="3600"/>
+              <a:t>Diffusion / valorisation d’une collection d’objets</a:t>
+            </a:r>
+          </a:p>
+        </p:txBody>
+      </p:sp>
+      <p:sp>
+        <p:nvSpPr>
+          <p:cNvPr id="4" name="Rectangle 3">
+            <a:extLst>
+              <a:ext uri="{FF2B5EF4-FFF2-40B4-BE49-F238E27FC236}">
+                <a16:creationId xmlns:a16="http://schemas.microsoft.com/office/drawing/2014/main" id="{5A6412E3-6D15-4198-B8E1-D7CAB1994926}"/>
+              </a:ext>
+            </a:extLst>
+          </p:cNvPr>
+          <p:cNvSpPr/>
+          <p:nvPr/>
+        </p:nvSpPr>
+        <p:spPr>
+          <a:xfrm>
+            <a:off x="143378" y="1416784"/>
+            <a:ext cx="5952622" cy="4689446"/>
+          </a:xfrm>
+          <a:prstGeom prst="rect">
+            <a:avLst/>
+          </a:prstGeom>
+          <a:noFill/>
+          <a:ln w="38100"/>
+        </p:spPr>
+        <p:style>
+          <a:lnRef idx="2">
+            <a:schemeClr val="accent1">
+              <a:shade val="50000"/>
+            </a:schemeClr>
+          </a:lnRef>
+          <a:fillRef idx="1">
+            <a:schemeClr val="accent1"/>
+          </a:fillRef>
+          <a:effectRef idx="0">
+            <a:schemeClr val="accent1"/>
+          </a:effectRef>
+          <a:fontRef idx="minor">
+            <a:schemeClr val="lt1"/>
+          </a:fontRef>
+        </p:style>
+        <p:txBody>
+          <a:bodyPr rtlCol="0" anchor="ctr"/>
+          <a:lstStyle/>
+          <a:p>
+            <a:pPr algn="ctr"/>
+            <a:endParaRPr lang="fr-CH"/>
+          </a:p>
+        </p:txBody>
+      </p:sp>
+      <p:sp>
+        <p:nvSpPr>
+          <p:cNvPr id="5" name="ZoneTexte 4">
+            <a:extLst>
+              <a:ext uri="{FF2B5EF4-FFF2-40B4-BE49-F238E27FC236}">
+                <a16:creationId xmlns:a16="http://schemas.microsoft.com/office/drawing/2014/main" id="{50B03862-91B8-4D1F-B197-29D4B7D40718}"/>
+              </a:ext>
+            </a:extLst>
+          </p:cNvPr>
+          <p:cNvSpPr txBox="1"/>
+          <p:nvPr/>
+        </p:nvSpPr>
+        <p:spPr>
+          <a:xfrm>
+            <a:off x="234075" y="1456576"/>
+            <a:ext cx="2345066" cy="369332"/>
+          </a:xfrm>
+          <a:prstGeom prst="rect">
+            <a:avLst/>
+          </a:prstGeom>
+          <a:noFill/>
+        </p:spPr>
+        <p:txBody>
+          <a:bodyPr wrap="none" rtlCol="0">
+            <a:spAutoFit/>
+          </a:bodyPr>
+          <a:lstStyle/>
+          <a:p>
+            <a:r>
+              <a:rPr lang="fr-CH"/>
+              <a:t>OAIS: Module stockage</a:t>
+            </a:r>
+          </a:p>
+        </p:txBody>
+      </p:sp>
+      <p:sp>
+        <p:nvSpPr>
+          <p:cNvPr id="17" name="Flèche : droite 16">
+            <a:extLst>
+              <a:ext uri="{FF2B5EF4-FFF2-40B4-BE49-F238E27FC236}">
+                <a16:creationId xmlns:a16="http://schemas.microsoft.com/office/drawing/2014/main" id="{508A62FE-B218-4E33-B1F7-CC822FBEE899}"/>
+              </a:ext>
+            </a:extLst>
+          </p:cNvPr>
+          <p:cNvSpPr/>
+          <p:nvPr/>
+        </p:nvSpPr>
+        <p:spPr>
+          <a:xfrm>
+            <a:off x="3736486" y="2148115"/>
+            <a:ext cx="2715819" cy="138481"/>
+          </a:xfrm>
+          <a:prstGeom prst="rightArrow">
+            <a:avLst/>
+          </a:prstGeom>
+          <a:solidFill>
+            <a:srgbClr val="FF6600"/>
+          </a:solidFill>
+        </p:spPr>
+        <p:style>
+          <a:lnRef idx="2">
+            <a:schemeClr val="accent1">
+              <a:shade val="50000"/>
+            </a:schemeClr>
+          </a:lnRef>
+          <a:fillRef idx="1">
+            <a:schemeClr val="accent1"/>
+          </a:fillRef>
+          <a:effectRef idx="0">
+            <a:schemeClr val="accent1"/>
+          </a:effectRef>
+          <a:fontRef idx="minor">
+            <a:schemeClr val="lt1"/>
+          </a:fontRef>
+        </p:style>
+        <p:txBody>
+          <a:bodyPr rtlCol="0" anchor="ctr"/>
+          <a:lstStyle/>
+          <a:p>
+            <a:pPr algn="ctr"/>
+            <a:endParaRPr lang="fr-CH"/>
+          </a:p>
+        </p:txBody>
+      </p:sp>
+      <p:sp>
+        <p:nvSpPr>
+          <p:cNvPr id="38" name="Flèche : droite 37">
+            <a:extLst>
+              <a:ext uri="{FF2B5EF4-FFF2-40B4-BE49-F238E27FC236}">
+                <a16:creationId xmlns:a16="http://schemas.microsoft.com/office/drawing/2014/main" id="{F344930D-0639-4428-B9BD-6072ACC17B08}"/>
+              </a:ext>
+            </a:extLst>
+          </p:cNvPr>
+          <p:cNvSpPr/>
+          <p:nvPr/>
+        </p:nvSpPr>
+        <p:spPr>
+          <a:xfrm rot="1404586">
+            <a:off x="3643478" y="2881942"/>
+            <a:ext cx="2912823" cy="135277"/>
+          </a:xfrm>
+          <a:prstGeom prst="rightArrow">
+            <a:avLst/>
+          </a:prstGeom>
+          <a:pattFill prst="wdUpDiag">
+            <a:fgClr>
+              <a:srgbClr val="FFFF00"/>
+            </a:fgClr>
+            <a:bgClr>
+              <a:srgbClr val="92D050"/>
+            </a:bgClr>
+          </a:pattFill>
+        </p:spPr>
+        <p:style>
+          <a:lnRef idx="2">
+            <a:schemeClr val="accent1">
+              <a:shade val="50000"/>
+            </a:schemeClr>
+          </a:lnRef>
+          <a:fillRef idx="1">
+            <a:schemeClr val="accent1"/>
+          </a:fillRef>
+          <a:effectRef idx="0">
+            <a:schemeClr val="accent1"/>
+          </a:effectRef>
+          <a:fontRef idx="minor">
+            <a:schemeClr val="lt1"/>
+          </a:fontRef>
+        </p:style>
+        <p:txBody>
+          <a:bodyPr rtlCol="0" anchor="ctr"/>
+          <a:lstStyle/>
+          <a:p>
+            <a:pPr algn="ctr"/>
+            <a:endParaRPr lang="fr-CH"/>
+          </a:p>
+        </p:txBody>
+      </p:sp>
+      <p:sp>
+        <p:nvSpPr>
+          <p:cNvPr id="43" name="Flèche : droite 42">
+            <a:extLst>
+              <a:ext uri="{FF2B5EF4-FFF2-40B4-BE49-F238E27FC236}">
+                <a16:creationId xmlns:a16="http://schemas.microsoft.com/office/drawing/2014/main" id="{41BF6F21-BAA1-48D8-A15F-8303AC7EA376}"/>
+              </a:ext>
+            </a:extLst>
+          </p:cNvPr>
+          <p:cNvSpPr/>
+          <p:nvPr/>
+        </p:nvSpPr>
+        <p:spPr>
+          <a:xfrm rot="3047346">
+            <a:off x="3006423" y="3937314"/>
+            <a:ext cx="4256799" cy="123080"/>
+          </a:xfrm>
+          <a:prstGeom prst="rightArrow">
+            <a:avLst/>
+          </a:prstGeom>
+          <a:pattFill prst="wdUpDiag">
+            <a:fgClr>
+              <a:srgbClr val="FFFF00"/>
+            </a:fgClr>
+            <a:bgClr>
+              <a:srgbClr val="92D050"/>
+            </a:bgClr>
+          </a:pattFill>
+        </p:spPr>
+        <p:style>
+          <a:lnRef idx="2">
+            <a:schemeClr val="accent1">
+              <a:shade val="50000"/>
+            </a:schemeClr>
+          </a:lnRef>
+          <a:fillRef idx="1">
+            <a:schemeClr val="accent1"/>
+          </a:fillRef>
+          <a:effectRef idx="0">
+            <a:schemeClr val="accent1"/>
+          </a:effectRef>
+          <a:fontRef idx="minor">
+            <a:schemeClr val="lt1"/>
+          </a:fontRef>
+        </p:style>
+        <p:txBody>
+          <a:bodyPr rtlCol="0" anchor="ctr"/>
+          <a:lstStyle/>
+          <a:p>
+            <a:pPr algn="ctr"/>
+            <a:endParaRPr lang="fr-CH"/>
+          </a:p>
+        </p:txBody>
+      </p:sp>
+      <p:sp>
+        <p:nvSpPr>
+          <p:cNvPr id="50" name="Flèche : droite 49">
+            <a:extLst>
+              <a:ext uri="{FF2B5EF4-FFF2-40B4-BE49-F238E27FC236}">
+                <a16:creationId xmlns:a16="http://schemas.microsoft.com/office/drawing/2014/main" id="{FB3DBB05-FC5B-453C-AB6D-50EFED6722CA}"/>
+              </a:ext>
+            </a:extLst>
+          </p:cNvPr>
+          <p:cNvSpPr/>
+          <p:nvPr/>
+        </p:nvSpPr>
+        <p:spPr>
+          <a:xfrm>
+            <a:off x="8904146" y="5172331"/>
+            <a:ext cx="644403" cy="131186"/>
+          </a:xfrm>
+          <a:prstGeom prst="rightArrow">
+            <a:avLst/>
+          </a:prstGeom>
+          <a:pattFill prst="wdUpDiag">
+            <a:fgClr>
+              <a:srgbClr val="FFFF00"/>
+            </a:fgClr>
+            <a:bgClr>
+              <a:srgbClr val="92D050"/>
+            </a:bgClr>
+          </a:pattFill>
+        </p:spPr>
+        <p:style>
+          <a:lnRef idx="2">
+            <a:schemeClr val="accent1">
+              <a:shade val="50000"/>
+            </a:schemeClr>
+          </a:lnRef>
+          <a:fillRef idx="1">
+            <a:schemeClr val="accent1"/>
+          </a:fillRef>
+          <a:effectRef idx="0">
+            <a:schemeClr val="accent1"/>
+          </a:effectRef>
+          <a:fontRef idx="minor">
+            <a:schemeClr val="lt1"/>
+          </a:fontRef>
+        </p:style>
+        <p:txBody>
+          <a:bodyPr rtlCol="0" anchor="ctr"/>
+          <a:lstStyle/>
+          <a:p>
+            <a:pPr algn="ctr"/>
+            <a:endParaRPr lang="fr-CH"/>
+          </a:p>
+        </p:txBody>
+      </p:sp>
+      <p:sp>
+        <p:nvSpPr>
+          <p:cNvPr id="51" name="Flèche : droite 50">
+            <a:extLst>
+              <a:ext uri="{FF2B5EF4-FFF2-40B4-BE49-F238E27FC236}">
+                <a16:creationId xmlns:a16="http://schemas.microsoft.com/office/drawing/2014/main" id="{710762D1-B7F2-4AFB-AF3E-DCF29EFA0283}"/>
+              </a:ext>
+            </a:extLst>
+          </p:cNvPr>
+          <p:cNvSpPr/>
+          <p:nvPr/>
+        </p:nvSpPr>
+        <p:spPr>
+          <a:xfrm>
+            <a:off x="8835207" y="3800781"/>
+            <a:ext cx="644403" cy="131186"/>
+          </a:xfrm>
+          <a:prstGeom prst="rightArrow">
+            <a:avLst/>
+          </a:prstGeom>
+          <a:pattFill prst="wdUpDiag">
+            <a:fgClr>
+              <a:srgbClr val="FFFF00"/>
+            </a:fgClr>
+            <a:bgClr>
+              <a:srgbClr val="92D050"/>
+            </a:bgClr>
+          </a:pattFill>
+        </p:spPr>
+        <p:style>
+          <a:lnRef idx="2">
+            <a:schemeClr val="accent1">
+              <a:shade val="50000"/>
+            </a:schemeClr>
+          </a:lnRef>
+          <a:fillRef idx="1">
+            <a:schemeClr val="accent1"/>
+          </a:fillRef>
+          <a:effectRef idx="0">
+            <a:schemeClr val="accent1"/>
+          </a:effectRef>
+          <a:fontRef idx="minor">
+            <a:schemeClr val="lt1"/>
+          </a:fontRef>
+        </p:style>
+        <p:txBody>
+          <a:bodyPr rtlCol="0" anchor="ctr"/>
+          <a:lstStyle/>
+          <a:p>
+            <a:pPr algn="ctr"/>
+            <a:endParaRPr lang="fr-CH"/>
+          </a:p>
+        </p:txBody>
+      </p:sp>
+      <p:grpSp>
+        <p:nvGrpSpPr>
+          <p:cNvPr id="57" name="Groupe 56">
+            <a:extLst>
+              <a:ext uri="{FF2B5EF4-FFF2-40B4-BE49-F238E27FC236}">
+                <a16:creationId xmlns:a16="http://schemas.microsoft.com/office/drawing/2014/main" id="{A7A2B819-CBA3-4215-B3AC-A30D978F37F1}"/>
+              </a:ext>
+            </a:extLst>
+          </p:cNvPr>
+          <p:cNvGrpSpPr/>
+          <p:nvPr/>
+        </p:nvGrpSpPr>
+        <p:grpSpPr>
+          <a:xfrm>
+            <a:off x="6187197" y="1416783"/>
+            <a:ext cx="5952622" cy="4689446"/>
+            <a:chOff x="6187197" y="1416783"/>
+            <a:chExt cx="5952622" cy="4689446"/>
+          </a:xfrm>
+        </p:grpSpPr>
+        <p:sp>
+          <p:nvSpPr>
+            <p:cNvPr id="27" name="Rectangle 26">
+              <a:extLst>
+                <a:ext uri="{FF2B5EF4-FFF2-40B4-BE49-F238E27FC236}">
+                  <a16:creationId xmlns:a16="http://schemas.microsoft.com/office/drawing/2014/main" id="{0665EBB9-62BD-4F45-88E7-3CF35F0089C5}"/>
+                </a:ext>
+              </a:extLst>
+            </p:cNvPr>
+            <p:cNvSpPr/>
+            <p:nvPr/>
+          </p:nvSpPr>
+          <p:spPr>
+            <a:xfrm>
+              <a:off x="6513850" y="3403793"/>
+              <a:ext cx="2552982" cy="1238444"/>
+            </a:xfrm>
+            <a:prstGeom prst="rect">
+              <a:avLst/>
+            </a:prstGeom>
+            <a:noFill/>
+            <a:ln w="38100"/>
+          </p:spPr>
+          <p:style>
+            <a:lnRef idx="2">
+              <a:schemeClr val="accent1">
+                <a:shade val="50000"/>
+              </a:schemeClr>
+            </a:lnRef>
+            <a:fillRef idx="1">
+              <a:schemeClr val="accent1"/>
+            </a:fillRef>
+            <a:effectRef idx="0">
+              <a:schemeClr val="accent1"/>
+            </a:effectRef>
+            <a:fontRef idx="minor">
+              <a:schemeClr val="lt1"/>
+            </a:fontRef>
+          </p:style>
+          <p:txBody>
+            <a:bodyPr rtlCol="0" anchor="ctr"/>
+            <a:lstStyle/>
+            <a:p>
+              <a:pPr algn="ctr"/>
+              <a:endParaRPr lang="fr-CH"/>
+            </a:p>
+          </p:txBody>
+        </p:sp>
+        <p:grpSp>
+          <p:nvGrpSpPr>
+            <p:cNvPr id="22" name="Groupe 21">
+              <a:extLst>
+                <a:ext uri="{FF2B5EF4-FFF2-40B4-BE49-F238E27FC236}">
+                  <a16:creationId xmlns:a16="http://schemas.microsoft.com/office/drawing/2014/main" id="{9AE4B211-9CA9-4A35-93E8-CFA14D832500}"/>
+                </a:ext>
+              </a:extLst>
+            </p:cNvPr>
+            <p:cNvGrpSpPr/>
+            <p:nvPr/>
+          </p:nvGrpSpPr>
+          <p:grpSpPr>
+            <a:xfrm>
+              <a:off x="6187197" y="1416783"/>
+              <a:ext cx="5952622" cy="4689446"/>
+              <a:chOff x="6224800" y="1084277"/>
+              <a:chExt cx="5952622" cy="4689446"/>
+            </a:xfrm>
+          </p:grpSpPr>
+          <p:sp>
+            <p:nvSpPr>
+              <p:cNvPr id="23" name="Rectangle 22">
+                <a:extLst>
+                  <a:ext uri="{FF2B5EF4-FFF2-40B4-BE49-F238E27FC236}">
+                    <a16:creationId xmlns:a16="http://schemas.microsoft.com/office/drawing/2014/main" id="{D708767A-8240-4215-8B30-EF3EC50F1B5B}"/>
+                  </a:ext>
+                </a:extLst>
+              </p:cNvPr>
+              <p:cNvSpPr/>
+              <p:nvPr/>
+            </p:nvSpPr>
+            <p:spPr>
+              <a:xfrm>
+                <a:off x="6224800" y="1084277"/>
+                <a:ext cx="5952622" cy="4689446"/>
+              </a:xfrm>
+              <a:prstGeom prst="rect">
+                <a:avLst/>
+              </a:prstGeom>
+              <a:noFill/>
+              <a:ln w="38100"/>
+            </p:spPr>
+            <p:style>
+              <a:lnRef idx="2">
+                <a:schemeClr val="accent1">
+                  <a:shade val="50000"/>
+                </a:schemeClr>
+              </a:lnRef>
+              <a:fillRef idx="1">
+                <a:schemeClr val="accent1"/>
+              </a:fillRef>
+              <a:effectRef idx="0">
+                <a:schemeClr val="accent1"/>
+              </a:effectRef>
+              <a:fontRef idx="minor">
+                <a:schemeClr val="lt1"/>
+              </a:fontRef>
+            </p:style>
+            <p:txBody>
+              <a:bodyPr rtlCol="0" anchor="ctr"/>
+              <a:lstStyle/>
+              <a:p>
+                <a:pPr algn="ctr"/>
+                <a:endParaRPr lang="fr-CH"/>
+              </a:p>
+            </p:txBody>
+          </p:sp>
+          <p:sp>
+            <p:nvSpPr>
+              <p:cNvPr id="26" name="ZoneTexte 25">
+                <a:extLst>
+                  <a:ext uri="{FF2B5EF4-FFF2-40B4-BE49-F238E27FC236}">
+                    <a16:creationId xmlns:a16="http://schemas.microsoft.com/office/drawing/2014/main" id="{60A4BCF0-3A17-4695-8A32-3305E8D4453D}"/>
+                  </a:ext>
+                </a:extLst>
+              </p:cNvPr>
+              <p:cNvSpPr txBox="1"/>
+              <p:nvPr/>
+            </p:nvSpPr>
+            <p:spPr>
+              <a:xfrm>
+                <a:off x="6315497" y="1124069"/>
+                <a:ext cx="2041585" cy="369332"/>
+              </a:xfrm>
+              <a:prstGeom prst="rect">
+                <a:avLst/>
+              </a:prstGeom>
+              <a:noFill/>
+            </p:spPr>
+            <p:txBody>
+              <a:bodyPr wrap="none" rtlCol="0">
+                <a:spAutoFit/>
+              </a:bodyPr>
+              <a:lstStyle/>
+              <a:p>
+                <a:r>
+                  <a:rPr lang="fr-CH"/>
+                  <a:t>OAIS: Module accès</a:t>
+                </a:r>
+              </a:p>
+            </p:txBody>
+          </p:sp>
+          <p:sp>
+            <p:nvSpPr>
+              <p:cNvPr id="29" name="Rectangle 28">
+                <a:extLst>
+                  <a:ext uri="{FF2B5EF4-FFF2-40B4-BE49-F238E27FC236}">
+                    <a16:creationId xmlns:a16="http://schemas.microsoft.com/office/drawing/2014/main" id="{56DC6074-B52F-4549-BF84-E2F3AAAA7DE8}"/>
+                  </a:ext>
+                </a:extLst>
+              </p:cNvPr>
+              <p:cNvSpPr/>
+              <p:nvPr/>
+            </p:nvSpPr>
+            <p:spPr>
+              <a:xfrm>
+                <a:off x="6577123" y="4394387"/>
+                <a:ext cx="2552982" cy="1238444"/>
+              </a:xfrm>
+              <a:prstGeom prst="rect">
+                <a:avLst/>
+              </a:prstGeom>
+              <a:noFill/>
+              <a:ln w="38100"/>
+            </p:spPr>
+            <p:style>
+              <a:lnRef idx="2">
+                <a:schemeClr val="accent1">
+                  <a:shade val="50000"/>
+                </a:schemeClr>
+              </a:lnRef>
+              <a:fillRef idx="1">
+                <a:schemeClr val="accent1"/>
+              </a:fillRef>
+              <a:effectRef idx="0">
+                <a:schemeClr val="accent1"/>
+              </a:effectRef>
+              <a:fontRef idx="minor">
+                <a:schemeClr val="lt1"/>
+              </a:fontRef>
+            </p:style>
+            <p:txBody>
+              <a:bodyPr rtlCol="0" anchor="ctr"/>
+              <a:lstStyle/>
+              <a:p>
+                <a:pPr algn="ctr"/>
+                <a:endParaRPr lang="fr-CH"/>
+              </a:p>
+            </p:txBody>
+          </p:sp>
+          <p:sp>
+            <p:nvSpPr>
+              <p:cNvPr id="30" name="Rectangle 29">
+                <a:extLst>
+                  <a:ext uri="{FF2B5EF4-FFF2-40B4-BE49-F238E27FC236}">
+                    <a16:creationId xmlns:a16="http://schemas.microsoft.com/office/drawing/2014/main" id="{568C2D74-37AE-49E0-8A47-C8CC645B2517}"/>
+                  </a:ext>
+                </a:extLst>
+              </p:cNvPr>
+              <p:cNvSpPr/>
+              <p:nvPr/>
+            </p:nvSpPr>
+            <p:spPr>
+              <a:xfrm>
+                <a:off x="9311257" y="1221976"/>
+                <a:ext cx="2552982" cy="4421895"/>
+              </a:xfrm>
+              <a:prstGeom prst="rect">
+                <a:avLst/>
+              </a:prstGeom>
+              <a:noFill/>
+              <a:ln w="38100"/>
+            </p:spPr>
+            <p:style>
+              <a:lnRef idx="2">
+                <a:schemeClr val="accent1">
+                  <a:shade val="50000"/>
+                </a:schemeClr>
+              </a:lnRef>
+              <a:fillRef idx="1">
+                <a:schemeClr val="accent1"/>
+              </a:fillRef>
+              <a:effectRef idx="0">
+                <a:schemeClr val="accent1"/>
+              </a:effectRef>
+              <a:fontRef idx="minor">
+                <a:schemeClr val="lt1"/>
+              </a:fontRef>
+            </p:style>
+            <p:txBody>
+              <a:bodyPr rtlCol="0" anchor="ctr"/>
+              <a:lstStyle/>
+              <a:p>
+                <a:pPr algn="ctr"/>
+                <a:endParaRPr lang="fr-CH"/>
+              </a:p>
+            </p:txBody>
+          </p:sp>
+          <p:sp>
+            <p:nvSpPr>
+              <p:cNvPr id="6" name="ZoneTexte 5">
+                <a:extLst>
+                  <a:ext uri="{FF2B5EF4-FFF2-40B4-BE49-F238E27FC236}">
+                    <a16:creationId xmlns:a16="http://schemas.microsoft.com/office/drawing/2014/main" id="{EE0FA047-95FF-4289-9897-E3243733DA99}"/>
+                  </a:ext>
+                </a:extLst>
+              </p:cNvPr>
+              <p:cNvSpPr txBox="1"/>
+              <p:nvPr/>
+            </p:nvSpPr>
+            <p:spPr>
+              <a:xfrm>
+                <a:off x="9694863" y="1263257"/>
+                <a:ext cx="1382173" cy="369332"/>
+              </a:xfrm>
+              <a:prstGeom prst="rect">
+                <a:avLst/>
+              </a:prstGeom>
+              <a:noFill/>
+            </p:spPr>
+            <p:txBody>
+              <a:bodyPr wrap="none" rtlCol="0">
+                <a:spAutoFit/>
+              </a:bodyPr>
+              <a:lstStyle/>
+              <a:p>
+                <a:r>
+                  <a:rPr lang="fr-CH"/>
+                  <a:t>WebServices</a:t>
+                </a:r>
+              </a:p>
+            </p:txBody>
+          </p:sp>
+          <p:sp>
+            <p:nvSpPr>
+              <p:cNvPr id="32" name="Rectangle 31">
+                <a:extLst>
+                  <a:ext uri="{FF2B5EF4-FFF2-40B4-BE49-F238E27FC236}">
+                    <a16:creationId xmlns:a16="http://schemas.microsoft.com/office/drawing/2014/main" id="{92242BAF-AC2E-4F3B-BC56-53FB4368AE27}"/>
+                  </a:ext>
+                </a:extLst>
+              </p:cNvPr>
+              <p:cNvSpPr/>
+              <p:nvPr/>
+            </p:nvSpPr>
+            <p:spPr>
+              <a:xfrm>
+                <a:off x="6581105" y="1699898"/>
+                <a:ext cx="2552982" cy="1250620"/>
+              </a:xfrm>
+              <a:prstGeom prst="rect">
+                <a:avLst/>
+              </a:prstGeom>
+              <a:noFill/>
+              <a:ln w="38100"/>
+            </p:spPr>
+            <p:style>
+              <a:lnRef idx="2">
+                <a:schemeClr val="accent1">
+                  <a:shade val="50000"/>
+                </a:schemeClr>
+              </a:lnRef>
+              <a:fillRef idx="1">
+                <a:schemeClr val="accent1"/>
+              </a:fillRef>
+              <a:effectRef idx="0">
+                <a:schemeClr val="accent1"/>
+              </a:effectRef>
+              <a:fontRef idx="minor">
+                <a:schemeClr val="lt1"/>
+              </a:fontRef>
+            </p:style>
+            <p:txBody>
+              <a:bodyPr rtlCol="0" anchor="ctr"/>
+              <a:lstStyle/>
+              <a:p>
+                <a:pPr algn="ctr"/>
+                <a:endParaRPr lang="fr-CH"/>
+              </a:p>
+            </p:txBody>
+          </p:sp>
+          <p:sp>
+            <p:nvSpPr>
+              <p:cNvPr id="7" name="ZoneTexte 6">
+                <a:extLst>
+                  <a:ext uri="{FF2B5EF4-FFF2-40B4-BE49-F238E27FC236}">
+                    <a16:creationId xmlns:a16="http://schemas.microsoft.com/office/drawing/2014/main" id="{F78C3B06-F668-4872-A46B-FC51EE48C86B}"/>
+                  </a:ext>
+                </a:extLst>
+              </p:cNvPr>
+              <p:cNvSpPr txBox="1"/>
+              <p:nvPr/>
+            </p:nvSpPr>
+            <p:spPr>
+              <a:xfrm>
+                <a:off x="6625445" y="1815608"/>
+                <a:ext cx="2504660" cy="923330"/>
+              </a:xfrm>
+              <a:prstGeom prst="rect">
+                <a:avLst/>
+              </a:prstGeom>
+              <a:noFill/>
+            </p:spPr>
+            <p:txBody>
+              <a:bodyPr wrap="none" rtlCol="0">
+                <a:spAutoFit/>
+              </a:bodyPr>
+              <a:lstStyle/>
+              <a:p>
+                <a:r>
+                  <a:rPr lang="fr-CH"/>
+                  <a:t>Interopérabilité données</a:t>
+                </a:r>
+              </a:p>
+              <a:p>
+                <a:r>
+                  <a:rPr lang="fr-CH"/>
+                  <a:t>(IIIF)</a:t>
+                </a:r>
+              </a:p>
+              <a:p>
+                <a:endParaRPr lang="fr-CH"/>
+              </a:p>
+            </p:txBody>
+          </p:sp>
+          <p:sp>
+            <p:nvSpPr>
+              <p:cNvPr id="33" name="Rectangle 32">
+                <a:extLst>
+                  <a:ext uri="{FF2B5EF4-FFF2-40B4-BE49-F238E27FC236}">
+                    <a16:creationId xmlns:a16="http://schemas.microsoft.com/office/drawing/2014/main" id="{14448FBA-7444-41A6-B4BE-3E8E116B0D5E}"/>
+                  </a:ext>
+                </a:extLst>
+              </p:cNvPr>
+              <p:cNvSpPr/>
+              <p:nvPr/>
+            </p:nvSpPr>
+            <p:spPr>
+              <a:xfrm>
+                <a:off x="9467849" y="2271855"/>
+                <a:ext cx="2247732" cy="881822"/>
+              </a:xfrm>
+              <a:prstGeom prst="rect">
+                <a:avLst/>
+              </a:prstGeom>
+              <a:noFill/>
+              <a:ln w="38100"/>
+            </p:spPr>
+            <p:style>
+              <a:lnRef idx="2">
+                <a:schemeClr val="accent1">
+                  <a:shade val="50000"/>
+                </a:schemeClr>
+              </a:lnRef>
+              <a:fillRef idx="1">
+                <a:schemeClr val="accent1"/>
+              </a:fillRef>
+              <a:effectRef idx="0">
+                <a:schemeClr val="accent1"/>
+              </a:effectRef>
+              <a:fontRef idx="minor">
+                <a:schemeClr val="lt1"/>
+              </a:fontRef>
+            </p:style>
+            <p:txBody>
+              <a:bodyPr rtlCol="0" anchor="ctr"/>
+              <a:lstStyle/>
+              <a:p>
+                <a:pPr algn="ctr"/>
+                <a:endParaRPr lang="fr-CH"/>
+              </a:p>
+            </p:txBody>
+          </p:sp>
+          <p:sp>
+            <p:nvSpPr>
+              <p:cNvPr id="35" name="Rectangle 34">
+                <a:extLst>
+                  <a:ext uri="{FF2B5EF4-FFF2-40B4-BE49-F238E27FC236}">
+                    <a16:creationId xmlns:a16="http://schemas.microsoft.com/office/drawing/2014/main" id="{7048F63A-370C-472B-B57A-4C5690610464}"/>
+                  </a:ext>
+                </a:extLst>
+              </p:cNvPr>
+              <p:cNvSpPr/>
+              <p:nvPr/>
+            </p:nvSpPr>
+            <p:spPr>
+              <a:xfrm>
+                <a:off x="9463882" y="3226133"/>
+                <a:ext cx="2247732" cy="1083598"/>
+              </a:xfrm>
+              <a:prstGeom prst="rect">
+                <a:avLst/>
+              </a:prstGeom>
+              <a:noFill/>
+              <a:ln w="38100"/>
+            </p:spPr>
+            <p:style>
+              <a:lnRef idx="2">
+                <a:schemeClr val="accent1">
+                  <a:shade val="50000"/>
+                </a:schemeClr>
+              </a:lnRef>
+              <a:fillRef idx="1">
+                <a:schemeClr val="accent1"/>
+              </a:fillRef>
+              <a:effectRef idx="0">
+                <a:schemeClr val="accent1"/>
+              </a:effectRef>
+              <a:fontRef idx="minor">
+                <a:schemeClr val="lt1"/>
+              </a:fontRef>
+            </p:style>
+            <p:txBody>
+              <a:bodyPr rtlCol="0" anchor="ctr"/>
+              <a:lstStyle/>
+              <a:p>
+                <a:pPr algn="ctr"/>
+                <a:endParaRPr lang="fr-CH"/>
+              </a:p>
+            </p:txBody>
+          </p:sp>
+          <p:sp>
+            <p:nvSpPr>
+              <p:cNvPr id="8" name="ZoneTexte 7">
+                <a:extLst>
+                  <a:ext uri="{FF2B5EF4-FFF2-40B4-BE49-F238E27FC236}">
+                    <a16:creationId xmlns:a16="http://schemas.microsoft.com/office/drawing/2014/main" id="{E73461E1-EB76-40B1-8E1B-5CEACD82F304}"/>
+                  </a:ext>
+                </a:extLst>
+              </p:cNvPr>
+              <p:cNvSpPr txBox="1"/>
+              <p:nvPr/>
+            </p:nvSpPr>
+            <p:spPr>
+              <a:xfrm>
+                <a:off x="9525323" y="2319629"/>
+                <a:ext cx="1070678" cy="369332"/>
+              </a:xfrm>
+              <a:prstGeom prst="rect">
+                <a:avLst/>
+              </a:prstGeom>
+              <a:noFill/>
+            </p:spPr>
+            <p:txBody>
+              <a:bodyPr wrap="none" rtlCol="0">
+                <a:spAutoFit/>
+              </a:bodyPr>
+              <a:lstStyle/>
+              <a:p>
+                <a:r>
+                  <a:rPr lang="fr-CH"/>
+                  <a:t>IHM Web</a:t>
+                </a:r>
+              </a:p>
+            </p:txBody>
+          </p:sp>
+          <p:sp>
+            <p:nvSpPr>
+              <p:cNvPr id="36" name="ZoneTexte 35">
+                <a:extLst>
+                  <a:ext uri="{FF2B5EF4-FFF2-40B4-BE49-F238E27FC236}">
+                    <a16:creationId xmlns:a16="http://schemas.microsoft.com/office/drawing/2014/main" id="{DA89EA8B-B3CD-44B9-AFEF-100D18B27D8E}"/>
+                  </a:ext>
+                </a:extLst>
+              </p:cNvPr>
+              <p:cNvSpPr txBox="1"/>
+              <p:nvPr/>
+            </p:nvSpPr>
+            <p:spPr>
+              <a:xfrm>
+                <a:off x="9569182" y="3292506"/>
+                <a:ext cx="1055738" cy="646331"/>
+              </a:xfrm>
+              <a:prstGeom prst="rect">
+                <a:avLst/>
+              </a:prstGeom>
+              <a:noFill/>
+            </p:spPr>
+            <p:txBody>
+              <a:bodyPr wrap="none" rtlCol="0">
+                <a:spAutoFit/>
+              </a:bodyPr>
+              <a:lstStyle/>
+              <a:p>
+                <a:r>
+                  <a:rPr lang="fr-CH"/>
+                  <a:t>API</a:t>
+                </a:r>
+              </a:p>
+              <a:p>
+                <a:r>
+                  <a:rPr lang="fr-CH"/>
+                  <a:t>OAI-PMH</a:t>
+                </a:r>
+              </a:p>
+            </p:txBody>
+          </p:sp>
+          <p:sp>
+            <p:nvSpPr>
+              <p:cNvPr id="39" name="ZoneTexte 38">
+                <a:extLst>
+                  <a:ext uri="{FF2B5EF4-FFF2-40B4-BE49-F238E27FC236}">
+                    <a16:creationId xmlns:a16="http://schemas.microsoft.com/office/drawing/2014/main" id="{7960AB7D-8119-4A6D-9A2E-6B60C42F834D}"/>
+                  </a:ext>
+                </a:extLst>
+              </p:cNvPr>
+              <p:cNvSpPr txBox="1"/>
+              <p:nvPr/>
+            </p:nvSpPr>
+            <p:spPr>
+              <a:xfrm>
+                <a:off x="6585481" y="3134520"/>
+                <a:ext cx="2250809" cy="923330"/>
+              </a:xfrm>
+              <a:prstGeom prst="rect">
+                <a:avLst/>
+              </a:prstGeom>
+              <a:noFill/>
+            </p:spPr>
+            <p:txBody>
+              <a:bodyPr wrap="none" rtlCol="0">
+                <a:spAutoFit/>
+              </a:bodyPr>
+              <a:lstStyle/>
+              <a:p>
+                <a:r>
+                  <a:rPr lang="fr-CH"/>
+                  <a:t>Indexeur</a:t>
+                </a:r>
+              </a:p>
+              <a:p>
+                <a:r>
+                  <a:rPr lang="fr-CH"/>
+                  <a:t>(elasticsearch, solr, …)</a:t>
+                </a:r>
+              </a:p>
+              <a:p>
+                <a:endParaRPr lang="fr-CH"/>
+              </a:p>
+            </p:txBody>
+          </p:sp>
+          <p:sp>
+            <p:nvSpPr>
+              <p:cNvPr id="40" name="ZoneTexte 39">
+                <a:extLst>
+                  <a:ext uri="{FF2B5EF4-FFF2-40B4-BE49-F238E27FC236}">
+                    <a16:creationId xmlns:a16="http://schemas.microsoft.com/office/drawing/2014/main" id="{098C9877-25C1-458B-A5E0-53C9B45C9CBD}"/>
+                  </a:ext>
+                </a:extLst>
+              </p:cNvPr>
+              <p:cNvSpPr txBox="1"/>
+              <p:nvPr/>
+            </p:nvSpPr>
+            <p:spPr>
+              <a:xfrm>
+                <a:off x="6599560" y="4431057"/>
+                <a:ext cx="2618537" cy="1200329"/>
+              </a:xfrm>
+              <a:prstGeom prst="rect">
+                <a:avLst/>
+              </a:prstGeom>
+              <a:noFill/>
+            </p:spPr>
+            <p:txBody>
+              <a:bodyPr wrap="none" rtlCol="0">
+                <a:spAutoFit/>
+              </a:bodyPr>
+              <a:lstStyle/>
+              <a:p>
+                <a:r>
+                  <a:rPr lang="fr-CH"/>
+                  <a:t>TripleStore</a:t>
+                </a:r>
+              </a:p>
+              <a:p>
+                <a:r>
+                  <a:rPr lang="fr-CH"/>
+                  <a:t>(virtuoso, mulgara, jena,</a:t>
+                </a:r>
+              </a:p>
+              <a:p>
+                <a:r>
+                  <a:rPr lang="fr-CH"/>
+                  <a:t>stardog, sesame, oracle…)</a:t>
+                </a:r>
+              </a:p>
+              <a:p>
+                <a:endParaRPr lang="fr-CH"/>
+              </a:p>
+            </p:txBody>
+          </p:sp>
+          <p:sp>
+            <p:nvSpPr>
+              <p:cNvPr id="41" name="Rectangle 40">
+                <a:extLst>
+                  <a:ext uri="{FF2B5EF4-FFF2-40B4-BE49-F238E27FC236}">
+                    <a16:creationId xmlns:a16="http://schemas.microsoft.com/office/drawing/2014/main" id="{8713E2A1-129A-4D82-835B-F41E6A90D49C}"/>
+                  </a:ext>
+                </a:extLst>
+              </p:cNvPr>
+              <p:cNvSpPr/>
+              <p:nvPr/>
+            </p:nvSpPr>
+            <p:spPr>
+              <a:xfrm>
+                <a:off x="9470772" y="4377829"/>
+                <a:ext cx="2247732" cy="1083598"/>
+              </a:xfrm>
+              <a:prstGeom prst="rect">
+                <a:avLst/>
+              </a:prstGeom>
+              <a:noFill/>
+              <a:ln w="38100"/>
+            </p:spPr>
+            <p:style>
+              <a:lnRef idx="2">
+                <a:schemeClr val="accent1">
+                  <a:shade val="50000"/>
+                </a:schemeClr>
+              </a:lnRef>
+              <a:fillRef idx="1">
+                <a:schemeClr val="accent1"/>
+              </a:fillRef>
+              <a:effectRef idx="0">
+                <a:schemeClr val="accent1"/>
+              </a:effectRef>
+              <a:fontRef idx="minor">
+                <a:schemeClr val="lt1"/>
+              </a:fontRef>
+            </p:style>
+            <p:txBody>
+              <a:bodyPr rtlCol="0" anchor="ctr"/>
+              <a:lstStyle/>
+              <a:p>
+                <a:pPr algn="ctr"/>
+                <a:endParaRPr lang="fr-CH"/>
+              </a:p>
+            </p:txBody>
+          </p:sp>
+          <p:sp>
+            <p:nvSpPr>
+              <p:cNvPr id="42" name="ZoneTexte 41">
+                <a:extLst>
+                  <a:ext uri="{FF2B5EF4-FFF2-40B4-BE49-F238E27FC236}">
+                    <a16:creationId xmlns:a16="http://schemas.microsoft.com/office/drawing/2014/main" id="{719EAD68-48AC-4A23-BEB9-6316E392372D}"/>
+                  </a:ext>
+                </a:extLst>
+              </p:cNvPr>
+              <p:cNvSpPr txBox="1"/>
+              <p:nvPr/>
+            </p:nvSpPr>
+            <p:spPr>
+              <a:xfrm>
+                <a:off x="9542883" y="4453922"/>
+                <a:ext cx="1806392" cy="369332"/>
+              </a:xfrm>
+              <a:prstGeom prst="rect">
+                <a:avLst/>
+              </a:prstGeom>
+              <a:noFill/>
+            </p:spPr>
+            <p:txBody>
+              <a:bodyPr wrap="none" rtlCol="0">
+                <a:spAutoFit/>
+              </a:bodyPr>
+              <a:lstStyle/>
+              <a:p>
+                <a:r>
+                  <a:rPr lang="fr-CH"/>
+                  <a:t>SPARQL endpoint</a:t>
+                </a:r>
+              </a:p>
+            </p:txBody>
+          </p:sp>
+          <p:sp>
+            <p:nvSpPr>
+              <p:cNvPr id="52" name="Rectangle 51">
+                <a:extLst>
+                  <a:ext uri="{FF2B5EF4-FFF2-40B4-BE49-F238E27FC236}">
+                    <a16:creationId xmlns:a16="http://schemas.microsoft.com/office/drawing/2014/main" id="{DC8723CB-BE9A-4E9C-97CC-EA523EDA5D92}"/>
+                  </a:ext>
+                </a:extLst>
+              </p:cNvPr>
+              <p:cNvSpPr/>
+              <p:nvPr/>
+            </p:nvSpPr>
+            <p:spPr>
+              <a:xfrm>
+                <a:off x="9470772" y="1732235"/>
+                <a:ext cx="2247732" cy="409768"/>
+              </a:xfrm>
+              <a:prstGeom prst="rect">
+                <a:avLst/>
+              </a:prstGeom>
+              <a:noFill/>
+              <a:ln w="38100"/>
+            </p:spPr>
+            <p:style>
+              <a:lnRef idx="2">
+                <a:schemeClr val="accent1">
+                  <a:shade val="50000"/>
+                </a:schemeClr>
+              </a:lnRef>
+              <a:fillRef idx="1">
+                <a:schemeClr val="accent1"/>
+              </a:fillRef>
+              <a:effectRef idx="0">
+                <a:schemeClr val="accent1"/>
+              </a:effectRef>
+              <a:fontRef idx="minor">
+                <a:schemeClr val="lt1"/>
+              </a:fontRef>
+            </p:style>
+            <p:txBody>
+              <a:bodyPr rtlCol="0" anchor="ctr"/>
+              <a:lstStyle/>
+              <a:p>
+                <a:pPr algn="ctr"/>
+                <a:endParaRPr lang="fr-CH"/>
+              </a:p>
+            </p:txBody>
+          </p:sp>
+          <p:sp>
+            <p:nvSpPr>
+              <p:cNvPr id="21" name="ZoneTexte 20">
+                <a:extLst>
+                  <a:ext uri="{FF2B5EF4-FFF2-40B4-BE49-F238E27FC236}">
+                    <a16:creationId xmlns:a16="http://schemas.microsoft.com/office/drawing/2014/main" id="{8F8438C2-C242-41DD-81CD-2D3B78B5966C}"/>
+                  </a:ext>
+                </a:extLst>
+              </p:cNvPr>
+              <p:cNvSpPr txBox="1"/>
+              <p:nvPr/>
+            </p:nvSpPr>
+            <p:spPr>
+              <a:xfrm>
+                <a:off x="9558283" y="1778833"/>
+                <a:ext cx="463588" cy="369332"/>
+              </a:xfrm>
+              <a:prstGeom prst="rect">
+                <a:avLst/>
+              </a:prstGeom>
+              <a:noFill/>
+            </p:spPr>
+            <p:txBody>
+              <a:bodyPr wrap="none" rtlCol="0">
+                <a:spAutoFit/>
+              </a:bodyPr>
+              <a:lstStyle/>
+              <a:p>
+                <a:r>
+                  <a:rPr lang="fr-CH"/>
+                  <a:t>IIIF</a:t>
+                </a:r>
+              </a:p>
+            </p:txBody>
+          </p:sp>
+        </p:grpSp>
+      </p:grpSp>
+      <p:sp>
+        <p:nvSpPr>
+          <p:cNvPr id="53" name="Flèche : droite 52">
+            <a:extLst>
+              <a:ext uri="{FF2B5EF4-FFF2-40B4-BE49-F238E27FC236}">
+                <a16:creationId xmlns:a16="http://schemas.microsoft.com/office/drawing/2014/main" id="{7DDA595E-FAB8-45C0-9310-963A5F44E135}"/>
+              </a:ext>
+            </a:extLst>
+          </p:cNvPr>
+          <p:cNvSpPr/>
+          <p:nvPr/>
+        </p:nvSpPr>
+        <p:spPr>
+          <a:xfrm rot="19048945">
+            <a:off x="8794819" y="3555984"/>
+            <a:ext cx="644403" cy="131186"/>
+          </a:xfrm>
+          <a:prstGeom prst="rightArrow">
+            <a:avLst/>
+          </a:prstGeom>
+          <a:pattFill prst="wdUpDiag">
+            <a:fgClr>
+              <a:srgbClr val="FFFF00"/>
+            </a:fgClr>
+            <a:bgClr>
+              <a:srgbClr val="92D050"/>
+            </a:bgClr>
+          </a:pattFill>
+        </p:spPr>
+        <p:style>
+          <a:lnRef idx="2">
+            <a:schemeClr val="accent1">
+              <a:shade val="50000"/>
+            </a:schemeClr>
+          </a:lnRef>
+          <a:fillRef idx="1">
+            <a:schemeClr val="accent1"/>
+          </a:fillRef>
+          <a:effectRef idx="0">
+            <a:schemeClr val="accent1"/>
+          </a:effectRef>
+          <a:fontRef idx="minor">
+            <a:schemeClr val="lt1"/>
+          </a:fontRef>
+        </p:style>
+        <p:txBody>
+          <a:bodyPr rtlCol="0" anchor="ctr"/>
+          <a:lstStyle/>
+          <a:p>
+            <a:pPr algn="ctr"/>
+            <a:endParaRPr lang="fr-CH"/>
+          </a:p>
+        </p:txBody>
+      </p:sp>
+      <p:sp>
+        <p:nvSpPr>
+          <p:cNvPr id="54" name="Flèche : droite 53">
+            <a:extLst>
+              <a:ext uri="{FF2B5EF4-FFF2-40B4-BE49-F238E27FC236}">
+                <a16:creationId xmlns:a16="http://schemas.microsoft.com/office/drawing/2014/main" id="{F44DF23B-06A6-4F27-AF70-FCA6197808B4}"/>
+              </a:ext>
+            </a:extLst>
+          </p:cNvPr>
+          <p:cNvSpPr/>
+          <p:nvPr/>
+        </p:nvSpPr>
+        <p:spPr>
+          <a:xfrm rot="17214831">
+            <a:off x="8253792" y="4275769"/>
+            <a:ext cx="1894638" cy="144686"/>
+          </a:xfrm>
+          <a:prstGeom prst="rightArrow">
+            <a:avLst/>
+          </a:prstGeom>
+          <a:pattFill prst="wdUpDiag">
+            <a:fgClr>
+              <a:srgbClr val="FFFF00"/>
+            </a:fgClr>
+            <a:bgClr>
+              <a:srgbClr val="92D050"/>
+            </a:bgClr>
+          </a:pattFill>
+        </p:spPr>
+        <p:style>
+          <a:lnRef idx="2">
+            <a:schemeClr val="accent1">
+              <a:shade val="50000"/>
+            </a:schemeClr>
+          </a:lnRef>
+          <a:fillRef idx="1">
+            <a:schemeClr val="accent1"/>
+          </a:fillRef>
+          <a:effectRef idx="0">
+            <a:schemeClr val="accent1"/>
+          </a:effectRef>
+          <a:fontRef idx="minor">
+            <a:schemeClr val="lt1"/>
+          </a:fontRef>
+        </p:style>
+        <p:txBody>
+          <a:bodyPr rtlCol="0" anchor="ctr"/>
+          <a:lstStyle/>
+          <a:p>
+            <a:pPr algn="ctr"/>
+            <a:endParaRPr lang="fr-CH"/>
+          </a:p>
+        </p:txBody>
+      </p:sp>
+      <p:sp>
+        <p:nvSpPr>
+          <p:cNvPr id="55" name="Flèche : droite 54">
+            <a:extLst>
+              <a:ext uri="{FF2B5EF4-FFF2-40B4-BE49-F238E27FC236}">
+                <a16:creationId xmlns:a16="http://schemas.microsoft.com/office/drawing/2014/main" id="{C4EAB3D2-4085-46EE-8486-358B506121B2}"/>
+              </a:ext>
+            </a:extLst>
+          </p:cNvPr>
+          <p:cNvSpPr/>
+          <p:nvPr/>
+        </p:nvSpPr>
+        <p:spPr>
+          <a:xfrm>
+            <a:off x="8934801" y="2288933"/>
+            <a:ext cx="544809" cy="118393"/>
+          </a:xfrm>
+          <a:prstGeom prst="rightArrow">
+            <a:avLst/>
+          </a:prstGeom>
+          <a:solidFill>
+            <a:srgbClr val="FF6600"/>
+          </a:solidFill>
+        </p:spPr>
+        <p:style>
+          <a:lnRef idx="2">
+            <a:schemeClr val="accent1">
+              <a:shade val="50000"/>
+            </a:schemeClr>
+          </a:lnRef>
+          <a:fillRef idx="1">
+            <a:schemeClr val="accent1"/>
+          </a:fillRef>
+          <a:effectRef idx="0">
+            <a:schemeClr val="accent1"/>
+          </a:effectRef>
+          <a:fontRef idx="minor">
+            <a:schemeClr val="lt1"/>
+          </a:fontRef>
+        </p:style>
+        <p:txBody>
+          <a:bodyPr rtlCol="0" anchor="ctr"/>
+          <a:lstStyle/>
+          <a:p>
+            <a:pPr algn="ctr"/>
+            <a:endParaRPr lang="fr-CH"/>
+          </a:p>
+        </p:txBody>
+      </p:sp>
+      <p:sp>
+        <p:nvSpPr>
+          <p:cNvPr id="56" name="Flèche : droite 55">
+            <a:extLst>
+              <a:ext uri="{FF2B5EF4-FFF2-40B4-BE49-F238E27FC236}">
+                <a16:creationId xmlns:a16="http://schemas.microsoft.com/office/drawing/2014/main" id="{6D53F00B-8ED7-49A3-879F-F87D1C1F1041}"/>
+              </a:ext>
+            </a:extLst>
+          </p:cNvPr>
+          <p:cNvSpPr/>
+          <p:nvPr/>
+        </p:nvSpPr>
+        <p:spPr>
+          <a:xfrm rot="18128519">
+            <a:off x="8699489" y="4782617"/>
+            <a:ext cx="1003245" cy="138810"/>
+          </a:xfrm>
+          <a:prstGeom prst="rightArrow">
+            <a:avLst/>
+          </a:prstGeom>
+          <a:pattFill prst="wdUpDiag">
+            <a:fgClr>
+              <a:srgbClr val="FFFF00"/>
+            </a:fgClr>
+            <a:bgClr>
+              <a:srgbClr val="92D050"/>
+            </a:bgClr>
+          </a:pattFill>
+        </p:spPr>
+        <p:style>
+          <a:lnRef idx="2">
+            <a:schemeClr val="accent1">
+              <a:shade val="50000"/>
+            </a:schemeClr>
+          </a:lnRef>
+          <a:fillRef idx="1">
+            <a:schemeClr val="accent1"/>
+          </a:fillRef>
+          <a:effectRef idx="0">
+            <a:schemeClr val="accent1"/>
+          </a:effectRef>
+          <a:fontRef idx="minor">
+            <a:schemeClr val="lt1"/>
+          </a:fontRef>
+        </p:style>
+        <p:txBody>
+          <a:bodyPr rtlCol="0" anchor="ctr"/>
+          <a:lstStyle/>
+          <a:p>
+            <a:pPr algn="ctr"/>
+            <a:endParaRPr lang="fr-CH"/>
+          </a:p>
+        </p:txBody>
+      </p:sp>
+    </p:spTree>
+    <p:extLst>
+      <p:ext uri="{BB962C8B-B14F-4D97-AF65-F5344CB8AC3E}">
+        <p14:creationId xmlns:p14="http://schemas.microsoft.com/office/powerpoint/2010/main" val="806905155"/>
+      </p:ext>
+    </p:extLst>
+  </p:cSld>
+  <p:clrMapOvr>
+    <a:masterClrMapping/>
+  </p:clrMapOvr>
+  <p:timing>
+    <p:tnLst>
+      <p:par>
+        <p:cTn id="1" dur="indefinite" restart="never" nodeType="tmRoot">
+          <p:childTnLst>
+            <p:seq concurrent="1" nextAc="seek">
+              <p:cTn id="2" dur="indefinite" nodeType="mainSeq">
+                <p:childTnLst>
+                  <p:par>
+                    <p:cTn id="3" fill="hold">
+                      <p:stCondLst>
+                        <p:cond delay="indefinite"/>
+                      </p:stCondLst>
+                      <p:childTnLst>
+                        <p:par>
+                          <p:cTn id="4" fill="hold">
+                            <p:stCondLst>
+                              <p:cond delay="0"/>
+                            </p:stCondLst>
+                            <p:childTnLst>
+                              <p:par>
+                                <p:cTn id="5" presetID="1" presetClass="entr" presetSubtype="0" fill="hold" nodeType="clickEffect">
+                                  <p:stCondLst>
+                                    <p:cond delay="0"/>
+                                  </p:stCondLst>
+                                  <p:childTnLst>
+                                    <p:set>
+                                      <p:cBhvr>
+                                        <p:cTn id="6" dur="1" fill="hold">
+                                          <p:stCondLst>
+                                            <p:cond delay="0"/>
+                                          </p:stCondLst>
+                                        </p:cTn>
+                                        <p:tgtEl>
+                                          <p:spTgt spid="57"/>
+                                        </p:tgtEl>
+                                        <p:attrNameLst>
+                                          <p:attrName>style.visibility</p:attrName>
+                                        </p:attrNameLst>
+                                      </p:cBhvr>
+                                      <p:to>
+                                        <p:strVal val="visible"/>
+                                      </p:to>
+                                    </p:set>
+                                  </p:childTnLst>
+                                </p:cTn>
+                              </p:par>
+                            </p:childTnLst>
+                          </p:cTn>
+                        </p:par>
+                      </p:childTnLst>
+                    </p:cTn>
+                  </p:par>
+                  <p:par>
+                    <p:cTn id="7" fill="hold">
+                      <p:stCondLst>
+                        <p:cond delay="indefinite"/>
+                      </p:stCondLst>
+                      <p:childTnLst>
+                        <p:par>
+                          <p:cTn id="8" fill="hold">
+                            <p:stCondLst>
+                              <p:cond delay="0"/>
+                            </p:stCondLst>
+                            <p:childTnLst>
+                              <p:par>
+                                <p:cTn id="9" presetID="1" presetClass="entr" presetSubtype="0" fill="hold" grpId="0" nodeType="clickEffect">
+                                  <p:stCondLst>
+                                    <p:cond delay="0"/>
+                                  </p:stCondLst>
+                                  <p:childTnLst>
+                                    <p:set>
+                                      <p:cBhvr>
+                                        <p:cTn id="10" dur="1" fill="hold">
+                                          <p:stCondLst>
+                                            <p:cond delay="0"/>
+                                          </p:stCondLst>
+                                        </p:cTn>
+                                        <p:tgtEl>
+                                          <p:spTgt spid="17"/>
+                                        </p:tgtEl>
+                                        <p:attrNameLst>
+                                          <p:attrName>style.visibility</p:attrName>
+                                        </p:attrNameLst>
+                                      </p:cBhvr>
+                                      <p:to>
+                                        <p:strVal val="visible"/>
+                                      </p:to>
+                                    </p:set>
+                                  </p:childTnLst>
+                                </p:cTn>
+                              </p:par>
+                              <p:par>
+                                <p:cTn id="11" presetID="1" presetClass="entr" presetSubtype="0" fill="hold" grpId="0" nodeType="withEffect">
+                                  <p:stCondLst>
+                                    <p:cond delay="0"/>
+                                  </p:stCondLst>
+                                  <p:childTnLst>
+                                    <p:set>
+                                      <p:cBhvr>
+                                        <p:cTn id="12" dur="1" fill="hold">
+                                          <p:stCondLst>
+                                            <p:cond delay="0"/>
+                                          </p:stCondLst>
+                                        </p:cTn>
+                                        <p:tgtEl>
+                                          <p:spTgt spid="38"/>
+                                        </p:tgtEl>
+                                        <p:attrNameLst>
+                                          <p:attrName>style.visibility</p:attrName>
+                                        </p:attrNameLst>
+                                      </p:cBhvr>
+                                      <p:to>
+                                        <p:strVal val="visible"/>
+                                      </p:to>
+                                    </p:set>
+                                  </p:childTnLst>
+                                </p:cTn>
+                              </p:par>
+                              <p:par>
+                                <p:cTn id="13" presetID="1" presetClass="entr" presetSubtype="0" fill="hold" grpId="0" nodeType="withEffect">
+                                  <p:stCondLst>
+                                    <p:cond delay="0"/>
+                                  </p:stCondLst>
+                                  <p:childTnLst>
+                                    <p:set>
+                                      <p:cBhvr>
+                                        <p:cTn id="14" dur="1" fill="hold">
+                                          <p:stCondLst>
+                                            <p:cond delay="0"/>
+                                          </p:stCondLst>
+                                        </p:cTn>
+                                        <p:tgtEl>
+                                          <p:spTgt spid="43"/>
+                                        </p:tgtEl>
+                                        <p:attrNameLst>
+                                          <p:attrName>style.visibility</p:attrName>
+                                        </p:attrNameLst>
+                                      </p:cBhvr>
+                                      <p:to>
+                                        <p:strVal val="visible"/>
+                                      </p:to>
+                                    </p:set>
+                                  </p:childTnLst>
+                                </p:cTn>
+                              </p:par>
+                            </p:childTnLst>
+                          </p:cTn>
+                        </p:par>
+                      </p:childTnLst>
+                    </p:cTn>
+                  </p:par>
+                  <p:par>
+                    <p:cTn id="15" fill="hold">
+                      <p:stCondLst>
+                        <p:cond delay="indefinite"/>
+                      </p:stCondLst>
+                      <p:childTnLst>
+                        <p:par>
+                          <p:cTn id="16" fill="hold">
+                            <p:stCondLst>
+                              <p:cond delay="0"/>
+                            </p:stCondLst>
+                            <p:childTnLst>
+                              <p:par>
+                                <p:cTn id="17" presetID="1" presetClass="entr" presetSubtype="0" fill="hold" grpId="0" nodeType="clickEffect">
+                                  <p:stCondLst>
+                                    <p:cond delay="0"/>
+                                  </p:stCondLst>
+                                  <p:childTnLst>
+                                    <p:set>
+                                      <p:cBhvr>
+                                        <p:cTn id="18" dur="1" fill="hold">
+                                          <p:stCondLst>
+                                            <p:cond delay="0"/>
+                                          </p:stCondLst>
+                                        </p:cTn>
+                                        <p:tgtEl>
+                                          <p:spTgt spid="55"/>
+                                        </p:tgtEl>
+                                        <p:attrNameLst>
+                                          <p:attrName>style.visibility</p:attrName>
+                                        </p:attrNameLst>
+                                      </p:cBhvr>
+                                      <p:to>
+                                        <p:strVal val="visible"/>
+                                      </p:to>
+                                    </p:set>
+                                  </p:childTnLst>
+                                </p:cTn>
+                              </p:par>
+                              <p:par>
+                                <p:cTn id="19" presetID="1" presetClass="entr" presetSubtype="0" fill="hold" grpId="0" nodeType="withEffect">
+                                  <p:stCondLst>
+                                    <p:cond delay="0"/>
+                                  </p:stCondLst>
+                                  <p:childTnLst>
+                                    <p:set>
+                                      <p:cBhvr>
+                                        <p:cTn id="20" dur="1" fill="hold">
+                                          <p:stCondLst>
+                                            <p:cond delay="0"/>
+                                          </p:stCondLst>
+                                        </p:cTn>
+                                        <p:tgtEl>
+                                          <p:spTgt spid="53"/>
+                                        </p:tgtEl>
+                                        <p:attrNameLst>
+                                          <p:attrName>style.visibility</p:attrName>
+                                        </p:attrNameLst>
+                                      </p:cBhvr>
+                                      <p:to>
+                                        <p:strVal val="visible"/>
+                                      </p:to>
+                                    </p:set>
+                                  </p:childTnLst>
+                                </p:cTn>
+                              </p:par>
+                              <p:par>
+                                <p:cTn id="21" presetID="1" presetClass="entr" presetSubtype="0" fill="hold" grpId="0" nodeType="withEffect">
+                                  <p:stCondLst>
+                                    <p:cond delay="0"/>
+                                  </p:stCondLst>
+                                  <p:childTnLst>
+                                    <p:set>
+                                      <p:cBhvr>
+                                        <p:cTn id="22" dur="1" fill="hold">
+                                          <p:stCondLst>
+                                            <p:cond delay="0"/>
+                                          </p:stCondLst>
+                                        </p:cTn>
+                                        <p:tgtEl>
+                                          <p:spTgt spid="51"/>
+                                        </p:tgtEl>
+                                        <p:attrNameLst>
+                                          <p:attrName>style.visibility</p:attrName>
+                                        </p:attrNameLst>
+                                      </p:cBhvr>
+                                      <p:to>
+                                        <p:strVal val="visible"/>
+                                      </p:to>
+                                    </p:set>
+                                  </p:childTnLst>
+                                </p:cTn>
+                              </p:par>
+                              <p:par>
+                                <p:cTn id="23" presetID="1" presetClass="entr" presetSubtype="0" fill="hold" grpId="0" nodeType="withEffect">
+                                  <p:stCondLst>
+                                    <p:cond delay="0"/>
+                                  </p:stCondLst>
+                                  <p:childTnLst>
+                                    <p:set>
+                                      <p:cBhvr>
+                                        <p:cTn id="24" dur="1" fill="hold">
+                                          <p:stCondLst>
+                                            <p:cond delay="0"/>
+                                          </p:stCondLst>
+                                        </p:cTn>
+                                        <p:tgtEl>
+                                          <p:spTgt spid="54"/>
+                                        </p:tgtEl>
+                                        <p:attrNameLst>
+                                          <p:attrName>style.visibility</p:attrName>
+                                        </p:attrNameLst>
+                                      </p:cBhvr>
+                                      <p:to>
+                                        <p:strVal val="visible"/>
+                                      </p:to>
+                                    </p:set>
+                                  </p:childTnLst>
+                                </p:cTn>
+                              </p:par>
+                              <p:par>
+                                <p:cTn id="25" presetID="1" presetClass="entr" presetSubtype="0" fill="hold" grpId="0" nodeType="withEffect">
+                                  <p:stCondLst>
+                                    <p:cond delay="0"/>
+                                  </p:stCondLst>
+                                  <p:childTnLst>
+                                    <p:set>
+                                      <p:cBhvr>
+                                        <p:cTn id="26" dur="1" fill="hold">
+                                          <p:stCondLst>
+                                            <p:cond delay="0"/>
+                                          </p:stCondLst>
+                                        </p:cTn>
+                                        <p:tgtEl>
+                                          <p:spTgt spid="56"/>
+                                        </p:tgtEl>
+                                        <p:attrNameLst>
+                                          <p:attrName>style.visibility</p:attrName>
+                                        </p:attrNameLst>
+                                      </p:cBhvr>
+                                      <p:to>
+                                        <p:strVal val="visible"/>
+                                      </p:to>
+                                    </p:set>
+                                  </p:childTnLst>
+                                </p:cTn>
+                              </p:par>
+                              <p:par>
+                                <p:cTn id="27" presetID="1" presetClass="entr" presetSubtype="0" fill="hold" grpId="0" nodeType="withEffect">
+                                  <p:stCondLst>
+                                    <p:cond delay="0"/>
+                                  </p:stCondLst>
+                                  <p:childTnLst>
+                                    <p:set>
+                                      <p:cBhvr>
+                                        <p:cTn id="28" dur="1" fill="hold">
+                                          <p:stCondLst>
+                                            <p:cond delay="0"/>
+                                          </p:stCondLst>
+                                        </p:cTn>
+                                        <p:tgtEl>
+                                          <p:spTgt spid="50"/>
+                                        </p:tgtEl>
+                                        <p:attrNameLst>
+                                          <p:attrName>style.visibility</p:attrName>
+                                        </p:attrNameLst>
+                                      </p:cBhvr>
+                                      <p:to>
+                                        <p:strVal val="visible"/>
+                                      </p:to>
+                                    </p:set>
+                                  </p:childTnLst>
+                                </p:cTn>
+                              </p:par>
+                            </p:childTnLst>
+                          </p:cTn>
+                        </p:par>
+                      </p:childTnLst>
+                    </p:cTn>
+                  </p:par>
+                </p:childTnLst>
+              </p:cTn>
+              <p:prevCondLst>
+                <p:cond evt="onPrev" delay="0">
+                  <p:tgtEl>
+                    <p:sldTgt/>
+                  </p:tgtEl>
+                </p:cond>
+              </p:prevCondLst>
+              <p:nextCondLst>
+                <p:cond evt="onNext" delay="0">
+                  <p:tgtEl>
+                    <p:sldTgt/>
+                  </p:tgtEl>
+                </p:cond>
+              </p:nextCondLst>
+            </p:seq>
+          </p:childTnLst>
+        </p:cTn>
+      </p:par>
+    </p:tnLst>
+    <p:bldLst>
+      <p:bldP spid="17" grpId="0" animBg="1"/>
+      <p:bldP spid="38" grpId="0" animBg="1"/>
       <p:bldP spid="43" grpId="0" animBg="1"/>
+      <p:bldP spid="50" grpId="0" animBg="1"/>
+      <p:bldP spid="51" grpId="0" animBg="1"/>
+      <p:bldP spid="53" grpId="0" animBg="1"/>
+      <p:bldP spid="54" grpId="0" animBg="1"/>
+      <p:bldP spid="55" grpId="0" animBg="1"/>
+      <p:bldP spid="56" grpId="0" animBg="1"/>
     </p:bldLst>
   </p:timing>
 </p:sld>
